--- a/ヘクサチェス.pptx
+++ b/ヘクサチェス.pptx
@@ -108,6 +108,11 @@
       </a:defRPr>
     </a:lvl9pPr>
   </p:defaultTextStyle>
+  <p:extLst>
+    <p:ext uri="{EFAFB233-063F-42B5-8137-9DF3F51BA10A}">
+      <p15:sldGuideLst xmlns:p15="http://schemas.microsoft.com/office/powerpoint/2012/main"/>
+    </p:ext>
+  </p:extLst>
 </p:presentation>
 </file>
 
@@ -3381,7 +3386,45 @@
           <a:bodyPr/>
           <a:lstStyle/>
           <a:p>
-            <a:endParaRPr kumimoji="1" lang="ja-JP" altLang="en-US"/>
+            <a:r>
+              <a:rPr lang="ja-JP" altLang="en-US" dirty="0" smtClean="0"/>
+              <a:t>ゲームジャンル：ボードゲーム</a:t>
+            </a:r>
+            <a:endParaRPr lang="en-US" altLang="ja-JP" dirty="0" smtClean="0"/>
+          </a:p>
+          <a:p>
+            <a:r>
+              <a:rPr lang="ja-JP" altLang="en-US" dirty="0" smtClean="0"/>
+              <a:t>プレイ人数：</a:t>
+            </a:r>
+            <a:r>
+              <a:rPr lang="en-US" altLang="ja-JP" dirty="0" smtClean="0"/>
+              <a:t>2</a:t>
+            </a:r>
+            <a:r>
+              <a:rPr lang="ja-JP" altLang="en-US" dirty="0" smtClean="0"/>
+              <a:t>人～</a:t>
+            </a:r>
+            <a:r>
+              <a:rPr lang="en-US" altLang="ja-JP" dirty="0" smtClean="0"/>
+              <a:t>6</a:t>
+            </a:r>
+            <a:r>
+              <a:rPr lang="ja-JP" altLang="en-US" dirty="0" smtClean="0"/>
+              <a:t>人</a:t>
+            </a:r>
+            <a:endParaRPr lang="en-US" altLang="ja-JP" dirty="0" smtClean="0"/>
+          </a:p>
+          <a:p>
+            <a:r>
+              <a:rPr lang="ja-JP" altLang="en-US" dirty="0"/>
+              <a:t>制作</a:t>
+            </a:r>
+            <a:r>
+              <a:rPr lang="ja-JP" altLang="en-US" dirty="0" smtClean="0"/>
+              <a:t>体制：個人制作</a:t>
+            </a:r>
+            <a:endParaRPr lang="en-US" altLang="ja-JP" dirty="0" smtClean="0"/>
           </a:p>
         </p:txBody>
       </p:sp>
@@ -3432,7 +3475,7 @@
           <a:p>
             <a:r>
               <a:rPr kumimoji="1" lang="ja-JP" altLang="en-US" dirty="0" smtClean="0"/>
-              <a:t>ゲーム</a:t>
+              <a:t>ゲームルール：準備</a:t>
             </a:r>
             <a:endParaRPr kumimoji="1" lang="ja-JP" altLang="en-US" dirty="0"/>
           </a:p>
@@ -3504,7 +3547,7 @@
           <a:p>
             <a:r>
               <a:rPr kumimoji="1" lang="ja-JP" altLang="en-US" dirty="0" smtClean="0"/>
-              <a:t>ゲームルール</a:t>
+              <a:t>ゲームルール：行動</a:t>
             </a:r>
             <a:endParaRPr kumimoji="1" lang="ja-JP" altLang="en-US" dirty="0"/>
           </a:p>
@@ -3525,29 +3568,43 @@
           <a:bodyPr/>
           <a:lstStyle/>
           <a:p>
-            <a:endParaRPr kumimoji="1" lang="ja-JP" altLang="en-US"/>
-          </a:p>
-        </p:txBody>
-      </p:sp>
-      <p:sp>
-        <p:nvSpPr>
-          <p:cNvPr id="4" name="コンテンツ プレースホルダー 3"/>
-          <p:cNvSpPr>
-            <a:spLocks noGrp="1"/>
-          </p:cNvSpPr>
+            <a:r>
+              <a:rPr kumimoji="1" lang="ja-JP" altLang="en-US" dirty="0" smtClean="0"/>
+              <a:t>周りに空いているマスへ移動</a:t>
+            </a:r>
+            <a:endParaRPr kumimoji="1" lang="ja-JP" altLang="en-US" dirty="0"/>
+          </a:p>
+        </p:txBody>
+      </p:sp>
+      <p:pic>
+        <p:nvPicPr>
+          <p:cNvPr id="7" name="コンテンツ プレースホルダー 6"/>
+          <p:cNvPicPr>
+            <a:picLocks noGrp="1" noChangeAspect="1"/>
+          </p:cNvPicPr>
           <p:nvPr>
             <p:ph sz="half" idx="2"/>
           </p:nvPr>
-        </p:nvSpPr>
-        <p:spPr/>
-        <p:txBody>
-          <a:bodyPr/>
-          <a:lstStyle/>
-          <a:p>
-            <a:endParaRPr kumimoji="1" lang="ja-JP" altLang="en-US"/>
-          </a:p>
-        </p:txBody>
-      </p:sp>
+        </p:nvPicPr>
+        <p:blipFill>
+          <a:blip r:embed="rId2" cstate="print">
+            <a:extLst>
+              <a:ext uri="{28A0092B-C50C-407E-A947-70E740481C1C}">
+                <a14:useLocalDpi xmlns:a14="http://schemas.microsoft.com/office/drawing/2010/main" val="0"/>
+              </a:ext>
+            </a:extLst>
+          </a:blip>
+          <a:stretch>
+            <a:fillRect/>
+          </a:stretch>
+        </p:blipFill>
+        <p:spPr>
+          <a:xfrm>
+            <a:off x="2257390" y="3821113"/>
+            <a:ext cx="2322581" cy="1027178"/>
+          </a:xfrm>
+        </p:spPr>
+      </p:pic>
       <p:sp>
         <p:nvSpPr>
           <p:cNvPr id="5" name="テキスト プレースホルダー 4"/>
@@ -3563,29 +3620,43 @@
           <a:bodyPr/>
           <a:lstStyle/>
           <a:p>
-            <a:endParaRPr kumimoji="1" lang="ja-JP" altLang="en-US"/>
-          </a:p>
-        </p:txBody>
-      </p:sp>
-      <p:sp>
-        <p:nvSpPr>
-          <p:cNvPr id="6" name="コンテンツ プレースホルダー 5"/>
-          <p:cNvSpPr>
-            <a:spLocks noGrp="1"/>
-          </p:cNvSpPr>
+            <a:r>
+              <a:rPr kumimoji="1" lang="ja-JP" altLang="en-US" dirty="0" smtClean="0"/>
+              <a:t>周りのマスを選択して破壊</a:t>
+            </a:r>
+            <a:endParaRPr kumimoji="1" lang="ja-JP" altLang="en-US" dirty="0"/>
+          </a:p>
+        </p:txBody>
+      </p:sp>
+      <p:pic>
+        <p:nvPicPr>
+          <p:cNvPr id="8" name="コンテンツ プレースホルダー 7"/>
+          <p:cNvPicPr>
+            <a:picLocks noGrp="1" noChangeAspect="1"/>
+          </p:cNvPicPr>
           <p:nvPr>
             <p:ph sz="quarter" idx="4"/>
           </p:nvPr>
-        </p:nvSpPr>
-        <p:spPr/>
-        <p:txBody>
-          <a:bodyPr/>
-          <a:lstStyle/>
-          <a:p>
-            <a:endParaRPr kumimoji="1" lang="ja-JP" altLang="en-US"/>
-          </a:p>
-        </p:txBody>
-      </p:sp>
+        </p:nvPicPr>
+        <p:blipFill>
+          <a:blip r:embed="rId3" cstate="print">
+            <a:extLst>
+              <a:ext uri="{28A0092B-C50C-407E-A947-70E740481C1C}">
+                <a14:useLocalDpi xmlns:a14="http://schemas.microsoft.com/office/drawing/2010/main" val="0"/>
+              </a:ext>
+            </a:extLst>
+          </a:blip>
+          <a:stretch>
+            <a:fillRect/>
+          </a:stretch>
+        </p:blipFill>
+        <p:spPr>
+          <a:xfrm>
+            <a:off x="7602503" y="3833780"/>
+            <a:ext cx="2322581" cy="1027178"/>
+          </a:xfrm>
+        </p:spPr>
+      </p:pic>
     </p:spTree>
     <p:extLst>
       <p:ext uri="{BB962C8B-B14F-4D97-AF65-F5344CB8AC3E}">
@@ -3633,58 +3704,64 @@
           <a:p>
             <a:r>
               <a:rPr kumimoji="1" lang="ja-JP" altLang="en-US" dirty="0" smtClean="0"/>
-              <a:t>勝敗</a:t>
-            </a:r>
-            <a:r>
-              <a:rPr kumimoji="1" lang="en-US" altLang="ja-JP" dirty="0" smtClean="0"/>
-              <a:t>(</a:t>
-            </a:r>
+              <a:t>ゲームルール：勝敗</a:t>
+            </a:r>
+            <a:endParaRPr kumimoji="1" lang="ja-JP" altLang="en-US" dirty="0"/>
+          </a:p>
+        </p:txBody>
+      </p:sp>
+      <p:sp>
+        <p:nvSpPr>
+          <p:cNvPr id="3" name="テキスト プレースホルダー 2"/>
+          <p:cNvSpPr>
+            <a:spLocks noGrp="1"/>
+          </p:cNvSpPr>
+          <p:nvPr>
+            <p:ph type="body" idx="1"/>
+          </p:nvPr>
+        </p:nvSpPr>
+        <p:spPr/>
+        <p:txBody>
+          <a:bodyPr/>
+          <a:lstStyle/>
+          <a:p>
             <a:r>
               <a:rPr kumimoji="1" lang="ja-JP" altLang="en-US" dirty="0" smtClean="0"/>
-              <a:t>特殊）</a:t>
+              <a:t>動けなくなったら負け</a:t>
             </a:r>
             <a:endParaRPr kumimoji="1" lang="ja-JP" altLang="en-US" dirty="0"/>
           </a:p>
         </p:txBody>
       </p:sp>
-      <p:sp>
-        <p:nvSpPr>
-          <p:cNvPr id="3" name="テキスト プレースホルダー 2"/>
-          <p:cNvSpPr>
-            <a:spLocks noGrp="1"/>
-          </p:cNvSpPr>
-          <p:nvPr>
-            <p:ph type="body" idx="1"/>
-          </p:nvPr>
-        </p:nvSpPr>
-        <p:spPr/>
-        <p:txBody>
-          <a:bodyPr/>
-          <a:lstStyle/>
-          <a:p>
-            <a:endParaRPr kumimoji="1" lang="ja-JP" altLang="en-US"/>
-          </a:p>
-        </p:txBody>
-      </p:sp>
-      <p:sp>
-        <p:nvSpPr>
-          <p:cNvPr id="4" name="コンテンツ プレースホルダー 3"/>
-          <p:cNvSpPr>
-            <a:spLocks noGrp="1"/>
-          </p:cNvSpPr>
+      <p:pic>
+        <p:nvPicPr>
+          <p:cNvPr id="7" name="コンテンツ プレースホルダー 6"/>
+          <p:cNvPicPr>
+            <a:picLocks noGrp="1" noChangeAspect="1"/>
+          </p:cNvPicPr>
           <p:nvPr>
             <p:ph sz="half" idx="2"/>
           </p:nvPr>
-        </p:nvSpPr>
-        <p:spPr/>
-        <p:txBody>
-          <a:bodyPr/>
-          <a:lstStyle/>
-          <a:p>
-            <a:endParaRPr kumimoji="1" lang="ja-JP" altLang="en-US"/>
-          </a:p>
-        </p:txBody>
-      </p:sp>
+        </p:nvPicPr>
+        <p:blipFill>
+          <a:blip r:embed="rId2" cstate="print">
+            <a:extLst>
+              <a:ext uri="{28A0092B-C50C-407E-A947-70E740481C1C}">
+                <a14:useLocalDpi xmlns:a14="http://schemas.microsoft.com/office/drawing/2010/main" val="0"/>
+              </a:ext>
+            </a:extLst>
+          </a:blip>
+          <a:stretch>
+            <a:fillRect/>
+          </a:stretch>
+        </p:blipFill>
+        <p:spPr>
+          <a:xfrm>
+            <a:off x="2257391" y="3833780"/>
+            <a:ext cx="2322581" cy="1027178"/>
+          </a:xfrm>
+        </p:spPr>
+      </p:pic>
       <p:sp>
         <p:nvSpPr>
           <p:cNvPr id="5" name="テキスト プレースホルダー 4"/>
@@ -3700,29 +3777,39 @@
           <a:bodyPr/>
           <a:lstStyle/>
           <a:p>
-            <a:endParaRPr kumimoji="1" lang="ja-JP" altLang="en-US"/>
-          </a:p>
-        </p:txBody>
-      </p:sp>
-      <p:sp>
-        <p:nvSpPr>
-          <p:cNvPr id="6" name="コンテンツ プレースホルダー 5"/>
-          <p:cNvSpPr>
-            <a:spLocks noGrp="1"/>
-          </p:cNvSpPr>
+            <a:endParaRPr kumimoji="1" lang="ja-JP" altLang="en-US" dirty="0"/>
+          </a:p>
+        </p:txBody>
+      </p:sp>
+      <p:pic>
+        <p:nvPicPr>
+          <p:cNvPr id="8" name="コンテンツ プレースホルダー 7"/>
+          <p:cNvPicPr>
+            <a:picLocks noGrp="1" noChangeAspect="1"/>
+          </p:cNvPicPr>
           <p:nvPr>
             <p:ph sz="quarter" idx="4"/>
           </p:nvPr>
-        </p:nvSpPr>
-        <p:spPr/>
-        <p:txBody>
-          <a:bodyPr/>
-          <a:lstStyle/>
-          <a:p>
-            <a:endParaRPr kumimoji="1" lang="ja-JP" altLang="en-US"/>
-          </a:p>
-        </p:txBody>
-      </p:sp>
+        </p:nvPicPr>
+        <p:blipFill>
+          <a:blip r:embed="rId3" cstate="print">
+            <a:extLst>
+              <a:ext uri="{28A0092B-C50C-407E-A947-70E740481C1C}">
+                <a14:useLocalDpi xmlns:a14="http://schemas.microsoft.com/office/drawing/2010/main" val="0"/>
+              </a:ext>
+            </a:extLst>
+          </a:blip>
+          <a:stretch>
+            <a:fillRect/>
+          </a:stretch>
+        </p:blipFill>
+        <p:spPr>
+          <a:xfrm>
+            <a:off x="7602503" y="3835304"/>
+            <a:ext cx="2322581" cy="1024130"/>
+          </a:xfrm>
+        </p:spPr>
+      </p:pic>
     </p:spTree>
     <p:extLst>
       <p:ext uri="{BB962C8B-B14F-4D97-AF65-F5344CB8AC3E}">

--- a/ヘクサチェス.pptx
+++ b/ヘクサチェス.pptx
@@ -2,14 +2,16 @@
 <file path=ppt/presentation.xml><?xml version="1.0" encoding="utf-8"?>
 <p:presentation xmlns:a="http://schemas.openxmlformats.org/drawingml/2006/main" xmlns:r="http://schemas.openxmlformats.org/officeDocument/2006/relationships" xmlns:p="http://schemas.openxmlformats.org/presentationml/2006/main" saveSubsetFonts="1">
   <p:sldMasterIdLst>
-    <p:sldMasterId id="2147483648" r:id="rId1"/>
+    <p:sldMasterId id="2147483660" r:id="rId1"/>
+    <p:sldMasterId id="2147483714" r:id="rId2"/>
   </p:sldMasterIdLst>
   <p:sldIdLst>
-    <p:sldId id="256" r:id="rId2"/>
-    <p:sldId id="257" r:id="rId3"/>
-    <p:sldId id="260" r:id="rId4"/>
-    <p:sldId id="258" r:id="rId5"/>
-    <p:sldId id="259" r:id="rId6"/>
+    <p:sldId id="256" r:id="rId3"/>
+    <p:sldId id="257" r:id="rId4"/>
+    <p:sldId id="260" r:id="rId5"/>
+    <p:sldId id="258" r:id="rId6"/>
+    <p:sldId id="259" r:id="rId7"/>
+    <p:sldId id="261" r:id="rId8"/>
   </p:sldIdLst>
   <p:sldSz cx="12192000" cy="6858000"/>
   <p:notesSz cx="6858000" cy="9144000"/>
@@ -135,7 +137,7 @@
       </p:grpSpPr>
       <p:sp>
         <p:nvSpPr>
-          <p:cNvPr id="2" name="タイトル 1"/>
+          <p:cNvPr id="2" name="Title 1"/>
           <p:cNvSpPr>
             <a:spLocks noGrp="1"/>
           </p:cNvSpPr>
@@ -145,12 +147,14 @@
         </p:nvSpPr>
         <p:spPr>
           <a:xfrm>
-            <a:off x="1524000" y="1122363"/>
+            <a:off x="1524000" y="1124530"/>
             <a:ext cx="9144000" cy="2387600"/>
           </a:xfrm>
         </p:spPr>
         <p:txBody>
-          <a:bodyPr anchor="b"/>
+          <a:bodyPr anchor="b">
+            <a:normAutofit/>
+          </a:bodyPr>
           <a:lstStyle>
             <a:lvl1pPr algn="ctr">
               <a:defRPr sz="6000"/>
@@ -158,16 +162,16 @@
           </a:lstStyle>
           <a:p>
             <a:r>
-              <a:rPr kumimoji="1" lang="ja-JP" altLang="en-US" smtClean="0"/>
+              <a:rPr lang="ja-JP" altLang="en-US" smtClean="0"/>
               <a:t>マスター タイトルの書式設定</a:t>
             </a:r>
-            <a:endParaRPr kumimoji="1" lang="ja-JP" altLang="en-US"/>
-          </a:p>
-        </p:txBody>
-      </p:sp>
-      <p:sp>
-        <p:nvSpPr>
-          <p:cNvPr id="3" name="サブタイトル 2"/>
+            <a:endParaRPr lang="en-US" dirty="0"/>
+          </a:p>
+        </p:txBody>
+      </p:sp>
+      <p:sp>
+        <p:nvSpPr>
+          <p:cNvPr id="3" name="Subtitle 2"/>
           <p:cNvSpPr>
             <a:spLocks noGrp="1"/>
           </p:cNvSpPr>
@@ -182,57 +186,66 @@
           </a:xfrm>
         </p:spPr>
         <p:txBody>
-          <a:bodyPr/>
+          <a:bodyPr>
+            <a:normAutofit/>
+          </a:bodyPr>
           <a:lstStyle>
             <a:lvl1pPr marL="0" indent="0" algn="ctr">
               <a:buNone/>
-              <a:defRPr sz="2400"/>
+              <a:defRPr sz="2400">
+                <a:solidFill>
+                  <a:schemeClr val="tx1">
+                    <a:lumMod val="75000"/>
+                    <a:lumOff val="25000"/>
+                  </a:schemeClr>
+                </a:solidFill>
+              </a:defRPr>
             </a:lvl1pPr>
             <a:lvl2pPr marL="457200" indent="0" algn="ctr">
               <a:buNone/>
-              <a:defRPr sz="2000"/>
+              <a:defRPr sz="2800"/>
             </a:lvl2pPr>
             <a:lvl3pPr marL="914400" indent="0" algn="ctr">
               <a:buNone/>
-              <a:defRPr sz="1800"/>
+              <a:defRPr sz="2400"/>
             </a:lvl3pPr>
             <a:lvl4pPr marL="1371600" indent="0" algn="ctr">
               <a:buNone/>
-              <a:defRPr sz="1600"/>
+              <a:defRPr sz="2000"/>
             </a:lvl4pPr>
             <a:lvl5pPr marL="1828800" indent="0" algn="ctr">
               <a:buNone/>
-              <a:defRPr sz="1600"/>
+              <a:defRPr sz="2000"/>
             </a:lvl5pPr>
             <a:lvl6pPr marL="2286000" indent="0" algn="ctr">
               <a:buNone/>
-              <a:defRPr sz="1600"/>
+              <a:defRPr sz="2000"/>
             </a:lvl6pPr>
             <a:lvl7pPr marL="2743200" indent="0" algn="ctr">
               <a:buNone/>
-              <a:defRPr sz="1600"/>
+              <a:defRPr sz="2000"/>
             </a:lvl7pPr>
             <a:lvl8pPr marL="3200400" indent="0" algn="ctr">
               <a:buNone/>
-              <a:defRPr sz="1600"/>
+              <a:defRPr sz="2000"/>
             </a:lvl8pPr>
             <a:lvl9pPr marL="3657600" indent="0" algn="ctr">
               <a:buNone/>
-              <a:defRPr sz="1600"/>
+              <a:defRPr sz="2000"/>
             </a:lvl9pPr>
           </a:lstStyle>
           <a:p>
             <a:r>
-              <a:rPr kumimoji="1" lang="ja-JP" altLang="en-US" smtClean="0"/>
+              <a:rPr lang="ja-JP" altLang="en-US" smtClean="0"/>
               <a:t>マスター サブタイトルの書式設定</a:t>
             </a:r>
-            <a:endParaRPr kumimoji="1" lang="ja-JP" altLang="en-US"/>
-          </a:p>
-        </p:txBody>
-      </p:sp>
-      <p:sp>
-        <p:nvSpPr>
-          <p:cNvPr id="4" name="日付プレースホルダー 3"/>
+            <a:endParaRPr lang="en-US" dirty="0"/>
+          </a:p>
+        </p:txBody>
+      </p:sp>
+      <p:sp>
+        <p:nvSpPr>
+          <p:cNvPr id="4" name="Date Placeholder 3"/>
           <p:cNvSpPr>
             <a:spLocks noGrp="1"/>
           </p:cNvSpPr>
@@ -247,7 +260,7 @@
           <a:p>
             <a:fld id="{FA9DE7E7-D5D8-4B4A-B259-88D9E4E9B04F}" type="datetimeFigureOut">
               <a:rPr kumimoji="1" lang="ja-JP" altLang="en-US" smtClean="0"/>
-              <a:t>2018/10/2</a:t>
+              <a:t>2018/10/3</a:t>
             </a:fld>
             <a:endParaRPr kumimoji="1" lang="ja-JP" altLang="en-US"/>
           </a:p>
@@ -255,7 +268,7 @@
       </p:sp>
       <p:sp>
         <p:nvSpPr>
-          <p:cNvPr id="5" name="フッター プレースホルダー 4"/>
+          <p:cNvPr id="5" name="Footer Placeholder 4"/>
           <p:cNvSpPr>
             <a:spLocks noGrp="1"/>
           </p:cNvSpPr>
@@ -274,7 +287,7 @@
       </p:sp>
       <p:sp>
         <p:nvSpPr>
-          <p:cNvPr id="6" name="スライド番号プレースホルダー 5"/>
+          <p:cNvPr id="6" name="Slide Number Placeholder 5"/>
           <p:cNvSpPr>
             <a:spLocks noGrp="1"/>
           </p:cNvSpPr>
@@ -298,13 +311,20 @@
     </p:spTree>
     <p:extLst>
       <p:ext uri="{BB962C8B-B14F-4D97-AF65-F5344CB8AC3E}">
-        <p14:creationId xmlns:p14="http://schemas.microsoft.com/office/powerpoint/2010/main" val="2528172048"/>
+        <p14:creationId xmlns:p14="http://schemas.microsoft.com/office/powerpoint/2010/main" val="566406572"/>
       </p:ext>
     </p:extLst>
   </p:cSld>
   <p:clrMapOvr>
     <a:masterClrMapping/>
   </p:clrMapOvr>
+  <p:timing>
+    <p:tnLst>
+      <p:par>
+        <p:cTn id="1" dur="indefinite" restart="never" nodeType="tmRoot"/>
+      </p:par>
+    </p:tnLst>
+  </p:timing>
 </p:sldLayout>
 </file>
 
@@ -327,7 +347,7 @@
       </p:grpSpPr>
       <p:sp>
         <p:nvSpPr>
-          <p:cNvPr id="2" name="タイトル 1"/>
+          <p:cNvPr id="2" name="Title 1"/>
           <p:cNvSpPr>
             <a:spLocks noGrp="1"/>
           </p:cNvSpPr>
@@ -341,16 +361,16 @@
           <a:lstStyle/>
           <a:p>
             <a:r>
-              <a:rPr kumimoji="1" lang="ja-JP" altLang="en-US" smtClean="0"/>
+              <a:rPr lang="ja-JP" altLang="en-US" smtClean="0"/>
               <a:t>マスター タイトルの書式設定</a:t>
             </a:r>
-            <a:endParaRPr kumimoji="1" lang="ja-JP" altLang="en-US"/>
-          </a:p>
-        </p:txBody>
-      </p:sp>
-      <p:sp>
-        <p:nvSpPr>
-          <p:cNvPr id="3" name="縦書きテキスト プレースホルダー 2"/>
+            <a:endParaRPr lang="en-US"/>
+          </a:p>
+        </p:txBody>
+      </p:sp>
+      <p:sp>
+        <p:nvSpPr>
+          <p:cNvPr id="3" name="Vertical Text Placeholder 2"/>
           <p:cNvSpPr>
             <a:spLocks noGrp="1"/>
           </p:cNvSpPr>
@@ -365,76 +385,76 @@
           <a:p>
             <a:pPr lvl="0"/>
             <a:r>
-              <a:rPr kumimoji="1" lang="ja-JP" altLang="en-US" smtClean="0"/>
+              <a:rPr lang="ja-JP" altLang="en-US" smtClean="0"/>
               <a:t>マスター テキストの書式設定</a:t>
             </a:r>
           </a:p>
           <a:p>
             <a:pPr lvl="1"/>
             <a:r>
-              <a:rPr kumimoji="1" lang="ja-JP" altLang="en-US" smtClean="0"/>
+              <a:rPr lang="ja-JP" altLang="en-US" smtClean="0"/>
               <a:t>第 </a:t>
             </a:r>
             <a:r>
-              <a:rPr kumimoji="1" lang="en-US" altLang="ja-JP" smtClean="0"/>
+              <a:rPr lang="en-US" altLang="ja-JP" smtClean="0"/>
               <a:t>2 </a:t>
             </a:r>
             <a:r>
-              <a:rPr kumimoji="1" lang="ja-JP" altLang="en-US" smtClean="0"/>
+              <a:rPr lang="ja-JP" altLang="en-US" smtClean="0"/>
               <a:t>レベル</a:t>
             </a:r>
           </a:p>
           <a:p>
             <a:pPr lvl="2"/>
             <a:r>
-              <a:rPr kumimoji="1" lang="ja-JP" altLang="en-US" smtClean="0"/>
+              <a:rPr lang="ja-JP" altLang="en-US" smtClean="0"/>
               <a:t>第 </a:t>
             </a:r>
             <a:r>
-              <a:rPr kumimoji="1" lang="en-US" altLang="ja-JP" smtClean="0"/>
+              <a:rPr lang="en-US" altLang="ja-JP" smtClean="0"/>
               <a:t>3 </a:t>
             </a:r>
             <a:r>
-              <a:rPr kumimoji="1" lang="ja-JP" altLang="en-US" smtClean="0"/>
+              <a:rPr lang="ja-JP" altLang="en-US" smtClean="0"/>
               <a:t>レベル</a:t>
             </a:r>
           </a:p>
           <a:p>
             <a:pPr lvl="3"/>
             <a:r>
-              <a:rPr kumimoji="1" lang="ja-JP" altLang="en-US" smtClean="0"/>
+              <a:rPr lang="ja-JP" altLang="en-US" smtClean="0"/>
               <a:t>第 </a:t>
             </a:r>
             <a:r>
-              <a:rPr kumimoji="1" lang="en-US" altLang="ja-JP" smtClean="0"/>
+              <a:rPr lang="en-US" altLang="ja-JP" smtClean="0"/>
               <a:t>4 </a:t>
             </a:r>
             <a:r>
-              <a:rPr kumimoji="1" lang="ja-JP" altLang="en-US" smtClean="0"/>
+              <a:rPr lang="ja-JP" altLang="en-US" smtClean="0"/>
               <a:t>レベル</a:t>
             </a:r>
           </a:p>
           <a:p>
             <a:pPr lvl="4"/>
             <a:r>
-              <a:rPr kumimoji="1" lang="ja-JP" altLang="en-US" smtClean="0"/>
+              <a:rPr lang="ja-JP" altLang="en-US" smtClean="0"/>
               <a:t>第 </a:t>
             </a:r>
             <a:r>
-              <a:rPr kumimoji="1" lang="en-US" altLang="ja-JP" smtClean="0"/>
+              <a:rPr lang="en-US" altLang="ja-JP" smtClean="0"/>
               <a:t>5 </a:t>
             </a:r>
             <a:r>
-              <a:rPr kumimoji="1" lang="ja-JP" altLang="en-US" smtClean="0"/>
+              <a:rPr lang="ja-JP" altLang="en-US" smtClean="0"/>
               <a:t>レベル</a:t>
             </a:r>
-            <a:endParaRPr kumimoji="1" lang="ja-JP" altLang="en-US"/>
-          </a:p>
-        </p:txBody>
-      </p:sp>
-      <p:sp>
-        <p:nvSpPr>
-          <p:cNvPr id="4" name="日付プレースホルダー 3"/>
+            <a:endParaRPr lang="en-US" dirty="0"/>
+          </a:p>
+        </p:txBody>
+      </p:sp>
+      <p:sp>
+        <p:nvSpPr>
+          <p:cNvPr id="4" name="Date Placeholder 3"/>
           <p:cNvSpPr>
             <a:spLocks noGrp="1"/>
           </p:cNvSpPr>
@@ -449,7 +469,7 @@
           <a:p>
             <a:fld id="{FA9DE7E7-D5D8-4B4A-B259-88D9E4E9B04F}" type="datetimeFigureOut">
               <a:rPr kumimoji="1" lang="ja-JP" altLang="en-US" smtClean="0"/>
-              <a:t>2018/10/2</a:t>
+              <a:t>2018/10/3</a:t>
             </a:fld>
             <a:endParaRPr kumimoji="1" lang="ja-JP" altLang="en-US"/>
           </a:p>
@@ -457,7 +477,7 @@
       </p:sp>
       <p:sp>
         <p:nvSpPr>
-          <p:cNvPr id="5" name="フッター プレースホルダー 4"/>
+          <p:cNvPr id="5" name="Footer Placeholder 4"/>
           <p:cNvSpPr>
             <a:spLocks noGrp="1"/>
           </p:cNvSpPr>
@@ -476,7 +496,7 @@
       </p:sp>
       <p:sp>
         <p:nvSpPr>
-          <p:cNvPr id="6" name="スライド番号プレースホルダー 5"/>
+          <p:cNvPr id="6" name="Slide Number Placeholder 5"/>
           <p:cNvSpPr>
             <a:spLocks noGrp="1"/>
           </p:cNvSpPr>
@@ -500,7 +520,7 @@
     </p:spTree>
     <p:extLst>
       <p:ext uri="{BB962C8B-B14F-4D97-AF65-F5344CB8AC3E}">
-        <p14:creationId xmlns:p14="http://schemas.microsoft.com/office/powerpoint/2010/main" val="1111559268"/>
+        <p14:creationId xmlns:p14="http://schemas.microsoft.com/office/powerpoint/2010/main" val="1322309236"/>
       </p:ext>
     </p:extLst>
   </p:cSld>
@@ -529,7 +549,7 @@
       </p:grpSpPr>
       <p:sp>
         <p:nvSpPr>
-          <p:cNvPr id="2" name="縦書きタイトル 1"/>
+          <p:cNvPr id="2" name="Vertical Title 1"/>
           <p:cNvSpPr>
             <a:spLocks noGrp="1"/>
           </p:cNvSpPr>
@@ -539,7 +559,7 @@
         </p:nvSpPr>
         <p:spPr>
           <a:xfrm>
-            <a:off x="8724900" y="365125"/>
+            <a:off x="8724900" y="360362"/>
             <a:ext cx="2628900" cy="5811838"/>
           </a:xfrm>
         </p:spPr>
@@ -548,16 +568,16 @@
           <a:lstStyle/>
           <a:p>
             <a:r>
-              <a:rPr kumimoji="1" lang="ja-JP" altLang="en-US" smtClean="0"/>
+              <a:rPr lang="ja-JP" altLang="en-US" smtClean="0"/>
               <a:t>マスター タイトルの書式設定</a:t>
             </a:r>
-            <a:endParaRPr kumimoji="1" lang="ja-JP" altLang="en-US"/>
-          </a:p>
-        </p:txBody>
-      </p:sp>
-      <p:sp>
-        <p:nvSpPr>
-          <p:cNvPr id="3" name="縦書きテキスト プレースホルダー 2"/>
+            <a:endParaRPr lang="en-US"/>
+          </a:p>
+        </p:txBody>
+      </p:sp>
+      <p:sp>
+        <p:nvSpPr>
+          <p:cNvPr id="3" name="Vertical Text Placeholder 2"/>
           <p:cNvSpPr>
             <a:spLocks noGrp="1"/>
           </p:cNvSpPr>
@@ -567,8 +587,8 @@
         </p:nvSpPr>
         <p:spPr>
           <a:xfrm>
-            <a:off x="838200" y="365125"/>
-            <a:ext cx="7734300" cy="5811838"/>
+            <a:off x="838200" y="360362"/>
+            <a:ext cx="7734300" cy="5811837"/>
           </a:xfrm>
         </p:spPr>
         <p:txBody>
@@ -577,76 +597,76 @@
           <a:p>
             <a:pPr lvl="0"/>
             <a:r>
-              <a:rPr kumimoji="1" lang="ja-JP" altLang="en-US" smtClean="0"/>
+              <a:rPr lang="ja-JP" altLang="en-US" smtClean="0"/>
               <a:t>マスター テキストの書式設定</a:t>
             </a:r>
           </a:p>
           <a:p>
             <a:pPr lvl="1"/>
             <a:r>
-              <a:rPr kumimoji="1" lang="ja-JP" altLang="en-US" smtClean="0"/>
+              <a:rPr lang="ja-JP" altLang="en-US" smtClean="0"/>
               <a:t>第 </a:t>
             </a:r>
             <a:r>
-              <a:rPr kumimoji="1" lang="en-US" altLang="ja-JP" smtClean="0"/>
+              <a:rPr lang="en-US" altLang="ja-JP" smtClean="0"/>
               <a:t>2 </a:t>
             </a:r>
             <a:r>
-              <a:rPr kumimoji="1" lang="ja-JP" altLang="en-US" smtClean="0"/>
+              <a:rPr lang="ja-JP" altLang="en-US" smtClean="0"/>
               <a:t>レベル</a:t>
             </a:r>
           </a:p>
           <a:p>
             <a:pPr lvl="2"/>
             <a:r>
-              <a:rPr kumimoji="1" lang="ja-JP" altLang="en-US" smtClean="0"/>
+              <a:rPr lang="ja-JP" altLang="en-US" smtClean="0"/>
               <a:t>第 </a:t>
             </a:r>
             <a:r>
-              <a:rPr kumimoji="1" lang="en-US" altLang="ja-JP" smtClean="0"/>
+              <a:rPr lang="en-US" altLang="ja-JP" smtClean="0"/>
               <a:t>3 </a:t>
             </a:r>
             <a:r>
-              <a:rPr kumimoji="1" lang="ja-JP" altLang="en-US" smtClean="0"/>
+              <a:rPr lang="ja-JP" altLang="en-US" smtClean="0"/>
               <a:t>レベル</a:t>
             </a:r>
           </a:p>
           <a:p>
             <a:pPr lvl="3"/>
             <a:r>
-              <a:rPr kumimoji="1" lang="ja-JP" altLang="en-US" smtClean="0"/>
+              <a:rPr lang="ja-JP" altLang="en-US" smtClean="0"/>
               <a:t>第 </a:t>
             </a:r>
             <a:r>
-              <a:rPr kumimoji="1" lang="en-US" altLang="ja-JP" smtClean="0"/>
+              <a:rPr lang="en-US" altLang="ja-JP" smtClean="0"/>
               <a:t>4 </a:t>
             </a:r>
             <a:r>
-              <a:rPr kumimoji="1" lang="ja-JP" altLang="en-US" smtClean="0"/>
+              <a:rPr lang="ja-JP" altLang="en-US" smtClean="0"/>
               <a:t>レベル</a:t>
             </a:r>
           </a:p>
           <a:p>
             <a:pPr lvl="4"/>
             <a:r>
-              <a:rPr kumimoji="1" lang="ja-JP" altLang="en-US" smtClean="0"/>
+              <a:rPr lang="ja-JP" altLang="en-US" smtClean="0"/>
               <a:t>第 </a:t>
             </a:r>
             <a:r>
-              <a:rPr kumimoji="1" lang="en-US" altLang="ja-JP" smtClean="0"/>
+              <a:rPr lang="en-US" altLang="ja-JP" smtClean="0"/>
               <a:t>5 </a:t>
             </a:r>
             <a:r>
-              <a:rPr kumimoji="1" lang="ja-JP" altLang="en-US" smtClean="0"/>
+              <a:rPr lang="ja-JP" altLang="en-US" smtClean="0"/>
               <a:t>レベル</a:t>
             </a:r>
-            <a:endParaRPr kumimoji="1" lang="ja-JP" altLang="en-US"/>
-          </a:p>
-        </p:txBody>
-      </p:sp>
-      <p:sp>
-        <p:nvSpPr>
-          <p:cNvPr id="4" name="日付プレースホルダー 3"/>
+            <a:endParaRPr lang="en-US"/>
+          </a:p>
+        </p:txBody>
+      </p:sp>
+      <p:sp>
+        <p:nvSpPr>
+          <p:cNvPr id="4" name="Date Placeholder 3"/>
           <p:cNvSpPr>
             <a:spLocks noGrp="1"/>
           </p:cNvSpPr>
@@ -661,7 +681,7 @@
           <a:p>
             <a:fld id="{FA9DE7E7-D5D8-4B4A-B259-88D9E4E9B04F}" type="datetimeFigureOut">
               <a:rPr kumimoji="1" lang="ja-JP" altLang="en-US" smtClean="0"/>
-              <a:t>2018/10/2</a:t>
+              <a:t>2018/10/3</a:t>
             </a:fld>
             <a:endParaRPr kumimoji="1" lang="ja-JP" altLang="en-US"/>
           </a:p>
@@ -669,7 +689,7 @@
       </p:sp>
       <p:sp>
         <p:nvSpPr>
-          <p:cNvPr id="5" name="フッター プレースホルダー 4"/>
+          <p:cNvPr id="5" name="Footer Placeholder 4"/>
           <p:cNvSpPr>
             <a:spLocks noGrp="1"/>
           </p:cNvSpPr>
@@ -688,7 +708,7 @@
       </p:sp>
       <p:sp>
         <p:nvSpPr>
-          <p:cNvPr id="6" name="スライド番号プレースホルダー 5"/>
+          <p:cNvPr id="6" name="Slide Number Placeholder 5"/>
           <p:cNvSpPr>
             <a:spLocks noGrp="1"/>
           </p:cNvSpPr>
@@ -712,7 +732,2272 @@
     </p:spTree>
     <p:extLst>
       <p:ext uri="{BB962C8B-B14F-4D97-AF65-F5344CB8AC3E}">
-        <p14:creationId xmlns:p14="http://schemas.microsoft.com/office/powerpoint/2010/main" val="2274576412"/>
+        <p14:creationId xmlns:p14="http://schemas.microsoft.com/office/powerpoint/2010/main" val="2909366298"/>
+      </p:ext>
+    </p:extLst>
+  </p:cSld>
+  <p:clrMapOvr>
+    <a:masterClrMapping/>
+  </p:clrMapOvr>
+</p:sldLayout>
+</file>
+
+<file path=ppt/slideLayouts/slideLayout12.xml><?xml version="1.0" encoding="utf-8"?>
+<p:sldLayout xmlns:a="http://schemas.openxmlformats.org/drawingml/2006/main" xmlns:r="http://schemas.openxmlformats.org/officeDocument/2006/relationships" xmlns:p="http://schemas.openxmlformats.org/presentationml/2006/main" showMasterSp="0" type="title" preserve="1">
+  <p:cSld name="タイトル スライド">
+    <p:spTree>
+      <p:nvGrpSpPr>
+        <p:cNvPr id="1" name=""/>
+        <p:cNvGrpSpPr/>
+        <p:nvPr/>
+      </p:nvGrpSpPr>
+      <p:grpSpPr>
+        <a:xfrm>
+          <a:off x="0" y="0"/>
+          <a:ext cx="0" cy="0"/>
+          <a:chOff x="0" y="0"/>
+          <a:chExt cx="0" cy="0"/>
+        </a:xfrm>
+      </p:grpSpPr>
+      <p:sp>
+        <p:nvSpPr>
+          <p:cNvPr id="7" name="Rectangle 6"/>
+          <p:cNvSpPr/>
+          <p:nvPr/>
+        </p:nvSpPr>
+        <p:spPr>
+          <a:xfrm>
+            <a:off x="3175" y="6400800"/>
+            <a:ext cx="12188825" cy="457200"/>
+          </a:xfrm>
+          <a:prstGeom prst="rect">
+            <a:avLst/>
+          </a:prstGeom>
+          <a:solidFill>
+            <a:schemeClr val="accent2"/>
+          </a:solidFill>
+          <a:ln>
+            <a:noFill/>
+          </a:ln>
+        </p:spPr>
+        <p:style>
+          <a:lnRef idx="2">
+            <a:schemeClr val="accent1">
+              <a:shade val="50000"/>
+            </a:schemeClr>
+          </a:lnRef>
+          <a:fillRef idx="1">
+            <a:schemeClr val="accent1"/>
+          </a:fillRef>
+          <a:effectRef idx="0">
+            <a:schemeClr val="accent1"/>
+          </a:effectRef>
+          <a:fontRef idx="minor">
+            <a:schemeClr val="lt1"/>
+          </a:fontRef>
+        </p:style>
+      </p:sp>
+      <p:sp>
+        <p:nvSpPr>
+          <p:cNvPr id="8" name="Rectangle 7"/>
+          <p:cNvSpPr/>
+          <p:nvPr/>
+        </p:nvSpPr>
+        <p:spPr>
+          <a:xfrm>
+            <a:off x="15" y="6334316"/>
+            <a:ext cx="12188825" cy="64008"/>
+          </a:xfrm>
+          <a:prstGeom prst="rect">
+            <a:avLst/>
+          </a:prstGeom>
+          <a:solidFill>
+            <a:schemeClr val="accent1"/>
+          </a:solidFill>
+          <a:ln>
+            <a:noFill/>
+          </a:ln>
+        </p:spPr>
+        <p:style>
+          <a:lnRef idx="2">
+            <a:schemeClr val="accent1">
+              <a:shade val="50000"/>
+            </a:schemeClr>
+          </a:lnRef>
+          <a:fillRef idx="1">
+            <a:schemeClr val="accent1"/>
+          </a:fillRef>
+          <a:effectRef idx="0">
+            <a:schemeClr val="accent1"/>
+          </a:effectRef>
+          <a:fontRef idx="minor">
+            <a:schemeClr val="lt1"/>
+          </a:fontRef>
+        </p:style>
+      </p:sp>
+      <p:sp>
+        <p:nvSpPr>
+          <p:cNvPr id="2" name="Title 1"/>
+          <p:cNvSpPr>
+            <a:spLocks noGrp="1"/>
+          </p:cNvSpPr>
+          <p:nvPr>
+            <p:ph type="ctrTitle"/>
+          </p:nvPr>
+        </p:nvSpPr>
+        <p:spPr>
+          <a:xfrm>
+            <a:off x="1097280" y="758952"/>
+            <a:ext cx="10058400" cy="3566160"/>
+          </a:xfrm>
+        </p:spPr>
+        <p:txBody>
+          <a:bodyPr anchor="b">
+            <a:normAutofit/>
+          </a:bodyPr>
+          <a:lstStyle>
+            <a:lvl1pPr algn="l">
+              <a:lnSpc>
+                <a:spcPct val="85000"/>
+              </a:lnSpc>
+              <a:defRPr sz="8000" spc="-50" baseline="0">
+                <a:solidFill>
+                  <a:schemeClr val="tx1">
+                    <a:lumMod val="85000"/>
+                    <a:lumOff val="15000"/>
+                  </a:schemeClr>
+                </a:solidFill>
+              </a:defRPr>
+            </a:lvl1pPr>
+          </a:lstStyle>
+          <a:p>
+            <a:r>
+              <a:rPr lang="ja-JP" altLang="en-US" smtClean="0"/>
+              <a:t>マスター タイトルの書式設定</a:t>
+            </a:r>
+            <a:endParaRPr lang="en-US" dirty="0"/>
+          </a:p>
+        </p:txBody>
+      </p:sp>
+      <p:sp>
+        <p:nvSpPr>
+          <p:cNvPr id="3" name="Subtitle 2"/>
+          <p:cNvSpPr>
+            <a:spLocks noGrp="1"/>
+          </p:cNvSpPr>
+          <p:nvPr>
+            <p:ph type="subTitle" idx="1"/>
+          </p:nvPr>
+        </p:nvSpPr>
+        <p:spPr>
+          <a:xfrm>
+            <a:off x="1100051" y="4455621"/>
+            <a:ext cx="10058400" cy="1143000"/>
+          </a:xfrm>
+        </p:spPr>
+        <p:txBody>
+          <a:bodyPr lIns="91440" rIns="91440">
+            <a:normAutofit/>
+          </a:bodyPr>
+          <a:lstStyle>
+            <a:lvl1pPr marL="0" indent="0" algn="l">
+              <a:buNone/>
+              <a:defRPr sz="2400" cap="all" spc="200" baseline="0">
+                <a:solidFill>
+                  <a:schemeClr val="tx2"/>
+                </a:solidFill>
+                <a:latin typeface="+mj-lt"/>
+              </a:defRPr>
+            </a:lvl1pPr>
+            <a:lvl2pPr marL="457200" indent="0" algn="ctr">
+              <a:buNone/>
+              <a:defRPr sz="2400"/>
+            </a:lvl2pPr>
+            <a:lvl3pPr marL="914400" indent="0" algn="ctr">
+              <a:buNone/>
+              <a:defRPr sz="2400"/>
+            </a:lvl3pPr>
+            <a:lvl4pPr marL="1371600" indent="0" algn="ctr">
+              <a:buNone/>
+              <a:defRPr sz="2000"/>
+            </a:lvl4pPr>
+            <a:lvl5pPr marL="1828800" indent="0" algn="ctr">
+              <a:buNone/>
+              <a:defRPr sz="2000"/>
+            </a:lvl5pPr>
+            <a:lvl6pPr marL="2286000" indent="0" algn="ctr">
+              <a:buNone/>
+              <a:defRPr sz="2000"/>
+            </a:lvl6pPr>
+            <a:lvl7pPr marL="2743200" indent="0" algn="ctr">
+              <a:buNone/>
+              <a:defRPr sz="2000"/>
+            </a:lvl7pPr>
+            <a:lvl8pPr marL="3200400" indent="0" algn="ctr">
+              <a:buNone/>
+              <a:defRPr sz="2000"/>
+            </a:lvl8pPr>
+            <a:lvl9pPr marL="3657600" indent="0" algn="ctr">
+              <a:buNone/>
+              <a:defRPr sz="2000"/>
+            </a:lvl9pPr>
+          </a:lstStyle>
+          <a:p>
+            <a:r>
+              <a:rPr lang="ja-JP" altLang="en-US" smtClean="0"/>
+              <a:t>マスター サブタイトルの書式設定</a:t>
+            </a:r>
+            <a:endParaRPr lang="en-US" dirty="0"/>
+          </a:p>
+        </p:txBody>
+      </p:sp>
+      <p:sp>
+        <p:nvSpPr>
+          <p:cNvPr id="4" name="Date Placeholder 3"/>
+          <p:cNvSpPr>
+            <a:spLocks noGrp="1"/>
+          </p:cNvSpPr>
+          <p:nvPr>
+            <p:ph type="dt" sz="half" idx="10"/>
+          </p:nvPr>
+        </p:nvSpPr>
+        <p:spPr/>
+        <p:txBody>
+          <a:bodyPr/>
+          <a:lstStyle/>
+          <a:p>
+            <a:fld id="{FA9DE7E7-D5D8-4B4A-B259-88D9E4E9B04F}" type="datetimeFigureOut">
+              <a:rPr kumimoji="1" lang="ja-JP" altLang="en-US" smtClean="0"/>
+              <a:t>2018/10/3</a:t>
+            </a:fld>
+            <a:endParaRPr kumimoji="1" lang="ja-JP" altLang="en-US"/>
+          </a:p>
+        </p:txBody>
+      </p:sp>
+      <p:sp>
+        <p:nvSpPr>
+          <p:cNvPr id="5" name="Footer Placeholder 4"/>
+          <p:cNvSpPr>
+            <a:spLocks noGrp="1"/>
+          </p:cNvSpPr>
+          <p:nvPr>
+            <p:ph type="ftr" sz="quarter" idx="11"/>
+          </p:nvPr>
+        </p:nvSpPr>
+        <p:spPr/>
+        <p:txBody>
+          <a:bodyPr/>
+          <a:lstStyle/>
+          <a:p>
+            <a:endParaRPr kumimoji="1" lang="ja-JP" altLang="en-US"/>
+          </a:p>
+        </p:txBody>
+      </p:sp>
+      <p:sp>
+        <p:nvSpPr>
+          <p:cNvPr id="6" name="Slide Number Placeholder 5"/>
+          <p:cNvSpPr>
+            <a:spLocks noGrp="1"/>
+          </p:cNvSpPr>
+          <p:nvPr>
+            <p:ph type="sldNum" sz="quarter" idx="12"/>
+          </p:nvPr>
+        </p:nvSpPr>
+        <p:spPr/>
+        <p:txBody>
+          <a:bodyPr/>
+          <a:lstStyle/>
+          <a:p>
+            <a:fld id="{C2A3745A-748D-49D6-B029-236E098C59CC}" type="slidenum">
+              <a:rPr kumimoji="1" lang="ja-JP" altLang="en-US" smtClean="0"/>
+              <a:t>‹#›</a:t>
+            </a:fld>
+            <a:endParaRPr kumimoji="1" lang="ja-JP" altLang="en-US"/>
+          </a:p>
+        </p:txBody>
+      </p:sp>
+      <p:cxnSp>
+        <p:nvCxnSpPr>
+          <p:cNvPr id="9" name="Straight Connector 8"/>
+          <p:cNvCxnSpPr/>
+          <p:nvPr/>
+        </p:nvCxnSpPr>
+        <p:spPr>
+          <a:xfrm>
+            <a:off x="1207658" y="4343400"/>
+            <a:ext cx="9875520" cy="0"/>
+          </a:xfrm>
+          <a:prstGeom prst="line">
+            <a:avLst/>
+          </a:prstGeom>
+          <a:ln w="6350">
+            <a:solidFill>
+              <a:schemeClr val="tx1">
+                <a:lumMod val="50000"/>
+                <a:lumOff val="50000"/>
+              </a:schemeClr>
+            </a:solidFill>
+          </a:ln>
+        </p:spPr>
+        <p:style>
+          <a:lnRef idx="1">
+            <a:schemeClr val="accent1"/>
+          </a:lnRef>
+          <a:fillRef idx="0">
+            <a:schemeClr val="accent1"/>
+          </a:fillRef>
+          <a:effectRef idx="0">
+            <a:schemeClr val="accent1"/>
+          </a:effectRef>
+          <a:fontRef idx="minor">
+            <a:schemeClr val="tx1"/>
+          </a:fontRef>
+        </p:style>
+      </p:cxnSp>
+    </p:spTree>
+    <p:extLst>
+      <p:ext uri="{BB962C8B-B14F-4D97-AF65-F5344CB8AC3E}">
+        <p14:creationId xmlns:p14="http://schemas.microsoft.com/office/powerpoint/2010/main" val="1221525378"/>
+      </p:ext>
+    </p:extLst>
+  </p:cSld>
+  <p:clrMapOvr>
+    <a:masterClrMapping/>
+  </p:clrMapOvr>
+</p:sldLayout>
+</file>
+
+<file path=ppt/slideLayouts/slideLayout13.xml><?xml version="1.0" encoding="utf-8"?>
+<p:sldLayout xmlns:a="http://schemas.openxmlformats.org/drawingml/2006/main" xmlns:r="http://schemas.openxmlformats.org/officeDocument/2006/relationships" xmlns:p="http://schemas.openxmlformats.org/presentationml/2006/main" type="obj" preserve="1">
+  <p:cSld name="タイトルとコンテンツ">
+    <p:spTree>
+      <p:nvGrpSpPr>
+        <p:cNvPr id="1" name=""/>
+        <p:cNvGrpSpPr/>
+        <p:nvPr/>
+      </p:nvGrpSpPr>
+      <p:grpSpPr>
+        <a:xfrm>
+          <a:off x="0" y="0"/>
+          <a:ext cx="0" cy="0"/>
+          <a:chOff x="0" y="0"/>
+          <a:chExt cx="0" cy="0"/>
+        </a:xfrm>
+      </p:grpSpPr>
+      <p:sp>
+        <p:nvSpPr>
+          <p:cNvPr id="2" name="Title 1"/>
+          <p:cNvSpPr>
+            <a:spLocks noGrp="1"/>
+          </p:cNvSpPr>
+          <p:nvPr>
+            <p:ph type="title"/>
+          </p:nvPr>
+        </p:nvSpPr>
+        <p:spPr/>
+        <p:txBody>
+          <a:bodyPr/>
+          <a:lstStyle/>
+          <a:p>
+            <a:r>
+              <a:rPr lang="ja-JP" altLang="en-US" smtClean="0"/>
+              <a:t>マスター タイトルの書式設定</a:t>
+            </a:r>
+            <a:endParaRPr lang="en-US" dirty="0"/>
+          </a:p>
+        </p:txBody>
+      </p:sp>
+      <p:sp>
+        <p:nvSpPr>
+          <p:cNvPr id="3" name="Content Placeholder 2"/>
+          <p:cNvSpPr>
+            <a:spLocks noGrp="1"/>
+          </p:cNvSpPr>
+          <p:nvPr>
+            <p:ph idx="1"/>
+          </p:nvPr>
+        </p:nvSpPr>
+        <p:spPr/>
+        <p:txBody>
+          <a:bodyPr/>
+          <a:lstStyle/>
+          <a:p>
+            <a:pPr lvl="0"/>
+            <a:r>
+              <a:rPr lang="ja-JP" altLang="en-US" smtClean="0"/>
+              <a:t>マスター テキストの書式設定</a:t>
+            </a:r>
+          </a:p>
+          <a:p>
+            <a:pPr lvl="1"/>
+            <a:r>
+              <a:rPr lang="ja-JP" altLang="en-US" smtClean="0"/>
+              <a:t>第 </a:t>
+            </a:r>
+            <a:r>
+              <a:rPr lang="en-US" altLang="ja-JP" smtClean="0"/>
+              <a:t>2 </a:t>
+            </a:r>
+            <a:r>
+              <a:rPr lang="ja-JP" altLang="en-US" smtClean="0"/>
+              <a:t>レベル</a:t>
+            </a:r>
+          </a:p>
+          <a:p>
+            <a:pPr lvl="2"/>
+            <a:r>
+              <a:rPr lang="ja-JP" altLang="en-US" smtClean="0"/>
+              <a:t>第 </a:t>
+            </a:r>
+            <a:r>
+              <a:rPr lang="en-US" altLang="ja-JP" smtClean="0"/>
+              <a:t>3 </a:t>
+            </a:r>
+            <a:r>
+              <a:rPr lang="ja-JP" altLang="en-US" smtClean="0"/>
+              <a:t>レベル</a:t>
+            </a:r>
+          </a:p>
+          <a:p>
+            <a:pPr lvl="3"/>
+            <a:r>
+              <a:rPr lang="ja-JP" altLang="en-US" smtClean="0"/>
+              <a:t>第 </a:t>
+            </a:r>
+            <a:r>
+              <a:rPr lang="en-US" altLang="ja-JP" smtClean="0"/>
+              <a:t>4 </a:t>
+            </a:r>
+            <a:r>
+              <a:rPr lang="ja-JP" altLang="en-US" smtClean="0"/>
+              <a:t>レベル</a:t>
+            </a:r>
+          </a:p>
+          <a:p>
+            <a:pPr lvl="4"/>
+            <a:r>
+              <a:rPr lang="ja-JP" altLang="en-US" smtClean="0"/>
+              <a:t>第 </a:t>
+            </a:r>
+            <a:r>
+              <a:rPr lang="en-US" altLang="ja-JP" smtClean="0"/>
+              <a:t>5 </a:t>
+            </a:r>
+            <a:r>
+              <a:rPr lang="ja-JP" altLang="en-US" smtClean="0"/>
+              <a:t>レベル</a:t>
+            </a:r>
+            <a:endParaRPr lang="en-US" dirty="0"/>
+          </a:p>
+        </p:txBody>
+      </p:sp>
+      <p:sp>
+        <p:nvSpPr>
+          <p:cNvPr id="4" name="Date Placeholder 3"/>
+          <p:cNvSpPr>
+            <a:spLocks noGrp="1"/>
+          </p:cNvSpPr>
+          <p:nvPr>
+            <p:ph type="dt" sz="half" idx="10"/>
+          </p:nvPr>
+        </p:nvSpPr>
+        <p:spPr/>
+        <p:txBody>
+          <a:bodyPr/>
+          <a:lstStyle/>
+          <a:p>
+            <a:fld id="{FA9DE7E7-D5D8-4B4A-B259-88D9E4E9B04F}" type="datetimeFigureOut">
+              <a:rPr kumimoji="1" lang="ja-JP" altLang="en-US" smtClean="0"/>
+              <a:t>2018/10/3</a:t>
+            </a:fld>
+            <a:endParaRPr kumimoji="1" lang="ja-JP" altLang="en-US"/>
+          </a:p>
+        </p:txBody>
+      </p:sp>
+      <p:sp>
+        <p:nvSpPr>
+          <p:cNvPr id="5" name="Footer Placeholder 4"/>
+          <p:cNvSpPr>
+            <a:spLocks noGrp="1"/>
+          </p:cNvSpPr>
+          <p:nvPr>
+            <p:ph type="ftr" sz="quarter" idx="11"/>
+          </p:nvPr>
+        </p:nvSpPr>
+        <p:spPr/>
+        <p:txBody>
+          <a:bodyPr/>
+          <a:lstStyle/>
+          <a:p>
+            <a:endParaRPr kumimoji="1" lang="ja-JP" altLang="en-US"/>
+          </a:p>
+        </p:txBody>
+      </p:sp>
+      <p:sp>
+        <p:nvSpPr>
+          <p:cNvPr id="6" name="Slide Number Placeholder 5"/>
+          <p:cNvSpPr>
+            <a:spLocks noGrp="1"/>
+          </p:cNvSpPr>
+          <p:nvPr>
+            <p:ph type="sldNum" sz="quarter" idx="12"/>
+          </p:nvPr>
+        </p:nvSpPr>
+        <p:spPr/>
+        <p:txBody>
+          <a:bodyPr/>
+          <a:lstStyle/>
+          <a:p>
+            <a:fld id="{C2A3745A-748D-49D6-B029-236E098C59CC}" type="slidenum">
+              <a:rPr kumimoji="1" lang="ja-JP" altLang="en-US" smtClean="0"/>
+              <a:t>‹#›</a:t>
+            </a:fld>
+            <a:endParaRPr kumimoji="1" lang="ja-JP" altLang="en-US"/>
+          </a:p>
+        </p:txBody>
+      </p:sp>
+    </p:spTree>
+    <p:extLst>
+      <p:ext uri="{BB962C8B-B14F-4D97-AF65-F5344CB8AC3E}">
+        <p14:creationId xmlns:p14="http://schemas.microsoft.com/office/powerpoint/2010/main" val="2474151752"/>
+      </p:ext>
+    </p:extLst>
+  </p:cSld>
+  <p:clrMapOvr>
+    <a:masterClrMapping/>
+  </p:clrMapOvr>
+  <p:timing>
+    <p:tnLst>
+      <p:par>
+        <p:cTn id="1" dur="indefinite" restart="never" nodeType="tmRoot"/>
+      </p:par>
+    </p:tnLst>
+  </p:timing>
+</p:sldLayout>
+</file>
+
+<file path=ppt/slideLayouts/slideLayout14.xml><?xml version="1.0" encoding="utf-8"?>
+<p:sldLayout xmlns:a="http://schemas.openxmlformats.org/drawingml/2006/main" xmlns:r="http://schemas.openxmlformats.org/officeDocument/2006/relationships" xmlns:p="http://schemas.openxmlformats.org/presentationml/2006/main" preserve="1" userDrawn="1">
+  <p:cSld name="1_タイトルとコンテンツx2">
+    <p:spTree>
+      <p:nvGrpSpPr>
+        <p:cNvPr id="1" name=""/>
+        <p:cNvGrpSpPr/>
+        <p:nvPr/>
+      </p:nvGrpSpPr>
+      <p:grpSpPr>
+        <a:xfrm>
+          <a:off x="0" y="0"/>
+          <a:ext cx="0" cy="0"/>
+          <a:chOff x="0" y="0"/>
+          <a:chExt cx="0" cy="0"/>
+        </a:xfrm>
+      </p:grpSpPr>
+      <p:sp>
+        <p:nvSpPr>
+          <p:cNvPr id="2" name="Title 1"/>
+          <p:cNvSpPr>
+            <a:spLocks noGrp="1"/>
+          </p:cNvSpPr>
+          <p:nvPr>
+            <p:ph type="title"/>
+          </p:nvPr>
+        </p:nvSpPr>
+        <p:spPr/>
+        <p:txBody>
+          <a:bodyPr/>
+          <a:lstStyle/>
+          <a:p>
+            <a:r>
+              <a:rPr lang="ja-JP" altLang="en-US" smtClean="0"/>
+              <a:t>マスター タイトルの書式設定</a:t>
+            </a:r>
+            <a:endParaRPr lang="en-US" dirty="0"/>
+          </a:p>
+        </p:txBody>
+      </p:sp>
+      <p:sp>
+        <p:nvSpPr>
+          <p:cNvPr id="3" name="Content Placeholder 2"/>
+          <p:cNvSpPr>
+            <a:spLocks noGrp="1"/>
+          </p:cNvSpPr>
+          <p:nvPr>
+            <p:ph idx="1"/>
+          </p:nvPr>
+        </p:nvSpPr>
+        <p:spPr/>
+        <p:txBody>
+          <a:bodyPr/>
+          <a:lstStyle/>
+          <a:p>
+            <a:pPr lvl="0"/>
+            <a:r>
+              <a:rPr lang="ja-JP" altLang="en-US" smtClean="0"/>
+              <a:t>マスター テキストの書式設定</a:t>
+            </a:r>
+          </a:p>
+          <a:p>
+            <a:pPr lvl="1"/>
+            <a:r>
+              <a:rPr lang="ja-JP" altLang="en-US" smtClean="0"/>
+              <a:t>第 </a:t>
+            </a:r>
+            <a:r>
+              <a:rPr lang="en-US" altLang="ja-JP" smtClean="0"/>
+              <a:t>2 </a:t>
+            </a:r>
+            <a:r>
+              <a:rPr lang="ja-JP" altLang="en-US" smtClean="0"/>
+              <a:t>レベル</a:t>
+            </a:r>
+          </a:p>
+          <a:p>
+            <a:pPr lvl="2"/>
+            <a:r>
+              <a:rPr lang="ja-JP" altLang="en-US" smtClean="0"/>
+              <a:t>第 </a:t>
+            </a:r>
+            <a:r>
+              <a:rPr lang="en-US" altLang="ja-JP" smtClean="0"/>
+              <a:t>3 </a:t>
+            </a:r>
+            <a:r>
+              <a:rPr lang="ja-JP" altLang="en-US" smtClean="0"/>
+              <a:t>レベル</a:t>
+            </a:r>
+          </a:p>
+          <a:p>
+            <a:pPr lvl="3"/>
+            <a:r>
+              <a:rPr lang="ja-JP" altLang="en-US" smtClean="0"/>
+              <a:t>第 </a:t>
+            </a:r>
+            <a:r>
+              <a:rPr lang="en-US" altLang="ja-JP" smtClean="0"/>
+              <a:t>4 </a:t>
+            </a:r>
+            <a:r>
+              <a:rPr lang="ja-JP" altLang="en-US" smtClean="0"/>
+              <a:t>レベル</a:t>
+            </a:r>
+          </a:p>
+          <a:p>
+            <a:pPr lvl="4"/>
+            <a:r>
+              <a:rPr lang="ja-JP" altLang="en-US" smtClean="0"/>
+              <a:t>第 </a:t>
+            </a:r>
+            <a:r>
+              <a:rPr lang="en-US" altLang="ja-JP" smtClean="0"/>
+              <a:t>5 </a:t>
+            </a:r>
+            <a:r>
+              <a:rPr lang="ja-JP" altLang="en-US" smtClean="0"/>
+              <a:t>レベル</a:t>
+            </a:r>
+            <a:endParaRPr lang="en-US" dirty="0"/>
+          </a:p>
+        </p:txBody>
+      </p:sp>
+      <p:sp>
+        <p:nvSpPr>
+          <p:cNvPr id="4" name="Date Placeholder 3"/>
+          <p:cNvSpPr>
+            <a:spLocks noGrp="1"/>
+          </p:cNvSpPr>
+          <p:nvPr>
+            <p:ph type="dt" sz="half" idx="10"/>
+          </p:nvPr>
+        </p:nvSpPr>
+        <p:spPr/>
+        <p:txBody>
+          <a:bodyPr/>
+          <a:lstStyle/>
+          <a:p>
+            <a:fld id="{FA9DE7E7-D5D8-4B4A-B259-88D9E4E9B04F}" type="datetimeFigureOut">
+              <a:rPr kumimoji="1" lang="ja-JP" altLang="en-US" smtClean="0"/>
+              <a:t>2018/10/3</a:t>
+            </a:fld>
+            <a:endParaRPr kumimoji="1" lang="ja-JP" altLang="en-US"/>
+          </a:p>
+        </p:txBody>
+      </p:sp>
+      <p:sp>
+        <p:nvSpPr>
+          <p:cNvPr id="5" name="Footer Placeholder 4"/>
+          <p:cNvSpPr>
+            <a:spLocks noGrp="1"/>
+          </p:cNvSpPr>
+          <p:nvPr>
+            <p:ph type="ftr" sz="quarter" idx="11"/>
+          </p:nvPr>
+        </p:nvSpPr>
+        <p:spPr/>
+        <p:txBody>
+          <a:bodyPr/>
+          <a:lstStyle/>
+          <a:p>
+            <a:endParaRPr kumimoji="1" lang="ja-JP" altLang="en-US"/>
+          </a:p>
+        </p:txBody>
+      </p:sp>
+      <p:sp>
+        <p:nvSpPr>
+          <p:cNvPr id="6" name="Slide Number Placeholder 5"/>
+          <p:cNvSpPr>
+            <a:spLocks noGrp="1"/>
+          </p:cNvSpPr>
+          <p:nvPr>
+            <p:ph type="sldNum" sz="quarter" idx="12"/>
+          </p:nvPr>
+        </p:nvSpPr>
+        <p:spPr/>
+        <p:txBody>
+          <a:bodyPr/>
+          <a:lstStyle/>
+          <a:p>
+            <a:fld id="{C2A3745A-748D-49D6-B029-236E098C59CC}" type="slidenum">
+              <a:rPr kumimoji="1" lang="ja-JP" altLang="en-US" smtClean="0"/>
+              <a:t>‹#›</a:t>
+            </a:fld>
+            <a:endParaRPr kumimoji="1" lang="ja-JP" altLang="en-US"/>
+          </a:p>
+        </p:txBody>
+      </p:sp>
+      <p:sp>
+        <p:nvSpPr>
+          <p:cNvPr id="7" name="Content Placeholder 2"/>
+          <p:cNvSpPr>
+            <a:spLocks noGrp="1"/>
+          </p:cNvSpPr>
+          <p:nvPr>
+            <p:ph idx="13"/>
+          </p:nvPr>
+        </p:nvSpPr>
+        <p:spPr>
+          <a:xfrm>
+            <a:off x="1097280" y="1845734"/>
+            <a:ext cx="10058400" cy="4023360"/>
+          </a:xfrm>
+        </p:spPr>
+        <p:txBody>
+          <a:bodyPr/>
+          <a:lstStyle/>
+          <a:p>
+            <a:pPr lvl="0"/>
+            <a:r>
+              <a:rPr lang="ja-JP" altLang="en-US" smtClean="0"/>
+              <a:t>マスター テキストの書式設定</a:t>
+            </a:r>
+          </a:p>
+          <a:p>
+            <a:pPr lvl="1"/>
+            <a:r>
+              <a:rPr lang="ja-JP" altLang="en-US" smtClean="0"/>
+              <a:t>第 </a:t>
+            </a:r>
+            <a:r>
+              <a:rPr lang="en-US" altLang="ja-JP" smtClean="0"/>
+              <a:t>2 </a:t>
+            </a:r>
+            <a:r>
+              <a:rPr lang="ja-JP" altLang="en-US" smtClean="0"/>
+              <a:t>レベル</a:t>
+            </a:r>
+          </a:p>
+          <a:p>
+            <a:pPr lvl="2"/>
+            <a:r>
+              <a:rPr lang="ja-JP" altLang="en-US" smtClean="0"/>
+              <a:t>第 </a:t>
+            </a:r>
+            <a:r>
+              <a:rPr lang="en-US" altLang="ja-JP" smtClean="0"/>
+              <a:t>3 </a:t>
+            </a:r>
+            <a:r>
+              <a:rPr lang="ja-JP" altLang="en-US" smtClean="0"/>
+              <a:t>レベル</a:t>
+            </a:r>
+          </a:p>
+          <a:p>
+            <a:pPr lvl="3"/>
+            <a:r>
+              <a:rPr lang="ja-JP" altLang="en-US" smtClean="0"/>
+              <a:t>第 </a:t>
+            </a:r>
+            <a:r>
+              <a:rPr lang="en-US" altLang="ja-JP" smtClean="0"/>
+              <a:t>4 </a:t>
+            </a:r>
+            <a:r>
+              <a:rPr lang="ja-JP" altLang="en-US" smtClean="0"/>
+              <a:t>レベル</a:t>
+            </a:r>
+          </a:p>
+          <a:p>
+            <a:pPr lvl="4"/>
+            <a:r>
+              <a:rPr lang="ja-JP" altLang="en-US" smtClean="0"/>
+              <a:t>第 </a:t>
+            </a:r>
+            <a:r>
+              <a:rPr lang="en-US" altLang="ja-JP" smtClean="0"/>
+              <a:t>5 </a:t>
+            </a:r>
+            <a:r>
+              <a:rPr lang="ja-JP" altLang="en-US" smtClean="0"/>
+              <a:t>レベル</a:t>
+            </a:r>
+            <a:r>
+              <a:rPr lang="en-US" altLang="ja-JP" smtClean="0"/>
+              <a:t>v</a:t>
+            </a:r>
+            <a:endParaRPr lang="en-US" dirty="0"/>
+          </a:p>
+        </p:txBody>
+      </p:sp>
+    </p:spTree>
+    <p:extLst>
+      <p:ext uri="{BB962C8B-B14F-4D97-AF65-F5344CB8AC3E}">
+        <p14:creationId xmlns:p14="http://schemas.microsoft.com/office/powerpoint/2010/main" val="1511082490"/>
+      </p:ext>
+    </p:extLst>
+  </p:cSld>
+  <p:clrMapOvr>
+    <a:masterClrMapping/>
+  </p:clrMapOvr>
+  <p:timing>
+    <p:tnLst>
+      <p:par>
+        <p:cTn id="1" dur="indefinite" restart="never" nodeType="tmRoot"/>
+      </p:par>
+    </p:tnLst>
+  </p:timing>
+</p:sldLayout>
+</file>
+
+<file path=ppt/slideLayouts/slideLayout15.xml><?xml version="1.0" encoding="utf-8"?>
+<p:sldLayout xmlns:a="http://schemas.openxmlformats.org/drawingml/2006/main" xmlns:r="http://schemas.openxmlformats.org/officeDocument/2006/relationships" xmlns:p="http://schemas.openxmlformats.org/presentationml/2006/main" showMasterSp="0" type="secHead" preserve="1">
+  <p:cSld name="セクション見出し">
+    <p:bg>
+      <p:bgPr>
+        <a:solidFill>
+          <a:schemeClr val="bg1"/>
+        </a:solidFill>
+        <a:effectLst/>
+      </p:bgPr>
+    </p:bg>
+    <p:spTree>
+      <p:nvGrpSpPr>
+        <p:cNvPr id="1" name=""/>
+        <p:cNvGrpSpPr/>
+        <p:nvPr/>
+      </p:nvGrpSpPr>
+      <p:grpSpPr>
+        <a:xfrm>
+          <a:off x="0" y="0"/>
+          <a:ext cx="0" cy="0"/>
+          <a:chOff x="0" y="0"/>
+          <a:chExt cx="0" cy="0"/>
+        </a:xfrm>
+      </p:grpSpPr>
+      <p:sp>
+        <p:nvSpPr>
+          <p:cNvPr id="7" name="Rectangle 6"/>
+          <p:cNvSpPr/>
+          <p:nvPr/>
+        </p:nvSpPr>
+        <p:spPr>
+          <a:xfrm>
+            <a:off x="3175" y="6400800"/>
+            <a:ext cx="12188825" cy="457200"/>
+          </a:xfrm>
+          <a:prstGeom prst="rect">
+            <a:avLst/>
+          </a:prstGeom>
+          <a:solidFill>
+            <a:schemeClr val="accent2"/>
+          </a:solidFill>
+          <a:ln>
+            <a:noFill/>
+          </a:ln>
+        </p:spPr>
+        <p:style>
+          <a:lnRef idx="2">
+            <a:schemeClr val="accent1">
+              <a:shade val="50000"/>
+            </a:schemeClr>
+          </a:lnRef>
+          <a:fillRef idx="1">
+            <a:schemeClr val="accent1"/>
+          </a:fillRef>
+          <a:effectRef idx="0">
+            <a:schemeClr val="accent1"/>
+          </a:effectRef>
+          <a:fontRef idx="minor">
+            <a:schemeClr val="lt1"/>
+          </a:fontRef>
+        </p:style>
+      </p:sp>
+      <p:sp>
+        <p:nvSpPr>
+          <p:cNvPr id="8" name="Rectangle 7"/>
+          <p:cNvSpPr/>
+          <p:nvPr/>
+        </p:nvSpPr>
+        <p:spPr>
+          <a:xfrm>
+            <a:off x="15" y="6334316"/>
+            <a:ext cx="12188825" cy="64008"/>
+          </a:xfrm>
+          <a:prstGeom prst="rect">
+            <a:avLst/>
+          </a:prstGeom>
+          <a:solidFill>
+            <a:schemeClr val="accent1"/>
+          </a:solidFill>
+          <a:ln>
+            <a:noFill/>
+          </a:ln>
+        </p:spPr>
+        <p:style>
+          <a:lnRef idx="2">
+            <a:schemeClr val="accent1">
+              <a:shade val="50000"/>
+            </a:schemeClr>
+          </a:lnRef>
+          <a:fillRef idx="1">
+            <a:schemeClr val="accent1"/>
+          </a:fillRef>
+          <a:effectRef idx="0">
+            <a:schemeClr val="accent1"/>
+          </a:effectRef>
+          <a:fontRef idx="minor">
+            <a:schemeClr val="lt1"/>
+          </a:fontRef>
+        </p:style>
+      </p:sp>
+      <p:sp>
+        <p:nvSpPr>
+          <p:cNvPr id="2" name="Title 1"/>
+          <p:cNvSpPr>
+            <a:spLocks noGrp="1"/>
+          </p:cNvSpPr>
+          <p:nvPr>
+            <p:ph type="title"/>
+          </p:nvPr>
+        </p:nvSpPr>
+        <p:spPr>
+          <a:xfrm>
+            <a:off x="1097280" y="758952"/>
+            <a:ext cx="10058400" cy="3566160"/>
+          </a:xfrm>
+        </p:spPr>
+        <p:txBody>
+          <a:bodyPr anchor="b" anchorCtr="0">
+            <a:normAutofit/>
+          </a:bodyPr>
+          <a:lstStyle>
+            <a:lvl1pPr>
+              <a:lnSpc>
+                <a:spcPct val="85000"/>
+              </a:lnSpc>
+              <a:defRPr sz="8000" b="0">
+                <a:solidFill>
+                  <a:schemeClr val="tx1">
+                    <a:lumMod val="85000"/>
+                    <a:lumOff val="15000"/>
+                  </a:schemeClr>
+                </a:solidFill>
+              </a:defRPr>
+            </a:lvl1pPr>
+          </a:lstStyle>
+          <a:p>
+            <a:r>
+              <a:rPr lang="ja-JP" altLang="en-US" smtClean="0"/>
+              <a:t>マスター タイトルの書式設定</a:t>
+            </a:r>
+            <a:endParaRPr lang="en-US" dirty="0"/>
+          </a:p>
+        </p:txBody>
+      </p:sp>
+      <p:sp>
+        <p:nvSpPr>
+          <p:cNvPr id="3" name="Text Placeholder 2"/>
+          <p:cNvSpPr>
+            <a:spLocks noGrp="1"/>
+          </p:cNvSpPr>
+          <p:nvPr>
+            <p:ph type="body" idx="1"/>
+          </p:nvPr>
+        </p:nvSpPr>
+        <p:spPr>
+          <a:xfrm>
+            <a:off x="1097280" y="4453128"/>
+            <a:ext cx="10058400" cy="1143000"/>
+          </a:xfrm>
+        </p:spPr>
+        <p:txBody>
+          <a:bodyPr lIns="91440" rIns="91440" anchor="t" anchorCtr="0">
+            <a:normAutofit/>
+          </a:bodyPr>
+          <a:lstStyle>
+            <a:lvl1pPr marL="0" indent="0">
+              <a:buNone/>
+              <a:defRPr sz="2400" cap="all" spc="200" baseline="0">
+                <a:solidFill>
+                  <a:schemeClr val="tx2"/>
+                </a:solidFill>
+                <a:latin typeface="+mj-lt"/>
+              </a:defRPr>
+            </a:lvl1pPr>
+            <a:lvl2pPr marL="457200" indent="0">
+              <a:buNone/>
+              <a:defRPr sz="1800">
+                <a:solidFill>
+                  <a:schemeClr val="tx1">
+                    <a:tint val="75000"/>
+                  </a:schemeClr>
+                </a:solidFill>
+              </a:defRPr>
+            </a:lvl2pPr>
+            <a:lvl3pPr marL="914400" indent="0">
+              <a:buNone/>
+              <a:defRPr sz="1600">
+                <a:solidFill>
+                  <a:schemeClr val="tx1">
+                    <a:tint val="75000"/>
+                  </a:schemeClr>
+                </a:solidFill>
+              </a:defRPr>
+            </a:lvl3pPr>
+            <a:lvl4pPr marL="1371600" indent="0">
+              <a:buNone/>
+              <a:defRPr sz="1400">
+                <a:solidFill>
+                  <a:schemeClr val="tx1">
+                    <a:tint val="75000"/>
+                  </a:schemeClr>
+                </a:solidFill>
+              </a:defRPr>
+            </a:lvl4pPr>
+            <a:lvl5pPr marL="1828800" indent="0">
+              <a:buNone/>
+              <a:defRPr sz="1400">
+                <a:solidFill>
+                  <a:schemeClr val="tx1">
+                    <a:tint val="75000"/>
+                  </a:schemeClr>
+                </a:solidFill>
+              </a:defRPr>
+            </a:lvl5pPr>
+            <a:lvl6pPr marL="2286000" indent="0">
+              <a:buNone/>
+              <a:defRPr sz="1400">
+                <a:solidFill>
+                  <a:schemeClr val="tx1">
+                    <a:tint val="75000"/>
+                  </a:schemeClr>
+                </a:solidFill>
+              </a:defRPr>
+            </a:lvl6pPr>
+            <a:lvl7pPr marL="2743200" indent="0">
+              <a:buNone/>
+              <a:defRPr sz="1400">
+                <a:solidFill>
+                  <a:schemeClr val="tx1">
+                    <a:tint val="75000"/>
+                  </a:schemeClr>
+                </a:solidFill>
+              </a:defRPr>
+            </a:lvl7pPr>
+            <a:lvl8pPr marL="3200400" indent="0">
+              <a:buNone/>
+              <a:defRPr sz="1400">
+                <a:solidFill>
+                  <a:schemeClr val="tx1">
+                    <a:tint val="75000"/>
+                  </a:schemeClr>
+                </a:solidFill>
+              </a:defRPr>
+            </a:lvl8pPr>
+            <a:lvl9pPr marL="3657600" indent="0">
+              <a:buNone/>
+              <a:defRPr sz="1400">
+                <a:solidFill>
+                  <a:schemeClr val="tx1">
+                    <a:tint val="75000"/>
+                  </a:schemeClr>
+                </a:solidFill>
+              </a:defRPr>
+            </a:lvl9pPr>
+          </a:lstStyle>
+          <a:p>
+            <a:pPr lvl="0"/>
+            <a:r>
+              <a:rPr lang="ja-JP" altLang="en-US" smtClean="0"/>
+              <a:t>マスター テキストの書式設定</a:t>
+            </a:r>
+          </a:p>
+        </p:txBody>
+      </p:sp>
+      <p:sp>
+        <p:nvSpPr>
+          <p:cNvPr id="4" name="Date Placeholder 3"/>
+          <p:cNvSpPr>
+            <a:spLocks noGrp="1"/>
+          </p:cNvSpPr>
+          <p:nvPr>
+            <p:ph type="dt" sz="half" idx="10"/>
+          </p:nvPr>
+        </p:nvSpPr>
+        <p:spPr/>
+        <p:txBody>
+          <a:bodyPr/>
+          <a:lstStyle/>
+          <a:p>
+            <a:fld id="{FA9DE7E7-D5D8-4B4A-B259-88D9E4E9B04F}" type="datetimeFigureOut">
+              <a:rPr kumimoji="1" lang="ja-JP" altLang="en-US" smtClean="0"/>
+              <a:t>2018/10/3</a:t>
+            </a:fld>
+            <a:endParaRPr kumimoji="1" lang="ja-JP" altLang="en-US"/>
+          </a:p>
+        </p:txBody>
+      </p:sp>
+      <p:sp>
+        <p:nvSpPr>
+          <p:cNvPr id="5" name="Footer Placeholder 4"/>
+          <p:cNvSpPr>
+            <a:spLocks noGrp="1"/>
+          </p:cNvSpPr>
+          <p:nvPr>
+            <p:ph type="ftr" sz="quarter" idx="11"/>
+          </p:nvPr>
+        </p:nvSpPr>
+        <p:spPr/>
+        <p:txBody>
+          <a:bodyPr/>
+          <a:lstStyle/>
+          <a:p>
+            <a:endParaRPr kumimoji="1" lang="ja-JP" altLang="en-US"/>
+          </a:p>
+        </p:txBody>
+      </p:sp>
+      <p:sp>
+        <p:nvSpPr>
+          <p:cNvPr id="6" name="Slide Number Placeholder 5"/>
+          <p:cNvSpPr>
+            <a:spLocks noGrp="1"/>
+          </p:cNvSpPr>
+          <p:nvPr>
+            <p:ph type="sldNum" sz="quarter" idx="12"/>
+          </p:nvPr>
+        </p:nvSpPr>
+        <p:spPr/>
+        <p:txBody>
+          <a:bodyPr/>
+          <a:lstStyle/>
+          <a:p>
+            <a:fld id="{C2A3745A-748D-49D6-B029-236E098C59CC}" type="slidenum">
+              <a:rPr kumimoji="1" lang="ja-JP" altLang="en-US" smtClean="0"/>
+              <a:t>‹#›</a:t>
+            </a:fld>
+            <a:endParaRPr kumimoji="1" lang="ja-JP" altLang="en-US"/>
+          </a:p>
+        </p:txBody>
+      </p:sp>
+      <p:cxnSp>
+        <p:nvCxnSpPr>
+          <p:cNvPr id="9" name="Straight Connector 8"/>
+          <p:cNvCxnSpPr/>
+          <p:nvPr/>
+        </p:nvCxnSpPr>
+        <p:spPr>
+          <a:xfrm>
+            <a:off x="1207658" y="4343400"/>
+            <a:ext cx="9875520" cy="0"/>
+          </a:xfrm>
+          <a:prstGeom prst="line">
+            <a:avLst/>
+          </a:prstGeom>
+          <a:ln w="6350">
+            <a:solidFill>
+              <a:schemeClr val="tx1">
+                <a:lumMod val="50000"/>
+                <a:lumOff val="50000"/>
+              </a:schemeClr>
+            </a:solidFill>
+          </a:ln>
+        </p:spPr>
+        <p:style>
+          <a:lnRef idx="1">
+            <a:schemeClr val="accent1"/>
+          </a:lnRef>
+          <a:fillRef idx="0">
+            <a:schemeClr val="accent1"/>
+          </a:fillRef>
+          <a:effectRef idx="0">
+            <a:schemeClr val="accent1"/>
+          </a:effectRef>
+          <a:fontRef idx="minor">
+            <a:schemeClr val="tx1"/>
+          </a:fontRef>
+        </p:style>
+      </p:cxnSp>
+    </p:spTree>
+    <p:extLst>
+      <p:ext uri="{BB962C8B-B14F-4D97-AF65-F5344CB8AC3E}">
+        <p14:creationId xmlns:p14="http://schemas.microsoft.com/office/powerpoint/2010/main" val="1940297839"/>
+      </p:ext>
+    </p:extLst>
+  </p:cSld>
+  <p:clrMapOvr>
+    <a:masterClrMapping/>
+  </p:clrMapOvr>
+  <p:timing>
+    <p:tnLst>
+      <p:par>
+        <p:cTn id="1" dur="indefinite" restart="never" nodeType="tmRoot"/>
+      </p:par>
+    </p:tnLst>
+  </p:timing>
+</p:sldLayout>
+</file>
+
+<file path=ppt/slideLayouts/slideLayout16.xml><?xml version="1.0" encoding="utf-8"?>
+<p:sldLayout xmlns:a="http://schemas.openxmlformats.org/drawingml/2006/main" xmlns:r="http://schemas.openxmlformats.org/officeDocument/2006/relationships" xmlns:p="http://schemas.openxmlformats.org/presentationml/2006/main" type="twoObj" preserve="1">
+  <p:cSld name="2 つのコンテンツ">
+    <p:spTree>
+      <p:nvGrpSpPr>
+        <p:cNvPr id="1" name=""/>
+        <p:cNvGrpSpPr/>
+        <p:nvPr/>
+      </p:nvGrpSpPr>
+      <p:grpSpPr>
+        <a:xfrm>
+          <a:off x="0" y="0"/>
+          <a:ext cx="0" cy="0"/>
+          <a:chOff x="0" y="0"/>
+          <a:chExt cx="0" cy="0"/>
+        </a:xfrm>
+      </p:grpSpPr>
+      <p:sp>
+        <p:nvSpPr>
+          <p:cNvPr id="8" name="Title 7"/>
+          <p:cNvSpPr>
+            <a:spLocks noGrp="1"/>
+          </p:cNvSpPr>
+          <p:nvPr>
+            <p:ph type="title"/>
+          </p:nvPr>
+        </p:nvSpPr>
+        <p:spPr>
+          <a:xfrm>
+            <a:off x="1097280" y="286603"/>
+            <a:ext cx="10058400" cy="1450757"/>
+          </a:xfrm>
+        </p:spPr>
+        <p:txBody>
+          <a:bodyPr/>
+          <a:lstStyle/>
+          <a:p>
+            <a:r>
+              <a:rPr lang="ja-JP" altLang="en-US" smtClean="0"/>
+              <a:t>マスター タイトルの書式設定</a:t>
+            </a:r>
+            <a:endParaRPr lang="en-US" dirty="0"/>
+          </a:p>
+        </p:txBody>
+      </p:sp>
+      <p:sp>
+        <p:nvSpPr>
+          <p:cNvPr id="3" name="Content Placeholder 2"/>
+          <p:cNvSpPr>
+            <a:spLocks noGrp="1"/>
+          </p:cNvSpPr>
+          <p:nvPr>
+            <p:ph sz="half" idx="1"/>
+          </p:nvPr>
+        </p:nvSpPr>
+        <p:spPr>
+          <a:xfrm>
+            <a:off x="1097278" y="1845734"/>
+            <a:ext cx="4937760" cy="4023360"/>
+          </a:xfrm>
+        </p:spPr>
+        <p:txBody>
+          <a:bodyPr/>
+          <a:lstStyle/>
+          <a:p>
+            <a:pPr lvl="0"/>
+            <a:r>
+              <a:rPr lang="ja-JP" altLang="en-US" smtClean="0"/>
+              <a:t>マスター テキストの書式設定</a:t>
+            </a:r>
+          </a:p>
+          <a:p>
+            <a:pPr lvl="1"/>
+            <a:r>
+              <a:rPr lang="ja-JP" altLang="en-US" smtClean="0"/>
+              <a:t>第 </a:t>
+            </a:r>
+            <a:r>
+              <a:rPr lang="en-US" altLang="ja-JP" smtClean="0"/>
+              <a:t>2 </a:t>
+            </a:r>
+            <a:r>
+              <a:rPr lang="ja-JP" altLang="en-US" smtClean="0"/>
+              <a:t>レベル</a:t>
+            </a:r>
+          </a:p>
+          <a:p>
+            <a:pPr lvl="2"/>
+            <a:r>
+              <a:rPr lang="ja-JP" altLang="en-US" smtClean="0"/>
+              <a:t>第 </a:t>
+            </a:r>
+            <a:r>
+              <a:rPr lang="en-US" altLang="ja-JP" smtClean="0"/>
+              <a:t>3 </a:t>
+            </a:r>
+            <a:r>
+              <a:rPr lang="ja-JP" altLang="en-US" smtClean="0"/>
+              <a:t>レベル</a:t>
+            </a:r>
+          </a:p>
+          <a:p>
+            <a:pPr lvl="3"/>
+            <a:r>
+              <a:rPr lang="ja-JP" altLang="en-US" smtClean="0"/>
+              <a:t>第 </a:t>
+            </a:r>
+            <a:r>
+              <a:rPr lang="en-US" altLang="ja-JP" smtClean="0"/>
+              <a:t>4 </a:t>
+            </a:r>
+            <a:r>
+              <a:rPr lang="ja-JP" altLang="en-US" smtClean="0"/>
+              <a:t>レベル</a:t>
+            </a:r>
+          </a:p>
+          <a:p>
+            <a:pPr lvl="4"/>
+            <a:r>
+              <a:rPr lang="ja-JP" altLang="en-US" smtClean="0"/>
+              <a:t>第 </a:t>
+            </a:r>
+            <a:r>
+              <a:rPr lang="en-US" altLang="ja-JP" smtClean="0"/>
+              <a:t>5 </a:t>
+            </a:r>
+            <a:r>
+              <a:rPr lang="ja-JP" altLang="en-US" smtClean="0"/>
+              <a:t>レベル</a:t>
+            </a:r>
+            <a:endParaRPr lang="en-US" dirty="0"/>
+          </a:p>
+        </p:txBody>
+      </p:sp>
+      <p:sp>
+        <p:nvSpPr>
+          <p:cNvPr id="4" name="Content Placeholder 3"/>
+          <p:cNvSpPr>
+            <a:spLocks noGrp="1"/>
+          </p:cNvSpPr>
+          <p:nvPr>
+            <p:ph sz="half" idx="2"/>
+          </p:nvPr>
+        </p:nvSpPr>
+        <p:spPr>
+          <a:xfrm>
+            <a:off x="6217920" y="1845735"/>
+            <a:ext cx="4937760" cy="4023360"/>
+          </a:xfrm>
+        </p:spPr>
+        <p:txBody>
+          <a:bodyPr/>
+          <a:lstStyle/>
+          <a:p>
+            <a:pPr lvl="0"/>
+            <a:r>
+              <a:rPr lang="ja-JP" altLang="en-US" smtClean="0"/>
+              <a:t>マスター テキストの書式設定</a:t>
+            </a:r>
+          </a:p>
+          <a:p>
+            <a:pPr lvl="1"/>
+            <a:r>
+              <a:rPr lang="ja-JP" altLang="en-US" smtClean="0"/>
+              <a:t>第 </a:t>
+            </a:r>
+            <a:r>
+              <a:rPr lang="en-US" altLang="ja-JP" smtClean="0"/>
+              <a:t>2 </a:t>
+            </a:r>
+            <a:r>
+              <a:rPr lang="ja-JP" altLang="en-US" smtClean="0"/>
+              <a:t>レベル</a:t>
+            </a:r>
+          </a:p>
+          <a:p>
+            <a:pPr lvl="2"/>
+            <a:r>
+              <a:rPr lang="ja-JP" altLang="en-US" smtClean="0"/>
+              <a:t>第 </a:t>
+            </a:r>
+            <a:r>
+              <a:rPr lang="en-US" altLang="ja-JP" smtClean="0"/>
+              <a:t>3 </a:t>
+            </a:r>
+            <a:r>
+              <a:rPr lang="ja-JP" altLang="en-US" smtClean="0"/>
+              <a:t>レベル</a:t>
+            </a:r>
+          </a:p>
+          <a:p>
+            <a:pPr lvl="3"/>
+            <a:r>
+              <a:rPr lang="ja-JP" altLang="en-US" smtClean="0"/>
+              <a:t>第 </a:t>
+            </a:r>
+            <a:r>
+              <a:rPr lang="en-US" altLang="ja-JP" smtClean="0"/>
+              <a:t>4 </a:t>
+            </a:r>
+            <a:r>
+              <a:rPr lang="ja-JP" altLang="en-US" smtClean="0"/>
+              <a:t>レベル</a:t>
+            </a:r>
+          </a:p>
+          <a:p>
+            <a:pPr lvl="4"/>
+            <a:r>
+              <a:rPr lang="ja-JP" altLang="en-US" smtClean="0"/>
+              <a:t>第 </a:t>
+            </a:r>
+            <a:r>
+              <a:rPr lang="en-US" altLang="ja-JP" smtClean="0"/>
+              <a:t>5 </a:t>
+            </a:r>
+            <a:r>
+              <a:rPr lang="ja-JP" altLang="en-US" smtClean="0"/>
+              <a:t>レベル</a:t>
+            </a:r>
+            <a:endParaRPr lang="en-US" dirty="0"/>
+          </a:p>
+        </p:txBody>
+      </p:sp>
+      <p:sp>
+        <p:nvSpPr>
+          <p:cNvPr id="5" name="Date Placeholder 4"/>
+          <p:cNvSpPr>
+            <a:spLocks noGrp="1"/>
+          </p:cNvSpPr>
+          <p:nvPr>
+            <p:ph type="dt" sz="half" idx="10"/>
+          </p:nvPr>
+        </p:nvSpPr>
+        <p:spPr/>
+        <p:txBody>
+          <a:bodyPr/>
+          <a:lstStyle/>
+          <a:p>
+            <a:fld id="{FA9DE7E7-D5D8-4B4A-B259-88D9E4E9B04F}" type="datetimeFigureOut">
+              <a:rPr kumimoji="1" lang="ja-JP" altLang="en-US" smtClean="0"/>
+              <a:t>2018/10/3</a:t>
+            </a:fld>
+            <a:endParaRPr kumimoji="1" lang="ja-JP" altLang="en-US"/>
+          </a:p>
+        </p:txBody>
+      </p:sp>
+      <p:sp>
+        <p:nvSpPr>
+          <p:cNvPr id="6" name="Footer Placeholder 5"/>
+          <p:cNvSpPr>
+            <a:spLocks noGrp="1"/>
+          </p:cNvSpPr>
+          <p:nvPr>
+            <p:ph type="ftr" sz="quarter" idx="11"/>
+          </p:nvPr>
+        </p:nvSpPr>
+        <p:spPr/>
+        <p:txBody>
+          <a:bodyPr/>
+          <a:lstStyle/>
+          <a:p>
+            <a:endParaRPr kumimoji="1" lang="ja-JP" altLang="en-US"/>
+          </a:p>
+        </p:txBody>
+      </p:sp>
+      <p:sp>
+        <p:nvSpPr>
+          <p:cNvPr id="7" name="Slide Number Placeholder 6"/>
+          <p:cNvSpPr>
+            <a:spLocks noGrp="1"/>
+          </p:cNvSpPr>
+          <p:nvPr>
+            <p:ph type="sldNum" sz="quarter" idx="12"/>
+          </p:nvPr>
+        </p:nvSpPr>
+        <p:spPr/>
+        <p:txBody>
+          <a:bodyPr/>
+          <a:lstStyle/>
+          <a:p>
+            <a:fld id="{C2A3745A-748D-49D6-B029-236E098C59CC}" type="slidenum">
+              <a:rPr kumimoji="1" lang="ja-JP" altLang="en-US" smtClean="0"/>
+              <a:t>‹#›</a:t>
+            </a:fld>
+            <a:endParaRPr kumimoji="1" lang="ja-JP" altLang="en-US"/>
+          </a:p>
+        </p:txBody>
+      </p:sp>
+    </p:spTree>
+    <p:extLst>
+      <p:ext uri="{BB962C8B-B14F-4D97-AF65-F5344CB8AC3E}">
+        <p14:creationId xmlns:p14="http://schemas.microsoft.com/office/powerpoint/2010/main" val="1507365181"/>
+      </p:ext>
+    </p:extLst>
+  </p:cSld>
+  <p:clrMapOvr>
+    <a:masterClrMapping/>
+  </p:clrMapOvr>
+</p:sldLayout>
+</file>
+
+<file path=ppt/slideLayouts/slideLayout17.xml><?xml version="1.0" encoding="utf-8"?>
+<p:sldLayout xmlns:a="http://schemas.openxmlformats.org/drawingml/2006/main" xmlns:r="http://schemas.openxmlformats.org/officeDocument/2006/relationships" xmlns:p="http://schemas.openxmlformats.org/presentationml/2006/main" type="twoTxTwoObj" preserve="1">
+  <p:cSld name="比較">
+    <p:spTree>
+      <p:nvGrpSpPr>
+        <p:cNvPr id="1" name=""/>
+        <p:cNvGrpSpPr/>
+        <p:nvPr/>
+      </p:nvGrpSpPr>
+      <p:grpSpPr>
+        <a:xfrm>
+          <a:off x="0" y="0"/>
+          <a:ext cx="0" cy="0"/>
+          <a:chOff x="0" y="0"/>
+          <a:chExt cx="0" cy="0"/>
+        </a:xfrm>
+      </p:grpSpPr>
+      <p:sp>
+        <p:nvSpPr>
+          <p:cNvPr id="10" name="Title 9"/>
+          <p:cNvSpPr>
+            <a:spLocks noGrp="1"/>
+          </p:cNvSpPr>
+          <p:nvPr>
+            <p:ph type="title"/>
+          </p:nvPr>
+        </p:nvSpPr>
+        <p:spPr>
+          <a:xfrm>
+            <a:off x="1097280" y="286603"/>
+            <a:ext cx="10058400" cy="1450757"/>
+          </a:xfrm>
+        </p:spPr>
+        <p:txBody>
+          <a:bodyPr/>
+          <a:lstStyle/>
+          <a:p>
+            <a:r>
+              <a:rPr lang="ja-JP" altLang="en-US" smtClean="0"/>
+              <a:t>マスター タイトルの書式設定</a:t>
+            </a:r>
+            <a:endParaRPr lang="en-US" dirty="0"/>
+          </a:p>
+        </p:txBody>
+      </p:sp>
+      <p:sp>
+        <p:nvSpPr>
+          <p:cNvPr id="3" name="Text Placeholder 2"/>
+          <p:cNvSpPr>
+            <a:spLocks noGrp="1"/>
+          </p:cNvSpPr>
+          <p:nvPr>
+            <p:ph type="body" idx="1"/>
+          </p:nvPr>
+        </p:nvSpPr>
+        <p:spPr>
+          <a:xfrm>
+            <a:off x="1097280" y="1846052"/>
+            <a:ext cx="4937760" cy="736282"/>
+          </a:xfrm>
+        </p:spPr>
+        <p:txBody>
+          <a:bodyPr lIns="91440" rIns="91440" anchor="ctr">
+            <a:normAutofit/>
+          </a:bodyPr>
+          <a:lstStyle>
+            <a:lvl1pPr marL="0" indent="0">
+              <a:buNone/>
+              <a:defRPr sz="2000" b="0" cap="all" baseline="0">
+                <a:solidFill>
+                  <a:schemeClr val="tx2"/>
+                </a:solidFill>
+              </a:defRPr>
+            </a:lvl1pPr>
+            <a:lvl2pPr marL="457200" indent="0">
+              <a:buNone/>
+              <a:defRPr sz="2000" b="1"/>
+            </a:lvl2pPr>
+            <a:lvl3pPr marL="914400" indent="0">
+              <a:buNone/>
+              <a:defRPr sz="1800" b="1"/>
+            </a:lvl3pPr>
+            <a:lvl4pPr marL="1371600" indent="0">
+              <a:buNone/>
+              <a:defRPr sz="1600" b="1"/>
+            </a:lvl4pPr>
+            <a:lvl5pPr marL="1828800" indent="0">
+              <a:buNone/>
+              <a:defRPr sz="1600" b="1"/>
+            </a:lvl5pPr>
+            <a:lvl6pPr marL="2286000" indent="0">
+              <a:buNone/>
+              <a:defRPr sz="1600" b="1"/>
+            </a:lvl6pPr>
+            <a:lvl7pPr marL="2743200" indent="0">
+              <a:buNone/>
+              <a:defRPr sz="1600" b="1"/>
+            </a:lvl7pPr>
+            <a:lvl8pPr marL="3200400" indent="0">
+              <a:buNone/>
+              <a:defRPr sz="1600" b="1"/>
+            </a:lvl8pPr>
+            <a:lvl9pPr marL="3657600" indent="0">
+              <a:buNone/>
+              <a:defRPr sz="1600" b="1"/>
+            </a:lvl9pPr>
+          </a:lstStyle>
+          <a:p>
+            <a:pPr lvl="0"/>
+            <a:r>
+              <a:rPr lang="ja-JP" altLang="en-US" smtClean="0"/>
+              <a:t>マスター テキストの書式設定</a:t>
+            </a:r>
+          </a:p>
+        </p:txBody>
+      </p:sp>
+      <p:sp>
+        <p:nvSpPr>
+          <p:cNvPr id="4" name="Content Placeholder 3"/>
+          <p:cNvSpPr>
+            <a:spLocks noGrp="1"/>
+          </p:cNvSpPr>
+          <p:nvPr>
+            <p:ph sz="half" idx="2"/>
+          </p:nvPr>
+        </p:nvSpPr>
+        <p:spPr>
+          <a:xfrm>
+            <a:off x="1097280" y="2582334"/>
+            <a:ext cx="4937760" cy="3378200"/>
+          </a:xfrm>
+        </p:spPr>
+        <p:txBody>
+          <a:bodyPr/>
+          <a:lstStyle/>
+          <a:p>
+            <a:pPr lvl="0"/>
+            <a:r>
+              <a:rPr lang="ja-JP" altLang="en-US" smtClean="0"/>
+              <a:t>マスター テキストの書式設定</a:t>
+            </a:r>
+          </a:p>
+          <a:p>
+            <a:pPr lvl="1"/>
+            <a:r>
+              <a:rPr lang="ja-JP" altLang="en-US" smtClean="0"/>
+              <a:t>第 </a:t>
+            </a:r>
+            <a:r>
+              <a:rPr lang="en-US" altLang="ja-JP" smtClean="0"/>
+              <a:t>2 </a:t>
+            </a:r>
+            <a:r>
+              <a:rPr lang="ja-JP" altLang="en-US" smtClean="0"/>
+              <a:t>レベル</a:t>
+            </a:r>
+          </a:p>
+          <a:p>
+            <a:pPr lvl="2"/>
+            <a:r>
+              <a:rPr lang="ja-JP" altLang="en-US" smtClean="0"/>
+              <a:t>第 </a:t>
+            </a:r>
+            <a:r>
+              <a:rPr lang="en-US" altLang="ja-JP" smtClean="0"/>
+              <a:t>3 </a:t>
+            </a:r>
+            <a:r>
+              <a:rPr lang="ja-JP" altLang="en-US" smtClean="0"/>
+              <a:t>レベル</a:t>
+            </a:r>
+          </a:p>
+          <a:p>
+            <a:pPr lvl="3"/>
+            <a:r>
+              <a:rPr lang="ja-JP" altLang="en-US" smtClean="0"/>
+              <a:t>第 </a:t>
+            </a:r>
+            <a:r>
+              <a:rPr lang="en-US" altLang="ja-JP" smtClean="0"/>
+              <a:t>4 </a:t>
+            </a:r>
+            <a:r>
+              <a:rPr lang="ja-JP" altLang="en-US" smtClean="0"/>
+              <a:t>レベル</a:t>
+            </a:r>
+          </a:p>
+          <a:p>
+            <a:pPr lvl="4"/>
+            <a:r>
+              <a:rPr lang="ja-JP" altLang="en-US" smtClean="0"/>
+              <a:t>第 </a:t>
+            </a:r>
+            <a:r>
+              <a:rPr lang="en-US" altLang="ja-JP" smtClean="0"/>
+              <a:t>5 </a:t>
+            </a:r>
+            <a:r>
+              <a:rPr lang="ja-JP" altLang="en-US" smtClean="0"/>
+              <a:t>レベル</a:t>
+            </a:r>
+            <a:endParaRPr lang="en-US" dirty="0"/>
+          </a:p>
+        </p:txBody>
+      </p:sp>
+      <p:sp>
+        <p:nvSpPr>
+          <p:cNvPr id="5" name="Text Placeholder 4"/>
+          <p:cNvSpPr>
+            <a:spLocks noGrp="1"/>
+          </p:cNvSpPr>
+          <p:nvPr>
+            <p:ph type="body" sz="quarter" idx="3"/>
+          </p:nvPr>
+        </p:nvSpPr>
+        <p:spPr>
+          <a:xfrm>
+            <a:off x="6217920" y="1846052"/>
+            <a:ext cx="4937760" cy="736282"/>
+          </a:xfrm>
+        </p:spPr>
+        <p:txBody>
+          <a:bodyPr lIns="91440" rIns="91440" anchor="ctr">
+            <a:normAutofit/>
+          </a:bodyPr>
+          <a:lstStyle>
+            <a:lvl1pPr marL="0" indent="0">
+              <a:buNone/>
+              <a:defRPr sz="2000" b="0" cap="all" baseline="0">
+                <a:solidFill>
+                  <a:schemeClr val="tx2"/>
+                </a:solidFill>
+              </a:defRPr>
+            </a:lvl1pPr>
+            <a:lvl2pPr marL="457200" indent="0">
+              <a:buNone/>
+              <a:defRPr sz="2000" b="1"/>
+            </a:lvl2pPr>
+            <a:lvl3pPr marL="914400" indent="0">
+              <a:buNone/>
+              <a:defRPr sz="1800" b="1"/>
+            </a:lvl3pPr>
+            <a:lvl4pPr marL="1371600" indent="0">
+              <a:buNone/>
+              <a:defRPr sz="1600" b="1"/>
+            </a:lvl4pPr>
+            <a:lvl5pPr marL="1828800" indent="0">
+              <a:buNone/>
+              <a:defRPr sz="1600" b="1"/>
+            </a:lvl5pPr>
+            <a:lvl6pPr marL="2286000" indent="0">
+              <a:buNone/>
+              <a:defRPr sz="1600" b="1"/>
+            </a:lvl6pPr>
+            <a:lvl7pPr marL="2743200" indent="0">
+              <a:buNone/>
+              <a:defRPr sz="1600" b="1"/>
+            </a:lvl7pPr>
+            <a:lvl8pPr marL="3200400" indent="0">
+              <a:buNone/>
+              <a:defRPr sz="1600" b="1"/>
+            </a:lvl8pPr>
+            <a:lvl9pPr marL="3657600" indent="0">
+              <a:buNone/>
+              <a:defRPr sz="1600" b="1"/>
+            </a:lvl9pPr>
+          </a:lstStyle>
+          <a:p>
+            <a:pPr lvl="0"/>
+            <a:r>
+              <a:rPr lang="ja-JP" altLang="en-US" smtClean="0"/>
+              <a:t>マスター テキストの書式設定</a:t>
+            </a:r>
+          </a:p>
+        </p:txBody>
+      </p:sp>
+      <p:sp>
+        <p:nvSpPr>
+          <p:cNvPr id="6" name="Content Placeholder 5"/>
+          <p:cNvSpPr>
+            <a:spLocks noGrp="1"/>
+          </p:cNvSpPr>
+          <p:nvPr>
+            <p:ph sz="quarter" idx="4"/>
+          </p:nvPr>
+        </p:nvSpPr>
+        <p:spPr>
+          <a:xfrm>
+            <a:off x="6217920" y="2582334"/>
+            <a:ext cx="4937760" cy="3378200"/>
+          </a:xfrm>
+        </p:spPr>
+        <p:txBody>
+          <a:bodyPr/>
+          <a:lstStyle/>
+          <a:p>
+            <a:pPr lvl="0"/>
+            <a:r>
+              <a:rPr lang="ja-JP" altLang="en-US" smtClean="0"/>
+              <a:t>マスター テキストの書式設定</a:t>
+            </a:r>
+          </a:p>
+          <a:p>
+            <a:pPr lvl="1"/>
+            <a:r>
+              <a:rPr lang="ja-JP" altLang="en-US" smtClean="0"/>
+              <a:t>第 </a:t>
+            </a:r>
+            <a:r>
+              <a:rPr lang="en-US" altLang="ja-JP" smtClean="0"/>
+              <a:t>2 </a:t>
+            </a:r>
+            <a:r>
+              <a:rPr lang="ja-JP" altLang="en-US" smtClean="0"/>
+              <a:t>レベル</a:t>
+            </a:r>
+          </a:p>
+          <a:p>
+            <a:pPr lvl="2"/>
+            <a:r>
+              <a:rPr lang="ja-JP" altLang="en-US" smtClean="0"/>
+              <a:t>第 </a:t>
+            </a:r>
+            <a:r>
+              <a:rPr lang="en-US" altLang="ja-JP" smtClean="0"/>
+              <a:t>3 </a:t>
+            </a:r>
+            <a:r>
+              <a:rPr lang="ja-JP" altLang="en-US" smtClean="0"/>
+              <a:t>レベル</a:t>
+            </a:r>
+          </a:p>
+          <a:p>
+            <a:pPr lvl="3"/>
+            <a:r>
+              <a:rPr lang="ja-JP" altLang="en-US" smtClean="0"/>
+              <a:t>第 </a:t>
+            </a:r>
+            <a:r>
+              <a:rPr lang="en-US" altLang="ja-JP" smtClean="0"/>
+              <a:t>4 </a:t>
+            </a:r>
+            <a:r>
+              <a:rPr lang="ja-JP" altLang="en-US" smtClean="0"/>
+              <a:t>レベル</a:t>
+            </a:r>
+          </a:p>
+          <a:p>
+            <a:pPr lvl="4"/>
+            <a:r>
+              <a:rPr lang="ja-JP" altLang="en-US" smtClean="0"/>
+              <a:t>第 </a:t>
+            </a:r>
+            <a:r>
+              <a:rPr lang="en-US" altLang="ja-JP" smtClean="0"/>
+              <a:t>5 </a:t>
+            </a:r>
+            <a:r>
+              <a:rPr lang="ja-JP" altLang="en-US" smtClean="0"/>
+              <a:t>レベル</a:t>
+            </a:r>
+            <a:endParaRPr lang="en-US" dirty="0"/>
+          </a:p>
+        </p:txBody>
+      </p:sp>
+      <p:sp>
+        <p:nvSpPr>
+          <p:cNvPr id="7" name="Date Placeholder 6"/>
+          <p:cNvSpPr>
+            <a:spLocks noGrp="1"/>
+          </p:cNvSpPr>
+          <p:nvPr>
+            <p:ph type="dt" sz="half" idx="10"/>
+          </p:nvPr>
+        </p:nvSpPr>
+        <p:spPr/>
+        <p:txBody>
+          <a:bodyPr/>
+          <a:lstStyle/>
+          <a:p>
+            <a:fld id="{FA9DE7E7-D5D8-4B4A-B259-88D9E4E9B04F}" type="datetimeFigureOut">
+              <a:rPr kumimoji="1" lang="ja-JP" altLang="en-US" smtClean="0"/>
+              <a:t>2018/10/3</a:t>
+            </a:fld>
+            <a:endParaRPr kumimoji="1" lang="ja-JP" altLang="en-US"/>
+          </a:p>
+        </p:txBody>
+      </p:sp>
+      <p:sp>
+        <p:nvSpPr>
+          <p:cNvPr id="8" name="Footer Placeholder 7"/>
+          <p:cNvSpPr>
+            <a:spLocks noGrp="1"/>
+          </p:cNvSpPr>
+          <p:nvPr>
+            <p:ph type="ftr" sz="quarter" idx="11"/>
+          </p:nvPr>
+        </p:nvSpPr>
+        <p:spPr/>
+        <p:txBody>
+          <a:bodyPr/>
+          <a:lstStyle/>
+          <a:p>
+            <a:endParaRPr kumimoji="1" lang="ja-JP" altLang="en-US"/>
+          </a:p>
+        </p:txBody>
+      </p:sp>
+      <p:sp>
+        <p:nvSpPr>
+          <p:cNvPr id="9" name="Slide Number Placeholder 8"/>
+          <p:cNvSpPr>
+            <a:spLocks noGrp="1"/>
+          </p:cNvSpPr>
+          <p:nvPr>
+            <p:ph type="sldNum" sz="quarter" idx="12"/>
+          </p:nvPr>
+        </p:nvSpPr>
+        <p:spPr/>
+        <p:txBody>
+          <a:bodyPr/>
+          <a:lstStyle/>
+          <a:p>
+            <a:fld id="{C2A3745A-748D-49D6-B029-236E098C59CC}" type="slidenum">
+              <a:rPr kumimoji="1" lang="ja-JP" altLang="en-US" smtClean="0"/>
+              <a:t>‹#›</a:t>
+            </a:fld>
+            <a:endParaRPr kumimoji="1" lang="ja-JP" altLang="en-US"/>
+          </a:p>
+        </p:txBody>
+      </p:sp>
+    </p:spTree>
+    <p:extLst>
+      <p:ext uri="{BB962C8B-B14F-4D97-AF65-F5344CB8AC3E}">
+        <p14:creationId xmlns:p14="http://schemas.microsoft.com/office/powerpoint/2010/main" val="3578969943"/>
+      </p:ext>
+    </p:extLst>
+  </p:cSld>
+  <p:clrMapOvr>
+    <a:masterClrMapping/>
+  </p:clrMapOvr>
+</p:sldLayout>
+</file>
+
+<file path=ppt/slideLayouts/slideLayout18.xml><?xml version="1.0" encoding="utf-8"?>
+<p:sldLayout xmlns:a="http://schemas.openxmlformats.org/drawingml/2006/main" xmlns:r="http://schemas.openxmlformats.org/officeDocument/2006/relationships" xmlns:p="http://schemas.openxmlformats.org/presentationml/2006/main" type="titleOnly" preserve="1">
+  <p:cSld name="タイトルのみ">
+    <p:spTree>
+      <p:nvGrpSpPr>
+        <p:cNvPr id="1" name=""/>
+        <p:cNvGrpSpPr/>
+        <p:nvPr/>
+      </p:nvGrpSpPr>
+      <p:grpSpPr>
+        <a:xfrm>
+          <a:off x="0" y="0"/>
+          <a:ext cx="0" cy="0"/>
+          <a:chOff x="0" y="0"/>
+          <a:chExt cx="0" cy="0"/>
+        </a:xfrm>
+      </p:grpSpPr>
+      <p:sp>
+        <p:nvSpPr>
+          <p:cNvPr id="2" name="Title 1"/>
+          <p:cNvSpPr>
+            <a:spLocks noGrp="1"/>
+          </p:cNvSpPr>
+          <p:nvPr>
+            <p:ph type="title"/>
+          </p:nvPr>
+        </p:nvSpPr>
+        <p:spPr/>
+        <p:txBody>
+          <a:bodyPr/>
+          <a:lstStyle/>
+          <a:p>
+            <a:r>
+              <a:rPr lang="ja-JP" altLang="en-US" smtClean="0"/>
+              <a:t>マスター タイトルの書式設定</a:t>
+            </a:r>
+            <a:endParaRPr lang="en-US" dirty="0"/>
+          </a:p>
+        </p:txBody>
+      </p:sp>
+      <p:sp>
+        <p:nvSpPr>
+          <p:cNvPr id="3" name="Date Placeholder 2"/>
+          <p:cNvSpPr>
+            <a:spLocks noGrp="1"/>
+          </p:cNvSpPr>
+          <p:nvPr>
+            <p:ph type="dt" sz="half" idx="10"/>
+          </p:nvPr>
+        </p:nvSpPr>
+        <p:spPr/>
+        <p:txBody>
+          <a:bodyPr/>
+          <a:lstStyle/>
+          <a:p>
+            <a:fld id="{FA9DE7E7-D5D8-4B4A-B259-88D9E4E9B04F}" type="datetimeFigureOut">
+              <a:rPr kumimoji="1" lang="ja-JP" altLang="en-US" smtClean="0"/>
+              <a:t>2018/10/3</a:t>
+            </a:fld>
+            <a:endParaRPr kumimoji="1" lang="ja-JP" altLang="en-US"/>
+          </a:p>
+        </p:txBody>
+      </p:sp>
+      <p:sp>
+        <p:nvSpPr>
+          <p:cNvPr id="4" name="Footer Placeholder 3"/>
+          <p:cNvSpPr>
+            <a:spLocks noGrp="1"/>
+          </p:cNvSpPr>
+          <p:nvPr>
+            <p:ph type="ftr" sz="quarter" idx="11"/>
+          </p:nvPr>
+        </p:nvSpPr>
+        <p:spPr/>
+        <p:txBody>
+          <a:bodyPr/>
+          <a:lstStyle/>
+          <a:p>
+            <a:endParaRPr kumimoji="1" lang="ja-JP" altLang="en-US"/>
+          </a:p>
+        </p:txBody>
+      </p:sp>
+      <p:sp>
+        <p:nvSpPr>
+          <p:cNvPr id="5" name="Slide Number Placeholder 4"/>
+          <p:cNvSpPr>
+            <a:spLocks noGrp="1"/>
+          </p:cNvSpPr>
+          <p:nvPr>
+            <p:ph type="sldNum" sz="quarter" idx="12"/>
+          </p:nvPr>
+        </p:nvSpPr>
+        <p:spPr/>
+        <p:txBody>
+          <a:bodyPr/>
+          <a:lstStyle/>
+          <a:p>
+            <a:fld id="{C2A3745A-748D-49D6-B029-236E098C59CC}" type="slidenum">
+              <a:rPr kumimoji="1" lang="ja-JP" altLang="en-US" smtClean="0"/>
+              <a:t>‹#›</a:t>
+            </a:fld>
+            <a:endParaRPr kumimoji="1" lang="ja-JP" altLang="en-US"/>
+          </a:p>
+        </p:txBody>
+      </p:sp>
+    </p:spTree>
+    <p:extLst>
+      <p:ext uri="{BB962C8B-B14F-4D97-AF65-F5344CB8AC3E}">
+        <p14:creationId xmlns:p14="http://schemas.microsoft.com/office/powerpoint/2010/main" val="3734925975"/>
+      </p:ext>
+    </p:extLst>
+  </p:cSld>
+  <p:clrMapOvr>
+    <a:masterClrMapping/>
+  </p:clrMapOvr>
+</p:sldLayout>
+</file>
+
+<file path=ppt/slideLayouts/slideLayout19.xml><?xml version="1.0" encoding="utf-8"?>
+<p:sldLayout xmlns:a="http://schemas.openxmlformats.org/drawingml/2006/main" xmlns:r="http://schemas.openxmlformats.org/officeDocument/2006/relationships" xmlns:p="http://schemas.openxmlformats.org/presentationml/2006/main" showMasterSp="0" type="blank" preserve="1">
+  <p:cSld name="白紙">
+    <p:spTree>
+      <p:nvGrpSpPr>
+        <p:cNvPr id="1" name=""/>
+        <p:cNvGrpSpPr/>
+        <p:nvPr/>
+      </p:nvGrpSpPr>
+      <p:grpSpPr>
+        <a:xfrm>
+          <a:off x="0" y="0"/>
+          <a:ext cx="0" cy="0"/>
+          <a:chOff x="0" y="0"/>
+          <a:chExt cx="0" cy="0"/>
+        </a:xfrm>
+      </p:grpSpPr>
+      <p:sp>
+        <p:nvSpPr>
+          <p:cNvPr id="5" name="Rectangle 4"/>
+          <p:cNvSpPr/>
+          <p:nvPr/>
+        </p:nvSpPr>
+        <p:spPr>
+          <a:xfrm>
+            <a:off x="3175" y="6400800"/>
+            <a:ext cx="12188825" cy="457200"/>
+          </a:xfrm>
+          <a:prstGeom prst="rect">
+            <a:avLst/>
+          </a:prstGeom>
+          <a:solidFill>
+            <a:schemeClr val="accent2"/>
+          </a:solidFill>
+          <a:ln>
+            <a:noFill/>
+          </a:ln>
+        </p:spPr>
+        <p:style>
+          <a:lnRef idx="2">
+            <a:schemeClr val="accent1">
+              <a:shade val="50000"/>
+            </a:schemeClr>
+          </a:lnRef>
+          <a:fillRef idx="1">
+            <a:schemeClr val="accent1"/>
+          </a:fillRef>
+          <a:effectRef idx="0">
+            <a:schemeClr val="accent1"/>
+          </a:effectRef>
+          <a:fontRef idx="minor">
+            <a:schemeClr val="lt1"/>
+          </a:fontRef>
+        </p:style>
+      </p:sp>
+      <p:sp>
+        <p:nvSpPr>
+          <p:cNvPr id="6" name="Rectangle 5"/>
+          <p:cNvSpPr/>
+          <p:nvPr/>
+        </p:nvSpPr>
+        <p:spPr>
+          <a:xfrm>
+            <a:off x="15" y="6334316"/>
+            <a:ext cx="12188825" cy="64008"/>
+          </a:xfrm>
+          <a:prstGeom prst="rect">
+            <a:avLst/>
+          </a:prstGeom>
+          <a:solidFill>
+            <a:schemeClr val="accent1"/>
+          </a:solidFill>
+          <a:ln>
+            <a:noFill/>
+          </a:ln>
+        </p:spPr>
+        <p:style>
+          <a:lnRef idx="2">
+            <a:schemeClr val="accent1">
+              <a:shade val="50000"/>
+            </a:schemeClr>
+          </a:lnRef>
+          <a:fillRef idx="1">
+            <a:schemeClr val="accent1"/>
+          </a:fillRef>
+          <a:effectRef idx="0">
+            <a:schemeClr val="accent1"/>
+          </a:effectRef>
+          <a:fontRef idx="minor">
+            <a:schemeClr val="lt1"/>
+          </a:fontRef>
+        </p:style>
+      </p:sp>
+      <p:sp>
+        <p:nvSpPr>
+          <p:cNvPr id="7" name="Date Placeholder 6"/>
+          <p:cNvSpPr>
+            <a:spLocks noGrp="1"/>
+          </p:cNvSpPr>
+          <p:nvPr>
+            <p:ph type="dt" sz="half" idx="10"/>
+          </p:nvPr>
+        </p:nvSpPr>
+        <p:spPr/>
+        <p:txBody>
+          <a:bodyPr/>
+          <a:lstStyle/>
+          <a:p>
+            <a:fld id="{FA9DE7E7-D5D8-4B4A-B259-88D9E4E9B04F}" type="datetimeFigureOut">
+              <a:rPr kumimoji="1" lang="ja-JP" altLang="en-US" smtClean="0"/>
+              <a:t>2018/10/3</a:t>
+            </a:fld>
+            <a:endParaRPr kumimoji="1" lang="ja-JP" altLang="en-US"/>
+          </a:p>
+        </p:txBody>
+      </p:sp>
+      <p:sp>
+        <p:nvSpPr>
+          <p:cNvPr id="8" name="Footer Placeholder 7"/>
+          <p:cNvSpPr>
+            <a:spLocks noGrp="1"/>
+          </p:cNvSpPr>
+          <p:nvPr>
+            <p:ph type="ftr" sz="quarter" idx="11"/>
+          </p:nvPr>
+        </p:nvSpPr>
+        <p:spPr/>
+        <p:txBody>
+          <a:bodyPr/>
+          <a:lstStyle>
+            <a:lvl1pPr>
+              <a:defRPr>
+                <a:solidFill>
+                  <a:srgbClr val="FFFFFF"/>
+                </a:solidFill>
+              </a:defRPr>
+            </a:lvl1pPr>
+          </a:lstStyle>
+          <a:p>
+            <a:endParaRPr kumimoji="1" lang="ja-JP" altLang="en-US"/>
+          </a:p>
+        </p:txBody>
+      </p:sp>
+      <p:sp>
+        <p:nvSpPr>
+          <p:cNvPr id="9" name="Slide Number Placeholder 8"/>
+          <p:cNvSpPr>
+            <a:spLocks noGrp="1"/>
+          </p:cNvSpPr>
+          <p:nvPr>
+            <p:ph type="sldNum" sz="quarter" idx="12"/>
+          </p:nvPr>
+        </p:nvSpPr>
+        <p:spPr/>
+        <p:txBody>
+          <a:bodyPr/>
+          <a:lstStyle/>
+          <a:p>
+            <a:fld id="{C2A3745A-748D-49D6-B029-236E098C59CC}" type="slidenum">
+              <a:rPr kumimoji="1" lang="ja-JP" altLang="en-US" smtClean="0"/>
+              <a:t>‹#›</a:t>
+            </a:fld>
+            <a:endParaRPr kumimoji="1" lang="ja-JP" altLang="en-US"/>
+          </a:p>
+        </p:txBody>
+      </p:sp>
+    </p:spTree>
+    <p:extLst>
+      <p:ext uri="{BB962C8B-B14F-4D97-AF65-F5344CB8AC3E}">
+        <p14:creationId xmlns:p14="http://schemas.microsoft.com/office/powerpoint/2010/main" val="692495720"/>
       </p:ext>
     </p:extLst>
   </p:cSld>
@@ -741,7 +3026,7 @@
       </p:grpSpPr>
       <p:sp>
         <p:nvSpPr>
-          <p:cNvPr id="2" name="タイトル 1"/>
+          <p:cNvPr id="2" name="Title 1"/>
           <p:cNvSpPr>
             <a:spLocks noGrp="1"/>
           </p:cNvSpPr>
@@ -755,16 +3040,16 @@
           <a:lstStyle/>
           <a:p>
             <a:r>
-              <a:rPr kumimoji="1" lang="ja-JP" altLang="en-US" smtClean="0"/>
+              <a:rPr lang="ja-JP" altLang="en-US" smtClean="0"/>
               <a:t>マスター タイトルの書式設定</a:t>
             </a:r>
-            <a:endParaRPr kumimoji="1" lang="ja-JP" altLang="en-US"/>
-          </a:p>
-        </p:txBody>
-      </p:sp>
-      <p:sp>
-        <p:nvSpPr>
-          <p:cNvPr id="3" name="コンテンツ プレースホルダー 2"/>
+            <a:endParaRPr lang="en-US" dirty="0"/>
+          </a:p>
+        </p:txBody>
+      </p:sp>
+      <p:sp>
+        <p:nvSpPr>
+          <p:cNvPr id="3" name="Content Placeholder 2"/>
           <p:cNvSpPr>
             <a:spLocks noGrp="1"/>
           </p:cNvSpPr>
@@ -779,76 +3064,76 @@
           <a:p>
             <a:pPr lvl="0"/>
             <a:r>
-              <a:rPr kumimoji="1" lang="ja-JP" altLang="en-US" smtClean="0"/>
+              <a:rPr lang="ja-JP" altLang="en-US" smtClean="0"/>
               <a:t>マスター テキストの書式設定</a:t>
             </a:r>
           </a:p>
           <a:p>
             <a:pPr lvl="1"/>
             <a:r>
-              <a:rPr kumimoji="1" lang="ja-JP" altLang="en-US" smtClean="0"/>
+              <a:rPr lang="ja-JP" altLang="en-US" smtClean="0"/>
               <a:t>第 </a:t>
             </a:r>
             <a:r>
-              <a:rPr kumimoji="1" lang="en-US" altLang="ja-JP" smtClean="0"/>
+              <a:rPr lang="en-US" altLang="ja-JP" smtClean="0"/>
               <a:t>2 </a:t>
             </a:r>
             <a:r>
-              <a:rPr kumimoji="1" lang="ja-JP" altLang="en-US" smtClean="0"/>
+              <a:rPr lang="ja-JP" altLang="en-US" smtClean="0"/>
               <a:t>レベル</a:t>
             </a:r>
           </a:p>
           <a:p>
             <a:pPr lvl="2"/>
             <a:r>
-              <a:rPr kumimoji="1" lang="ja-JP" altLang="en-US" smtClean="0"/>
+              <a:rPr lang="ja-JP" altLang="en-US" smtClean="0"/>
               <a:t>第 </a:t>
             </a:r>
             <a:r>
-              <a:rPr kumimoji="1" lang="en-US" altLang="ja-JP" smtClean="0"/>
+              <a:rPr lang="en-US" altLang="ja-JP" smtClean="0"/>
               <a:t>3 </a:t>
             </a:r>
             <a:r>
-              <a:rPr kumimoji="1" lang="ja-JP" altLang="en-US" smtClean="0"/>
+              <a:rPr lang="ja-JP" altLang="en-US" smtClean="0"/>
               <a:t>レベル</a:t>
             </a:r>
           </a:p>
           <a:p>
             <a:pPr lvl="3"/>
             <a:r>
-              <a:rPr kumimoji="1" lang="ja-JP" altLang="en-US" smtClean="0"/>
+              <a:rPr lang="ja-JP" altLang="en-US" smtClean="0"/>
               <a:t>第 </a:t>
             </a:r>
             <a:r>
-              <a:rPr kumimoji="1" lang="en-US" altLang="ja-JP" smtClean="0"/>
+              <a:rPr lang="en-US" altLang="ja-JP" smtClean="0"/>
               <a:t>4 </a:t>
             </a:r>
             <a:r>
-              <a:rPr kumimoji="1" lang="ja-JP" altLang="en-US" smtClean="0"/>
+              <a:rPr lang="ja-JP" altLang="en-US" smtClean="0"/>
               <a:t>レベル</a:t>
             </a:r>
           </a:p>
           <a:p>
             <a:pPr lvl="4"/>
             <a:r>
-              <a:rPr kumimoji="1" lang="ja-JP" altLang="en-US" smtClean="0"/>
+              <a:rPr lang="ja-JP" altLang="en-US" smtClean="0"/>
               <a:t>第 </a:t>
             </a:r>
             <a:r>
-              <a:rPr kumimoji="1" lang="en-US" altLang="ja-JP" smtClean="0"/>
+              <a:rPr lang="en-US" altLang="ja-JP" smtClean="0"/>
               <a:t>5 </a:t>
             </a:r>
             <a:r>
-              <a:rPr kumimoji="1" lang="ja-JP" altLang="en-US" smtClean="0"/>
+              <a:rPr lang="ja-JP" altLang="en-US" smtClean="0"/>
               <a:t>レベル</a:t>
             </a:r>
-            <a:endParaRPr kumimoji="1" lang="ja-JP" altLang="en-US"/>
-          </a:p>
-        </p:txBody>
-      </p:sp>
-      <p:sp>
-        <p:nvSpPr>
-          <p:cNvPr id="4" name="日付プレースホルダー 3"/>
+            <a:endParaRPr lang="en-US" dirty="0"/>
+          </a:p>
+        </p:txBody>
+      </p:sp>
+      <p:sp>
+        <p:nvSpPr>
+          <p:cNvPr id="4" name="Date Placeholder 3"/>
           <p:cNvSpPr>
             <a:spLocks noGrp="1"/>
           </p:cNvSpPr>
@@ -863,7 +3148,7 @@
           <a:p>
             <a:fld id="{FA9DE7E7-D5D8-4B4A-B259-88D9E4E9B04F}" type="datetimeFigureOut">
               <a:rPr kumimoji="1" lang="ja-JP" altLang="en-US" smtClean="0"/>
-              <a:t>2018/10/2</a:t>
+              <a:t>2018/10/3</a:t>
             </a:fld>
             <a:endParaRPr kumimoji="1" lang="ja-JP" altLang="en-US"/>
           </a:p>
@@ -871,7 +3156,7 @@
       </p:sp>
       <p:sp>
         <p:nvSpPr>
-          <p:cNvPr id="5" name="フッター プレースホルダー 4"/>
+          <p:cNvPr id="5" name="Footer Placeholder 4"/>
           <p:cNvSpPr>
             <a:spLocks noGrp="1"/>
           </p:cNvSpPr>
@@ -890,7 +3175,7 @@
       </p:sp>
       <p:sp>
         <p:nvSpPr>
-          <p:cNvPr id="6" name="スライド番号プレースホルダー 5"/>
+          <p:cNvPr id="6" name="Slide Number Placeholder 5"/>
           <p:cNvSpPr>
             <a:spLocks noGrp="1"/>
           </p:cNvSpPr>
@@ -914,7 +3199,1259 @@
     </p:spTree>
     <p:extLst>
       <p:ext uri="{BB962C8B-B14F-4D97-AF65-F5344CB8AC3E}">
-        <p14:creationId xmlns:p14="http://schemas.microsoft.com/office/powerpoint/2010/main" val="1958647936"/>
+        <p14:creationId xmlns:p14="http://schemas.microsoft.com/office/powerpoint/2010/main" val="2613476399"/>
+      </p:ext>
+    </p:extLst>
+  </p:cSld>
+  <p:clrMapOvr>
+    <a:masterClrMapping/>
+  </p:clrMapOvr>
+  <p:timing>
+    <p:tnLst>
+      <p:par>
+        <p:cTn id="1" dur="indefinite" restart="never" nodeType="tmRoot"/>
+      </p:par>
+    </p:tnLst>
+  </p:timing>
+</p:sldLayout>
+</file>
+
+<file path=ppt/slideLayouts/slideLayout20.xml><?xml version="1.0" encoding="utf-8"?>
+<p:sldLayout xmlns:a="http://schemas.openxmlformats.org/drawingml/2006/main" xmlns:r="http://schemas.openxmlformats.org/officeDocument/2006/relationships" xmlns:p="http://schemas.openxmlformats.org/presentationml/2006/main" showMasterSp="0" type="objTx" preserve="1">
+  <p:cSld name="タイトル付きの&#10;コンテンツ">
+    <p:spTree>
+      <p:nvGrpSpPr>
+        <p:cNvPr id="1" name=""/>
+        <p:cNvGrpSpPr/>
+        <p:nvPr/>
+      </p:nvGrpSpPr>
+      <p:grpSpPr>
+        <a:xfrm>
+          <a:off x="0" y="0"/>
+          <a:ext cx="0" cy="0"/>
+          <a:chOff x="0" y="0"/>
+          <a:chExt cx="0" cy="0"/>
+        </a:xfrm>
+      </p:grpSpPr>
+      <p:sp>
+        <p:nvSpPr>
+          <p:cNvPr id="8" name="Rectangle 7"/>
+          <p:cNvSpPr/>
+          <p:nvPr/>
+        </p:nvSpPr>
+        <p:spPr>
+          <a:xfrm>
+            <a:off x="16" y="0"/>
+            <a:ext cx="4050791" cy="6858000"/>
+          </a:xfrm>
+          <a:prstGeom prst="rect">
+            <a:avLst/>
+          </a:prstGeom>
+          <a:solidFill>
+            <a:schemeClr val="accent2"/>
+          </a:solidFill>
+          <a:ln>
+            <a:noFill/>
+          </a:ln>
+        </p:spPr>
+        <p:style>
+          <a:lnRef idx="2">
+            <a:schemeClr val="accent1">
+              <a:shade val="50000"/>
+            </a:schemeClr>
+          </a:lnRef>
+          <a:fillRef idx="1">
+            <a:schemeClr val="accent1"/>
+          </a:fillRef>
+          <a:effectRef idx="0">
+            <a:schemeClr val="accent1"/>
+          </a:effectRef>
+          <a:fontRef idx="minor">
+            <a:schemeClr val="lt1"/>
+          </a:fontRef>
+        </p:style>
+      </p:sp>
+      <p:sp>
+        <p:nvSpPr>
+          <p:cNvPr id="9" name="Rectangle 8"/>
+          <p:cNvSpPr/>
+          <p:nvPr/>
+        </p:nvSpPr>
+        <p:spPr>
+          <a:xfrm>
+            <a:off x="4040071" y="0"/>
+            <a:ext cx="64008" cy="6858000"/>
+          </a:xfrm>
+          <a:prstGeom prst="rect">
+            <a:avLst/>
+          </a:prstGeom>
+          <a:solidFill>
+            <a:schemeClr val="accent1"/>
+          </a:solidFill>
+          <a:ln>
+            <a:noFill/>
+          </a:ln>
+        </p:spPr>
+        <p:style>
+          <a:lnRef idx="2">
+            <a:schemeClr val="accent1">
+              <a:shade val="50000"/>
+            </a:schemeClr>
+          </a:lnRef>
+          <a:fillRef idx="1">
+            <a:schemeClr val="accent1"/>
+          </a:fillRef>
+          <a:effectRef idx="0">
+            <a:schemeClr val="accent1"/>
+          </a:effectRef>
+          <a:fontRef idx="minor">
+            <a:schemeClr val="lt1"/>
+          </a:fontRef>
+        </p:style>
+      </p:sp>
+      <p:sp>
+        <p:nvSpPr>
+          <p:cNvPr id="2" name="Title 1"/>
+          <p:cNvSpPr>
+            <a:spLocks noGrp="1"/>
+          </p:cNvSpPr>
+          <p:nvPr>
+            <p:ph type="title"/>
+          </p:nvPr>
+        </p:nvSpPr>
+        <p:spPr>
+          <a:xfrm>
+            <a:off x="457200" y="594359"/>
+            <a:ext cx="3200400" cy="2286000"/>
+          </a:xfrm>
+        </p:spPr>
+        <p:txBody>
+          <a:bodyPr anchor="b">
+            <a:normAutofit/>
+          </a:bodyPr>
+          <a:lstStyle>
+            <a:lvl1pPr>
+              <a:defRPr sz="3600" b="0">
+                <a:solidFill>
+                  <a:srgbClr val="FFFFFF"/>
+                </a:solidFill>
+              </a:defRPr>
+            </a:lvl1pPr>
+          </a:lstStyle>
+          <a:p>
+            <a:r>
+              <a:rPr lang="ja-JP" altLang="en-US" smtClean="0"/>
+              <a:t>マスター タイトルの書式設定</a:t>
+            </a:r>
+            <a:endParaRPr lang="en-US" dirty="0"/>
+          </a:p>
+        </p:txBody>
+      </p:sp>
+      <p:sp>
+        <p:nvSpPr>
+          <p:cNvPr id="3" name="Content Placeholder 2"/>
+          <p:cNvSpPr>
+            <a:spLocks noGrp="1"/>
+          </p:cNvSpPr>
+          <p:nvPr>
+            <p:ph idx="1"/>
+          </p:nvPr>
+        </p:nvSpPr>
+        <p:spPr>
+          <a:xfrm>
+            <a:off x="4800600" y="731520"/>
+            <a:ext cx="6492240" cy="5257800"/>
+          </a:xfrm>
+        </p:spPr>
+        <p:txBody>
+          <a:bodyPr/>
+          <a:lstStyle/>
+          <a:p>
+            <a:pPr lvl="0"/>
+            <a:r>
+              <a:rPr lang="ja-JP" altLang="en-US" smtClean="0"/>
+              <a:t>マスター テキストの書式設定</a:t>
+            </a:r>
+          </a:p>
+          <a:p>
+            <a:pPr lvl="1"/>
+            <a:r>
+              <a:rPr lang="ja-JP" altLang="en-US" smtClean="0"/>
+              <a:t>第 </a:t>
+            </a:r>
+            <a:r>
+              <a:rPr lang="en-US" altLang="ja-JP" smtClean="0"/>
+              <a:t>2 </a:t>
+            </a:r>
+            <a:r>
+              <a:rPr lang="ja-JP" altLang="en-US" smtClean="0"/>
+              <a:t>レベル</a:t>
+            </a:r>
+          </a:p>
+          <a:p>
+            <a:pPr lvl="2"/>
+            <a:r>
+              <a:rPr lang="ja-JP" altLang="en-US" smtClean="0"/>
+              <a:t>第 </a:t>
+            </a:r>
+            <a:r>
+              <a:rPr lang="en-US" altLang="ja-JP" smtClean="0"/>
+              <a:t>3 </a:t>
+            </a:r>
+            <a:r>
+              <a:rPr lang="ja-JP" altLang="en-US" smtClean="0"/>
+              <a:t>レベル</a:t>
+            </a:r>
+          </a:p>
+          <a:p>
+            <a:pPr lvl="3"/>
+            <a:r>
+              <a:rPr lang="ja-JP" altLang="en-US" smtClean="0"/>
+              <a:t>第 </a:t>
+            </a:r>
+            <a:r>
+              <a:rPr lang="en-US" altLang="ja-JP" smtClean="0"/>
+              <a:t>4 </a:t>
+            </a:r>
+            <a:r>
+              <a:rPr lang="ja-JP" altLang="en-US" smtClean="0"/>
+              <a:t>レベル</a:t>
+            </a:r>
+          </a:p>
+          <a:p>
+            <a:pPr lvl="4"/>
+            <a:r>
+              <a:rPr lang="ja-JP" altLang="en-US" smtClean="0"/>
+              <a:t>第 </a:t>
+            </a:r>
+            <a:r>
+              <a:rPr lang="en-US" altLang="ja-JP" smtClean="0"/>
+              <a:t>5 </a:t>
+            </a:r>
+            <a:r>
+              <a:rPr lang="ja-JP" altLang="en-US" smtClean="0"/>
+              <a:t>レベル</a:t>
+            </a:r>
+            <a:endParaRPr lang="en-US" dirty="0"/>
+          </a:p>
+        </p:txBody>
+      </p:sp>
+      <p:sp>
+        <p:nvSpPr>
+          <p:cNvPr id="4" name="Text Placeholder 3"/>
+          <p:cNvSpPr>
+            <a:spLocks noGrp="1"/>
+          </p:cNvSpPr>
+          <p:nvPr>
+            <p:ph type="body" sz="half" idx="2"/>
+          </p:nvPr>
+        </p:nvSpPr>
+        <p:spPr>
+          <a:xfrm>
+            <a:off x="457200" y="2926080"/>
+            <a:ext cx="3200400" cy="3379124"/>
+          </a:xfrm>
+        </p:spPr>
+        <p:txBody>
+          <a:bodyPr lIns="91440" rIns="91440">
+            <a:normAutofit/>
+          </a:bodyPr>
+          <a:lstStyle>
+            <a:lvl1pPr marL="0" indent="0">
+              <a:buNone/>
+              <a:defRPr sz="1500">
+                <a:solidFill>
+                  <a:srgbClr val="FFFFFF"/>
+                </a:solidFill>
+              </a:defRPr>
+            </a:lvl1pPr>
+            <a:lvl2pPr marL="457200" indent="0">
+              <a:buNone/>
+              <a:defRPr sz="1200"/>
+            </a:lvl2pPr>
+            <a:lvl3pPr marL="914400" indent="0">
+              <a:buNone/>
+              <a:defRPr sz="1000"/>
+            </a:lvl3pPr>
+            <a:lvl4pPr marL="1371600" indent="0">
+              <a:buNone/>
+              <a:defRPr sz="900"/>
+            </a:lvl4pPr>
+            <a:lvl5pPr marL="1828800" indent="0">
+              <a:buNone/>
+              <a:defRPr sz="900"/>
+            </a:lvl5pPr>
+            <a:lvl6pPr marL="2286000" indent="0">
+              <a:buNone/>
+              <a:defRPr sz="900"/>
+            </a:lvl6pPr>
+            <a:lvl7pPr marL="2743200" indent="0">
+              <a:buNone/>
+              <a:defRPr sz="900"/>
+            </a:lvl7pPr>
+            <a:lvl8pPr marL="3200400" indent="0">
+              <a:buNone/>
+              <a:defRPr sz="900"/>
+            </a:lvl8pPr>
+            <a:lvl9pPr marL="3657600" indent="0">
+              <a:buNone/>
+              <a:defRPr sz="900"/>
+            </a:lvl9pPr>
+          </a:lstStyle>
+          <a:p>
+            <a:pPr lvl="0"/>
+            <a:r>
+              <a:rPr lang="ja-JP" altLang="en-US" smtClean="0"/>
+              <a:t>マスター テキストの書式設定</a:t>
+            </a:r>
+          </a:p>
+        </p:txBody>
+      </p:sp>
+      <p:sp>
+        <p:nvSpPr>
+          <p:cNvPr id="5" name="Date Placeholder 4"/>
+          <p:cNvSpPr>
+            <a:spLocks noGrp="1"/>
+          </p:cNvSpPr>
+          <p:nvPr>
+            <p:ph type="dt" sz="half" idx="10"/>
+          </p:nvPr>
+        </p:nvSpPr>
+        <p:spPr>
+          <a:xfrm>
+            <a:off x="465512" y="6459785"/>
+            <a:ext cx="2618510" cy="365125"/>
+          </a:xfrm>
+        </p:spPr>
+        <p:txBody>
+          <a:bodyPr/>
+          <a:lstStyle>
+            <a:lvl1pPr algn="l">
+              <a:defRPr/>
+            </a:lvl1pPr>
+          </a:lstStyle>
+          <a:p>
+            <a:fld id="{FA9DE7E7-D5D8-4B4A-B259-88D9E4E9B04F}" type="datetimeFigureOut">
+              <a:rPr kumimoji="1" lang="ja-JP" altLang="en-US" smtClean="0"/>
+              <a:t>2018/10/3</a:t>
+            </a:fld>
+            <a:endParaRPr kumimoji="1" lang="ja-JP" altLang="en-US"/>
+          </a:p>
+        </p:txBody>
+      </p:sp>
+      <p:sp>
+        <p:nvSpPr>
+          <p:cNvPr id="6" name="Footer Placeholder 5"/>
+          <p:cNvSpPr>
+            <a:spLocks noGrp="1"/>
+          </p:cNvSpPr>
+          <p:nvPr>
+            <p:ph type="ftr" sz="quarter" idx="11"/>
+          </p:nvPr>
+        </p:nvSpPr>
+        <p:spPr>
+          <a:xfrm>
+            <a:off x="4800600" y="6459785"/>
+            <a:ext cx="4648200" cy="365125"/>
+          </a:xfrm>
+        </p:spPr>
+        <p:txBody>
+          <a:bodyPr/>
+          <a:lstStyle>
+            <a:lvl1pPr algn="l">
+              <a:defRPr>
+                <a:solidFill>
+                  <a:schemeClr val="tx2"/>
+                </a:solidFill>
+              </a:defRPr>
+            </a:lvl1pPr>
+          </a:lstStyle>
+          <a:p>
+            <a:endParaRPr kumimoji="1" lang="ja-JP" altLang="en-US"/>
+          </a:p>
+        </p:txBody>
+      </p:sp>
+      <p:sp>
+        <p:nvSpPr>
+          <p:cNvPr id="7" name="Slide Number Placeholder 6"/>
+          <p:cNvSpPr>
+            <a:spLocks noGrp="1"/>
+          </p:cNvSpPr>
+          <p:nvPr>
+            <p:ph type="sldNum" sz="quarter" idx="12"/>
+          </p:nvPr>
+        </p:nvSpPr>
+        <p:spPr/>
+        <p:txBody>
+          <a:bodyPr/>
+          <a:lstStyle>
+            <a:lvl1pPr>
+              <a:defRPr>
+                <a:solidFill>
+                  <a:schemeClr val="tx2"/>
+                </a:solidFill>
+              </a:defRPr>
+            </a:lvl1pPr>
+          </a:lstStyle>
+          <a:p>
+            <a:fld id="{C2A3745A-748D-49D6-B029-236E098C59CC}" type="slidenum">
+              <a:rPr kumimoji="1" lang="ja-JP" altLang="en-US" smtClean="0"/>
+              <a:t>‹#›</a:t>
+            </a:fld>
+            <a:endParaRPr kumimoji="1" lang="ja-JP" altLang="en-US"/>
+          </a:p>
+        </p:txBody>
+      </p:sp>
+    </p:spTree>
+    <p:extLst>
+      <p:ext uri="{BB962C8B-B14F-4D97-AF65-F5344CB8AC3E}">
+        <p14:creationId xmlns:p14="http://schemas.microsoft.com/office/powerpoint/2010/main" val="2767370230"/>
+      </p:ext>
+    </p:extLst>
+  </p:cSld>
+  <p:clrMapOvr>
+    <a:masterClrMapping/>
+  </p:clrMapOvr>
+</p:sldLayout>
+</file>
+
+<file path=ppt/slideLayouts/slideLayout21.xml><?xml version="1.0" encoding="utf-8"?>
+<p:sldLayout xmlns:a="http://schemas.openxmlformats.org/drawingml/2006/main" xmlns:r="http://schemas.openxmlformats.org/officeDocument/2006/relationships" xmlns:p="http://schemas.openxmlformats.org/presentationml/2006/main" showMasterSp="0" type="picTx" preserve="1">
+  <p:cSld name="タイトル付きの図">
+    <p:spTree>
+      <p:nvGrpSpPr>
+        <p:cNvPr id="1" name=""/>
+        <p:cNvGrpSpPr/>
+        <p:nvPr/>
+      </p:nvGrpSpPr>
+      <p:grpSpPr>
+        <a:xfrm>
+          <a:off x="0" y="0"/>
+          <a:ext cx="0" cy="0"/>
+          <a:chOff x="0" y="0"/>
+          <a:chExt cx="0" cy="0"/>
+        </a:xfrm>
+      </p:grpSpPr>
+      <p:sp>
+        <p:nvSpPr>
+          <p:cNvPr id="8" name="Rectangle 7"/>
+          <p:cNvSpPr/>
+          <p:nvPr/>
+        </p:nvSpPr>
+        <p:spPr>
+          <a:xfrm>
+            <a:off x="0" y="4953000"/>
+            <a:ext cx="12188825" cy="1905000"/>
+          </a:xfrm>
+          <a:prstGeom prst="rect">
+            <a:avLst/>
+          </a:prstGeom>
+          <a:solidFill>
+            <a:schemeClr val="accent2"/>
+          </a:solidFill>
+          <a:ln>
+            <a:noFill/>
+          </a:ln>
+        </p:spPr>
+        <p:style>
+          <a:lnRef idx="2">
+            <a:schemeClr val="accent1">
+              <a:shade val="50000"/>
+            </a:schemeClr>
+          </a:lnRef>
+          <a:fillRef idx="1">
+            <a:schemeClr val="accent1"/>
+          </a:fillRef>
+          <a:effectRef idx="0">
+            <a:schemeClr val="accent1"/>
+          </a:effectRef>
+          <a:fontRef idx="minor">
+            <a:schemeClr val="lt1"/>
+          </a:fontRef>
+        </p:style>
+      </p:sp>
+      <p:sp>
+        <p:nvSpPr>
+          <p:cNvPr id="9" name="Rectangle 8"/>
+          <p:cNvSpPr/>
+          <p:nvPr/>
+        </p:nvSpPr>
+        <p:spPr>
+          <a:xfrm>
+            <a:off x="15" y="4915076"/>
+            <a:ext cx="12188825" cy="64008"/>
+          </a:xfrm>
+          <a:prstGeom prst="rect">
+            <a:avLst/>
+          </a:prstGeom>
+          <a:solidFill>
+            <a:schemeClr val="accent1"/>
+          </a:solidFill>
+          <a:ln>
+            <a:noFill/>
+          </a:ln>
+        </p:spPr>
+        <p:style>
+          <a:lnRef idx="2">
+            <a:schemeClr val="accent1">
+              <a:shade val="50000"/>
+            </a:schemeClr>
+          </a:lnRef>
+          <a:fillRef idx="1">
+            <a:schemeClr val="accent1"/>
+          </a:fillRef>
+          <a:effectRef idx="0">
+            <a:schemeClr val="accent1"/>
+          </a:effectRef>
+          <a:fontRef idx="minor">
+            <a:schemeClr val="lt1"/>
+          </a:fontRef>
+        </p:style>
+      </p:sp>
+      <p:sp>
+        <p:nvSpPr>
+          <p:cNvPr id="2" name="Title 1"/>
+          <p:cNvSpPr>
+            <a:spLocks noGrp="1"/>
+          </p:cNvSpPr>
+          <p:nvPr>
+            <p:ph type="title"/>
+          </p:nvPr>
+        </p:nvSpPr>
+        <p:spPr>
+          <a:xfrm>
+            <a:off x="1097280" y="5074920"/>
+            <a:ext cx="10113645" cy="822960"/>
+          </a:xfrm>
+        </p:spPr>
+        <p:txBody>
+          <a:bodyPr lIns="91440" tIns="0" rIns="91440" bIns="0" anchor="b">
+            <a:noAutofit/>
+          </a:bodyPr>
+          <a:lstStyle>
+            <a:lvl1pPr>
+              <a:defRPr sz="3600" b="0">
+                <a:solidFill>
+                  <a:srgbClr val="FFFFFF"/>
+                </a:solidFill>
+              </a:defRPr>
+            </a:lvl1pPr>
+          </a:lstStyle>
+          <a:p>
+            <a:r>
+              <a:rPr lang="ja-JP" altLang="en-US" smtClean="0"/>
+              <a:t>マスター タイトルの書式設定</a:t>
+            </a:r>
+            <a:endParaRPr lang="en-US" dirty="0"/>
+          </a:p>
+        </p:txBody>
+      </p:sp>
+      <p:sp>
+        <p:nvSpPr>
+          <p:cNvPr id="3" name="Picture Placeholder 2"/>
+          <p:cNvSpPr>
+            <a:spLocks noGrp="1" noChangeAspect="1"/>
+          </p:cNvSpPr>
+          <p:nvPr>
+            <p:ph type="pic" idx="1"/>
+          </p:nvPr>
+        </p:nvSpPr>
+        <p:spPr>
+          <a:xfrm>
+            <a:off x="15" y="0"/>
+            <a:ext cx="12191985" cy="4915076"/>
+          </a:xfrm>
+          <a:solidFill>
+            <a:schemeClr val="bg2">
+              <a:lumMod val="90000"/>
+            </a:schemeClr>
+          </a:solidFill>
+        </p:spPr>
+        <p:txBody>
+          <a:bodyPr lIns="457200" tIns="457200" anchor="t"/>
+          <a:lstStyle>
+            <a:lvl1pPr marL="0" indent="0">
+              <a:buNone/>
+              <a:defRPr sz="3200"/>
+            </a:lvl1pPr>
+            <a:lvl2pPr marL="457200" indent="0">
+              <a:buNone/>
+              <a:defRPr sz="2800"/>
+            </a:lvl2pPr>
+            <a:lvl3pPr marL="914400" indent="0">
+              <a:buNone/>
+              <a:defRPr sz="2400"/>
+            </a:lvl3pPr>
+            <a:lvl4pPr marL="1371600" indent="0">
+              <a:buNone/>
+              <a:defRPr sz="2000"/>
+            </a:lvl4pPr>
+            <a:lvl5pPr marL="1828800" indent="0">
+              <a:buNone/>
+              <a:defRPr sz="2000"/>
+            </a:lvl5pPr>
+            <a:lvl6pPr marL="2286000" indent="0">
+              <a:buNone/>
+              <a:defRPr sz="2000"/>
+            </a:lvl6pPr>
+            <a:lvl7pPr marL="2743200" indent="0">
+              <a:buNone/>
+              <a:defRPr sz="2000"/>
+            </a:lvl7pPr>
+            <a:lvl8pPr marL="3200400" indent="0">
+              <a:buNone/>
+              <a:defRPr sz="2000"/>
+            </a:lvl8pPr>
+            <a:lvl9pPr marL="3657600" indent="0">
+              <a:buNone/>
+              <a:defRPr sz="2000"/>
+            </a:lvl9pPr>
+          </a:lstStyle>
+          <a:p>
+            <a:r>
+              <a:rPr lang="ja-JP" altLang="en-US" smtClean="0"/>
+              <a:t>図を追加</a:t>
+            </a:r>
+            <a:endParaRPr lang="en-US" dirty="0"/>
+          </a:p>
+        </p:txBody>
+      </p:sp>
+      <p:sp>
+        <p:nvSpPr>
+          <p:cNvPr id="4" name="Text Placeholder 3"/>
+          <p:cNvSpPr>
+            <a:spLocks noGrp="1"/>
+          </p:cNvSpPr>
+          <p:nvPr>
+            <p:ph type="body" sz="half" idx="2"/>
+          </p:nvPr>
+        </p:nvSpPr>
+        <p:spPr>
+          <a:xfrm>
+            <a:off x="1097280" y="5907024"/>
+            <a:ext cx="10113264" cy="594360"/>
+          </a:xfrm>
+        </p:spPr>
+        <p:txBody>
+          <a:bodyPr lIns="91440" tIns="0" rIns="91440" bIns="0">
+            <a:normAutofit/>
+          </a:bodyPr>
+          <a:lstStyle>
+            <a:lvl1pPr marL="0" indent="0">
+              <a:spcBef>
+                <a:spcPts val="0"/>
+              </a:spcBef>
+              <a:spcAft>
+                <a:spcPts val="600"/>
+              </a:spcAft>
+              <a:buNone/>
+              <a:defRPr sz="1500">
+                <a:solidFill>
+                  <a:srgbClr val="FFFFFF"/>
+                </a:solidFill>
+              </a:defRPr>
+            </a:lvl1pPr>
+            <a:lvl2pPr marL="457200" indent="0">
+              <a:buNone/>
+              <a:defRPr sz="1200"/>
+            </a:lvl2pPr>
+            <a:lvl3pPr marL="914400" indent="0">
+              <a:buNone/>
+              <a:defRPr sz="1000"/>
+            </a:lvl3pPr>
+            <a:lvl4pPr marL="1371600" indent="0">
+              <a:buNone/>
+              <a:defRPr sz="900"/>
+            </a:lvl4pPr>
+            <a:lvl5pPr marL="1828800" indent="0">
+              <a:buNone/>
+              <a:defRPr sz="900"/>
+            </a:lvl5pPr>
+            <a:lvl6pPr marL="2286000" indent="0">
+              <a:buNone/>
+              <a:defRPr sz="900"/>
+            </a:lvl6pPr>
+            <a:lvl7pPr marL="2743200" indent="0">
+              <a:buNone/>
+              <a:defRPr sz="900"/>
+            </a:lvl7pPr>
+            <a:lvl8pPr marL="3200400" indent="0">
+              <a:buNone/>
+              <a:defRPr sz="900"/>
+            </a:lvl8pPr>
+            <a:lvl9pPr marL="3657600" indent="0">
+              <a:buNone/>
+              <a:defRPr sz="900"/>
+            </a:lvl9pPr>
+          </a:lstStyle>
+          <a:p>
+            <a:pPr lvl="0"/>
+            <a:r>
+              <a:rPr lang="ja-JP" altLang="en-US" smtClean="0"/>
+              <a:t>マスター テキストの書式設定</a:t>
+            </a:r>
+          </a:p>
+        </p:txBody>
+      </p:sp>
+      <p:sp>
+        <p:nvSpPr>
+          <p:cNvPr id="5" name="Date Placeholder 4"/>
+          <p:cNvSpPr>
+            <a:spLocks noGrp="1"/>
+          </p:cNvSpPr>
+          <p:nvPr>
+            <p:ph type="dt" sz="half" idx="10"/>
+          </p:nvPr>
+        </p:nvSpPr>
+        <p:spPr/>
+        <p:txBody>
+          <a:bodyPr/>
+          <a:lstStyle/>
+          <a:p>
+            <a:fld id="{FA9DE7E7-D5D8-4B4A-B259-88D9E4E9B04F}" type="datetimeFigureOut">
+              <a:rPr kumimoji="1" lang="ja-JP" altLang="en-US" smtClean="0"/>
+              <a:t>2018/10/3</a:t>
+            </a:fld>
+            <a:endParaRPr kumimoji="1" lang="ja-JP" altLang="en-US"/>
+          </a:p>
+        </p:txBody>
+      </p:sp>
+      <p:sp>
+        <p:nvSpPr>
+          <p:cNvPr id="6" name="Footer Placeholder 5"/>
+          <p:cNvSpPr>
+            <a:spLocks noGrp="1"/>
+          </p:cNvSpPr>
+          <p:nvPr>
+            <p:ph type="ftr" sz="quarter" idx="11"/>
+          </p:nvPr>
+        </p:nvSpPr>
+        <p:spPr/>
+        <p:txBody>
+          <a:bodyPr/>
+          <a:lstStyle/>
+          <a:p>
+            <a:endParaRPr kumimoji="1" lang="ja-JP" altLang="en-US"/>
+          </a:p>
+        </p:txBody>
+      </p:sp>
+      <p:sp>
+        <p:nvSpPr>
+          <p:cNvPr id="7" name="Slide Number Placeholder 6"/>
+          <p:cNvSpPr>
+            <a:spLocks noGrp="1"/>
+          </p:cNvSpPr>
+          <p:nvPr>
+            <p:ph type="sldNum" sz="quarter" idx="12"/>
+          </p:nvPr>
+        </p:nvSpPr>
+        <p:spPr/>
+        <p:txBody>
+          <a:bodyPr/>
+          <a:lstStyle/>
+          <a:p>
+            <a:fld id="{C2A3745A-748D-49D6-B029-236E098C59CC}" type="slidenum">
+              <a:rPr kumimoji="1" lang="ja-JP" altLang="en-US" smtClean="0"/>
+              <a:t>‹#›</a:t>
+            </a:fld>
+            <a:endParaRPr kumimoji="1" lang="ja-JP" altLang="en-US"/>
+          </a:p>
+        </p:txBody>
+      </p:sp>
+    </p:spTree>
+    <p:extLst>
+      <p:ext uri="{BB962C8B-B14F-4D97-AF65-F5344CB8AC3E}">
+        <p14:creationId xmlns:p14="http://schemas.microsoft.com/office/powerpoint/2010/main" val="1683931508"/>
+      </p:ext>
+    </p:extLst>
+  </p:cSld>
+  <p:clrMapOvr>
+    <a:masterClrMapping/>
+  </p:clrMapOvr>
+</p:sldLayout>
+</file>
+
+<file path=ppt/slideLayouts/slideLayout22.xml><?xml version="1.0" encoding="utf-8"?>
+<p:sldLayout xmlns:a="http://schemas.openxmlformats.org/drawingml/2006/main" xmlns:r="http://schemas.openxmlformats.org/officeDocument/2006/relationships" xmlns:p="http://schemas.openxmlformats.org/presentationml/2006/main" type="vertTx" preserve="1">
+  <p:cSld name="タイトルと&#10;縦書きテキスト">
+    <p:spTree>
+      <p:nvGrpSpPr>
+        <p:cNvPr id="1" name=""/>
+        <p:cNvGrpSpPr/>
+        <p:nvPr/>
+      </p:nvGrpSpPr>
+      <p:grpSpPr>
+        <a:xfrm>
+          <a:off x="0" y="0"/>
+          <a:ext cx="0" cy="0"/>
+          <a:chOff x="0" y="0"/>
+          <a:chExt cx="0" cy="0"/>
+        </a:xfrm>
+      </p:grpSpPr>
+      <p:sp>
+        <p:nvSpPr>
+          <p:cNvPr id="2" name="Title 1"/>
+          <p:cNvSpPr>
+            <a:spLocks noGrp="1"/>
+          </p:cNvSpPr>
+          <p:nvPr>
+            <p:ph type="title"/>
+          </p:nvPr>
+        </p:nvSpPr>
+        <p:spPr/>
+        <p:txBody>
+          <a:bodyPr/>
+          <a:lstStyle/>
+          <a:p>
+            <a:r>
+              <a:rPr lang="ja-JP" altLang="en-US" smtClean="0"/>
+              <a:t>マスター タイトルの書式設定</a:t>
+            </a:r>
+            <a:endParaRPr lang="en-US" dirty="0"/>
+          </a:p>
+        </p:txBody>
+      </p:sp>
+      <p:sp>
+        <p:nvSpPr>
+          <p:cNvPr id="3" name="Vertical Text Placeholder 2"/>
+          <p:cNvSpPr>
+            <a:spLocks noGrp="1"/>
+          </p:cNvSpPr>
+          <p:nvPr>
+            <p:ph type="body" orient="vert" idx="1"/>
+          </p:nvPr>
+        </p:nvSpPr>
+        <p:spPr/>
+        <p:txBody>
+          <a:bodyPr vert="eaVert" lIns="45720" tIns="0" rIns="45720" bIns="0"/>
+          <a:lstStyle/>
+          <a:p>
+            <a:pPr lvl="0"/>
+            <a:r>
+              <a:rPr lang="ja-JP" altLang="en-US" smtClean="0"/>
+              <a:t>マスター テキストの書式設定</a:t>
+            </a:r>
+          </a:p>
+          <a:p>
+            <a:pPr lvl="1"/>
+            <a:r>
+              <a:rPr lang="ja-JP" altLang="en-US" smtClean="0"/>
+              <a:t>第 </a:t>
+            </a:r>
+            <a:r>
+              <a:rPr lang="en-US" altLang="ja-JP" smtClean="0"/>
+              <a:t>2 </a:t>
+            </a:r>
+            <a:r>
+              <a:rPr lang="ja-JP" altLang="en-US" smtClean="0"/>
+              <a:t>レベル</a:t>
+            </a:r>
+          </a:p>
+          <a:p>
+            <a:pPr lvl="2"/>
+            <a:r>
+              <a:rPr lang="ja-JP" altLang="en-US" smtClean="0"/>
+              <a:t>第 </a:t>
+            </a:r>
+            <a:r>
+              <a:rPr lang="en-US" altLang="ja-JP" smtClean="0"/>
+              <a:t>3 </a:t>
+            </a:r>
+            <a:r>
+              <a:rPr lang="ja-JP" altLang="en-US" smtClean="0"/>
+              <a:t>レベル</a:t>
+            </a:r>
+          </a:p>
+          <a:p>
+            <a:pPr lvl="3"/>
+            <a:r>
+              <a:rPr lang="ja-JP" altLang="en-US" smtClean="0"/>
+              <a:t>第 </a:t>
+            </a:r>
+            <a:r>
+              <a:rPr lang="en-US" altLang="ja-JP" smtClean="0"/>
+              <a:t>4 </a:t>
+            </a:r>
+            <a:r>
+              <a:rPr lang="ja-JP" altLang="en-US" smtClean="0"/>
+              <a:t>レベル</a:t>
+            </a:r>
+          </a:p>
+          <a:p>
+            <a:pPr lvl="4"/>
+            <a:r>
+              <a:rPr lang="ja-JP" altLang="en-US" smtClean="0"/>
+              <a:t>第 </a:t>
+            </a:r>
+            <a:r>
+              <a:rPr lang="en-US" altLang="ja-JP" smtClean="0"/>
+              <a:t>5 </a:t>
+            </a:r>
+            <a:r>
+              <a:rPr lang="ja-JP" altLang="en-US" smtClean="0"/>
+              <a:t>レベル</a:t>
+            </a:r>
+            <a:endParaRPr lang="en-US" dirty="0"/>
+          </a:p>
+        </p:txBody>
+      </p:sp>
+      <p:sp>
+        <p:nvSpPr>
+          <p:cNvPr id="4" name="Date Placeholder 3"/>
+          <p:cNvSpPr>
+            <a:spLocks noGrp="1"/>
+          </p:cNvSpPr>
+          <p:nvPr>
+            <p:ph type="dt" sz="half" idx="10"/>
+          </p:nvPr>
+        </p:nvSpPr>
+        <p:spPr/>
+        <p:txBody>
+          <a:bodyPr/>
+          <a:lstStyle/>
+          <a:p>
+            <a:fld id="{FA9DE7E7-D5D8-4B4A-B259-88D9E4E9B04F}" type="datetimeFigureOut">
+              <a:rPr kumimoji="1" lang="ja-JP" altLang="en-US" smtClean="0"/>
+              <a:t>2018/10/3</a:t>
+            </a:fld>
+            <a:endParaRPr kumimoji="1" lang="ja-JP" altLang="en-US"/>
+          </a:p>
+        </p:txBody>
+      </p:sp>
+      <p:sp>
+        <p:nvSpPr>
+          <p:cNvPr id="5" name="Footer Placeholder 4"/>
+          <p:cNvSpPr>
+            <a:spLocks noGrp="1"/>
+          </p:cNvSpPr>
+          <p:nvPr>
+            <p:ph type="ftr" sz="quarter" idx="11"/>
+          </p:nvPr>
+        </p:nvSpPr>
+        <p:spPr/>
+        <p:txBody>
+          <a:bodyPr/>
+          <a:lstStyle/>
+          <a:p>
+            <a:endParaRPr kumimoji="1" lang="ja-JP" altLang="en-US"/>
+          </a:p>
+        </p:txBody>
+      </p:sp>
+      <p:sp>
+        <p:nvSpPr>
+          <p:cNvPr id="6" name="Slide Number Placeholder 5"/>
+          <p:cNvSpPr>
+            <a:spLocks noGrp="1"/>
+          </p:cNvSpPr>
+          <p:nvPr>
+            <p:ph type="sldNum" sz="quarter" idx="12"/>
+          </p:nvPr>
+        </p:nvSpPr>
+        <p:spPr/>
+        <p:txBody>
+          <a:bodyPr/>
+          <a:lstStyle/>
+          <a:p>
+            <a:fld id="{C2A3745A-748D-49D6-B029-236E098C59CC}" type="slidenum">
+              <a:rPr kumimoji="1" lang="ja-JP" altLang="en-US" smtClean="0"/>
+              <a:t>‹#›</a:t>
+            </a:fld>
+            <a:endParaRPr kumimoji="1" lang="ja-JP" altLang="en-US"/>
+          </a:p>
+        </p:txBody>
+      </p:sp>
+    </p:spTree>
+    <p:extLst>
+      <p:ext uri="{BB962C8B-B14F-4D97-AF65-F5344CB8AC3E}">
+        <p14:creationId xmlns:p14="http://schemas.microsoft.com/office/powerpoint/2010/main" val="75384682"/>
+      </p:ext>
+    </p:extLst>
+  </p:cSld>
+  <p:clrMapOvr>
+    <a:masterClrMapping/>
+  </p:clrMapOvr>
+</p:sldLayout>
+</file>
+
+<file path=ppt/slideLayouts/slideLayout23.xml><?xml version="1.0" encoding="utf-8"?>
+<p:sldLayout xmlns:a="http://schemas.openxmlformats.org/drawingml/2006/main" xmlns:r="http://schemas.openxmlformats.org/officeDocument/2006/relationships" xmlns:p="http://schemas.openxmlformats.org/presentationml/2006/main" showMasterSp="0" type="vertTitleAndTx" preserve="1">
+  <p:cSld name="縦書きタイトルと&#10;縦書きテキスト">
+    <p:spTree>
+      <p:nvGrpSpPr>
+        <p:cNvPr id="1" name=""/>
+        <p:cNvGrpSpPr/>
+        <p:nvPr/>
+      </p:nvGrpSpPr>
+      <p:grpSpPr>
+        <a:xfrm>
+          <a:off x="0" y="0"/>
+          <a:ext cx="0" cy="0"/>
+          <a:chOff x="0" y="0"/>
+          <a:chExt cx="0" cy="0"/>
+        </a:xfrm>
+      </p:grpSpPr>
+      <p:sp>
+        <p:nvSpPr>
+          <p:cNvPr id="7" name="Rectangle 6"/>
+          <p:cNvSpPr/>
+          <p:nvPr/>
+        </p:nvSpPr>
+        <p:spPr>
+          <a:xfrm>
+            <a:off x="3175" y="6400800"/>
+            <a:ext cx="12188825" cy="457200"/>
+          </a:xfrm>
+          <a:prstGeom prst="rect">
+            <a:avLst/>
+          </a:prstGeom>
+          <a:solidFill>
+            <a:schemeClr val="accent2"/>
+          </a:solidFill>
+          <a:ln>
+            <a:noFill/>
+          </a:ln>
+        </p:spPr>
+        <p:style>
+          <a:lnRef idx="2">
+            <a:schemeClr val="accent1">
+              <a:shade val="50000"/>
+            </a:schemeClr>
+          </a:lnRef>
+          <a:fillRef idx="1">
+            <a:schemeClr val="accent1"/>
+          </a:fillRef>
+          <a:effectRef idx="0">
+            <a:schemeClr val="accent1"/>
+          </a:effectRef>
+          <a:fontRef idx="minor">
+            <a:schemeClr val="lt1"/>
+          </a:fontRef>
+        </p:style>
+      </p:sp>
+      <p:sp>
+        <p:nvSpPr>
+          <p:cNvPr id="8" name="Rectangle 7"/>
+          <p:cNvSpPr/>
+          <p:nvPr/>
+        </p:nvSpPr>
+        <p:spPr>
+          <a:xfrm>
+            <a:off x="15" y="6334316"/>
+            <a:ext cx="12188825" cy="64008"/>
+          </a:xfrm>
+          <a:prstGeom prst="rect">
+            <a:avLst/>
+          </a:prstGeom>
+          <a:solidFill>
+            <a:schemeClr val="accent1"/>
+          </a:solidFill>
+          <a:ln>
+            <a:noFill/>
+          </a:ln>
+        </p:spPr>
+        <p:style>
+          <a:lnRef idx="2">
+            <a:schemeClr val="accent1">
+              <a:shade val="50000"/>
+            </a:schemeClr>
+          </a:lnRef>
+          <a:fillRef idx="1">
+            <a:schemeClr val="accent1"/>
+          </a:fillRef>
+          <a:effectRef idx="0">
+            <a:schemeClr val="accent1"/>
+          </a:effectRef>
+          <a:fontRef idx="minor">
+            <a:schemeClr val="lt1"/>
+          </a:fontRef>
+        </p:style>
+      </p:sp>
+      <p:sp>
+        <p:nvSpPr>
+          <p:cNvPr id="2" name="Vertical Title 1"/>
+          <p:cNvSpPr>
+            <a:spLocks noGrp="1"/>
+          </p:cNvSpPr>
+          <p:nvPr>
+            <p:ph type="title" orient="vert"/>
+          </p:nvPr>
+        </p:nvSpPr>
+        <p:spPr>
+          <a:xfrm>
+            <a:off x="8724900" y="412302"/>
+            <a:ext cx="2628900" cy="5759898"/>
+          </a:xfrm>
+        </p:spPr>
+        <p:txBody>
+          <a:bodyPr vert="eaVert"/>
+          <a:lstStyle/>
+          <a:p>
+            <a:r>
+              <a:rPr lang="ja-JP" altLang="en-US" smtClean="0"/>
+              <a:t>マスター タイトルの書式設定</a:t>
+            </a:r>
+            <a:endParaRPr lang="en-US" dirty="0"/>
+          </a:p>
+        </p:txBody>
+      </p:sp>
+      <p:sp>
+        <p:nvSpPr>
+          <p:cNvPr id="3" name="Vertical Text Placeholder 2"/>
+          <p:cNvSpPr>
+            <a:spLocks noGrp="1"/>
+          </p:cNvSpPr>
+          <p:nvPr>
+            <p:ph type="body" orient="vert" idx="1"/>
+          </p:nvPr>
+        </p:nvSpPr>
+        <p:spPr>
+          <a:xfrm>
+            <a:off x="838200" y="412302"/>
+            <a:ext cx="7734300" cy="5759898"/>
+          </a:xfrm>
+        </p:spPr>
+        <p:txBody>
+          <a:bodyPr vert="eaVert" lIns="45720" tIns="0" rIns="45720" bIns="0"/>
+          <a:lstStyle/>
+          <a:p>
+            <a:pPr lvl="0"/>
+            <a:r>
+              <a:rPr lang="ja-JP" altLang="en-US" smtClean="0"/>
+              <a:t>マスター テキストの書式設定</a:t>
+            </a:r>
+          </a:p>
+          <a:p>
+            <a:pPr lvl="1"/>
+            <a:r>
+              <a:rPr lang="ja-JP" altLang="en-US" smtClean="0"/>
+              <a:t>第 </a:t>
+            </a:r>
+            <a:r>
+              <a:rPr lang="en-US" altLang="ja-JP" smtClean="0"/>
+              <a:t>2 </a:t>
+            </a:r>
+            <a:r>
+              <a:rPr lang="ja-JP" altLang="en-US" smtClean="0"/>
+              <a:t>レベル</a:t>
+            </a:r>
+          </a:p>
+          <a:p>
+            <a:pPr lvl="2"/>
+            <a:r>
+              <a:rPr lang="ja-JP" altLang="en-US" smtClean="0"/>
+              <a:t>第 </a:t>
+            </a:r>
+            <a:r>
+              <a:rPr lang="en-US" altLang="ja-JP" smtClean="0"/>
+              <a:t>3 </a:t>
+            </a:r>
+            <a:r>
+              <a:rPr lang="ja-JP" altLang="en-US" smtClean="0"/>
+              <a:t>レベル</a:t>
+            </a:r>
+          </a:p>
+          <a:p>
+            <a:pPr lvl="3"/>
+            <a:r>
+              <a:rPr lang="ja-JP" altLang="en-US" smtClean="0"/>
+              <a:t>第 </a:t>
+            </a:r>
+            <a:r>
+              <a:rPr lang="en-US" altLang="ja-JP" smtClean="0"/>
+              <a:t>4 </a:t>
+            </a:r>
+            <a:r>
+              <a:rPr lang="ja-JP" altLang="en-US" smtClean="0"/>
+              <a:t>レベル</a:t>
+            </a:r>
+          </a:p>
+          <a:p>
+            <a:pPr lvl="4"/>
+            <a:r>
+              <a:rPr lang="ja-JP" altLang="en-US" smtClean="0"/>
+              <a:t>第 </a:t>
+            </a:r>
+            <a:r>
+              <a:rPr lang="en-US" altLang="ja-JP" smtClean="0"/>
+              <a:t>5 </a:t>
+            </a:r>
+            <a:r>
+              <a:rPr lang="ja-JP" altLang="en-US" smtClean="0"/>
+              <a:t>レベル</a:t>
+            </a:r>
+            <a:endParaRPr lang="en-US" dirty="0"/>
+          </a:p>
+        </p:txBody>
+      </p:sp>
+      <p:sp>
+        <p:nvSpPr>
+          <p:cNvPr id="4" name="Date Placeholder 3"/>
+          <p:cNvSpPr>
+            <a:spLocks noGrp="1"/>
+          </p:cNvSpPr>
+          <p:nvPr>
+            <p:ph type="dt" sz="half" idx="10"/>
+          </p:nvPr>
+        </p:nvSpPr>
+        <p:spPr/>
+        <p:txBody>
+          <a:bodyPr/>
+          <a:lstStyle/>
+          <a:p>
+            <a:fld id="{FA9DE7E7-D5D8-4B4A-B259-88D9E4E9B04F}" type="datetimeFigureOut">
+              <a:rPr kumimoji="1" lang="ja-JP" altLang="en-US" smtClean="0"/>
+              <a:t>2018/10/3</a:t>
+            </a:fld>
+            <a:endParaRPr kumimoji="1" lang="ja-JP" altLang="en-US"/>
+          </a:p>
+        </p:txBody>
+      </p:sp>
+      <p:sp>
+        <p:nvSpPr>
+          <p:cNvPr id="5" name="Footer Placeholder 4"/>
+          <p:cNvSpPr>
+            <a:spLocks noGrp="1"/>
+          </p:cNvSpPr>
+          <p:nvPr>
+            <p:ph type="ftr" sz="quarter" idx="11"/>
+          </p:nvPr>
+        </p:nvSpPr>
+        <p:spPr/>
+        <p:txBody>
+          <a:bodyPr/>
+          <a:lstStyle/>
+          <a:p>
+            <a:endParaRPr kumimoji="1" lang="ja-JP" altLang="en-US"/>
+          </a:p>
+        </p:txBody>
+      </p:sp>
+      <p:sp>
+        <p:nvSpPr>
+          <p:cNvPr id="6" name="Slide Number Placeholder 5"/>
+          <p:cNvSpPr>
+            <a:spLocks noGrp="1"/>
+          </p:cNvSpPr>
+          <p:nvPr>
+            <p:ph type="sldNum" sz="quarter" idx="12"/>
+          </p:nvPr>
+        </p:nvSpPr>
+        <p:spPr/>
+        <p:txBody>
+          <a:bodyPr/>
+          <a:lstStyle/>
+          <a:p>
+            <a:fld id="{C2A3745A-748D-49D6-B029-236E098C59CC}" type="slidenum">
+              <a:rPr kumimoji="1" lang="ja-JP" altLang="en-US" smtClean="0"/>
+              <a:t>‹#›</a:t>
+            </a:fld>
+            <a:endParaRPr kumimoji="1" lang="ja-JP" altLang="en-US"/>
+          </a:p>
+        </p:txBody>
+      </p:sp>
+    </p:spTree>
+    <p:extLst>
+      <p:ext uri="{BB962C8B-B14F-4D97-AF65-F5344CB8AC3E}">
+        <p14:creationId xmlns:p14="http://schemas.microsoft.com/office/powerpoint/2010/main" val="2312372692"/>
       </p:ext>
     </p:extLst>
   </p:cSld>
@@ -943,7 +4480,7 @@
       </p:grpSpPr>
       <p:sp>
         <p:nvSpPr>
-          <p:cNvPr id="2" name="タイトル 1"/>
+          <p:cNvPr id="2" name="Title 1"/>
           <p:cNvSpPr>
             <a:spLocks noGrp="1"/>
           </p:cNvSpPr>
@@ -953,29 +4490,31 @@
         </p:nvSpPr>
         <p:spPr>
           <a:xfrm>
-            <a:off x="831850" y="1709738"/>
-            <a:ext cx="10515600" cy="2852737"/>
+            <a:off x="831850" y="1712423"/>
+            <a:ext cx="10515600" cy="2851208"/>
           </a:xfrm>
         </p:spPr>
         <p:txBody>
-          <a:bodyPr anchor="b"/>
+          <a:bodyPr anchor="b">
+            <a:normAutofit/>
+          </a:bodyPr>
           <a:lstStyle>
             <a:lvl1pPr>
-              <a:defRPr sz="6000"/>
+              <a:defRPr sz="6000" b="0"/>
             </a:lvl1pPr>
           </a:lstStyle>
           <a:p>
             <a:r>
-              <a:rPr kumimoji="1" lang="ja-JP" altLang="en-US" smtClean="0"/>
+              <a:rPr lang="ja-JP" altLang="en-US" smtClean="0"/>
               <a:t>マスター タイトルの書式設定</a:t>
             </a:r>
-            <a:endParaRPr kumimoji="1" lang="ja-JP" altLang="en-US"/>
-          </a:p>
-        </p:txBody>
-      </p:sp>
-      <p:sp>
-        <p:nvSpPr>
-          <p:cNvPr id="3" name="テキスト プレースホルダー 2"/>
+            <a:endParaRPr lang="en-US" dirty="0"/>
+          </a:p>
+        </p:txBody>
+      </p:sp>
+      <p:sp>
+        <p:nvSpPr>
+          <p:cNvPr id="3" name="Text Placeholder 2"/>
           <p:cNvSpPr>
             <a:spLocks noGrp="1"/>
           </p:cNvSpPr>
@@ -985,26 +4524,29 @@
         </p:nvSpPr>
         <p:spPr>
           <a:xfrm>
-            <a:off x="831850" y="4589463"/>
+            <a:off x="831850" y="4552633"/>
             <a:ext cx="10515600" cy="1500187"/>
           </a:xfrm>
         </p:spPr>
         <p:txBody>
-          <a:bodyPr/>
+          <a:bodyPr anchor="t">
+            <a:normAutofit/>
+          </a:bodyPr>
           <a:lstStyle>
             <a:lvl1pPr marL="0" indent="0">
               <a:buNone/>
               <a:defRPr sz="2400">
                 <a:solidFill>
                   <a:schemeClr val="tx1">
-                    <a:tint val="75000"/>
+                    <a:lumMod val="75000"/>
+                    <a:lumOff val="25000"/>
                   </a:schemeClr>
                 </a:solidFill>
               </a:defRPr>
             </a:lvl1pPr>
             <a:lvl2pPr marL="457200" indent="0">
               <a:buNone/>
-              <a:defRPr sz="2000">
+              <a:defRPr sz="1800">
                 <a:solidFill>
                   <a:schemeClr val="tx1">
                     <a:tint val="75000"/>
@@ -1014,7 +4556,7 @@
             </a:lvl2pPr>
             <a:lvl3pPr marL="914400" indent="0">
               <a:buNone/>
-              <a:defRPr sz="1800">
+              <a:defRPr sz="1600">
                 <a:solidFill>
                   <a:schemeClr val="tx1">
                     <a:tint val="75000"/>
@@ -1024,7 +4566,7 @@
             </a:lvl3pPr>
             <a:lvl4pPr marL="1371600" indent="0">
               <a:buNone/>
-              <a:defRPr sz="1600">
+              <a:defRPr sz="1400">
                 <a:solidFill>
                   <a:schemeClr val="tx1">
                     <a:tint val="75000"/>
@@ -1034,7 +4576,7 @@
             </a:lvl4pPr>
             <a:lvl5pPr marL="1828800" indent="0">
               <a:buNone/>
-              <a:defRPr sz="1600">
+              <a:defRPr sz="1400">
                 <a:solidFill>
                   <a:schemeClr val="tx1">
                     <a:tint val="75000"/>
@@ -1044,7 +4586,7 @@
             </a:lvl5pPr>
             <a:lvl6pPr marL="2286000" indent="0">
               <a:buNone/>
-              <a:defRPr sz="1600">
+              <a:defRPr sz="1400">
                 <a:solidFill>
                   <a:schemeClr val="tx1">
                     <a:tint val="75000"/>
@@ -1054,7 +4596,7 @@
             </a:lvl6pPr>
             <a:lvl7pPr marL="2743200" indent="0">
               <a:buNone/>
-              <a:defRPr sz="1600">
+              <a:defRPr sz="1400">
                 <a:solidFill>
                   <a:schemeClr val="tx1">
                     <a:tint val="75000"/>
@@ -1064,7 +4606,7 @@
             </a:lvl7pPr>
             <a:lvl8pPr marL="3200400" indent="0">
               <a:buNone/>
-              <a:defRPr sz="1600">
+              <a:defRPr sz="1400">
                 <a:solidFill>
                   <a:schemeClr val="tx1">
                     <a:tint val="75000"/>
@@ -1074,7 +4616,7 @@
             </a:lvl8pPr>
             <a:lvl9pPr marL="3657600" indent="0">
               <a:buNone/>
-              <a:defRPr sz="1600">
+              <a:defRPr sz="1400">
                 <a:solidFill>
                   <a:schemeClr val="tx1">
                     <a:tint val="75000"/>
@@ -1086,7 +4628,7 @@
           <a:p>
             <a:pPr lvl="0"/>
             <a:r>
-              <a:rPr kumimoji="1" lang="ja-JP" altLang="en-US" smtClean="0"/>
+              <a:rPr lang="ja-JP" altLang="en-US" smtClean="0"/>
               <a:t>マスター テキストの書式設定</a:t>
             </a:r>
           </a:p>
@@ -1094,7 +4636,7 @@
       </p:sp>
       <p:sp>
         <p:nvSpPr>
-          <p:cNvPr id="4" name="日付プレースホルダー 3"/>
+          <p:cNvPr id="4" name="Date Placeholder 3"/>
           <p:cNvSpPr>
             <a:spLocks noGrp="1"/>
           </p:cNvSpPr>
@@ -1109,7 +4651,7 @@
           <a:p>
             <a:fld id="{FA9DE7E7-D5D8-4B4A-B259-88D9E4E9B04F}" type="datetimeFigureOut">
               <a:rPr kumimoji="1" lang="ja-JP" altLang="en-US" smtClean="0"/>
-              <a:t>2018/10/2</a:t>
+              <a:t>2018/10/3</a:t>
             </a:fld>
             <a:endParaRPr kumimoji="1" lang="ja-JP" altLang="en-US"/>
           </a:p>
@@ -1117,7 +4659,7 @@
       </p:sp>
       <p:sp>
         <p:nvSpPr>
-          <p:cNvPr id="5" name="フッター プレースホルダー 4"/>
+          <p:cNvPr id="5" name="Footer Placeholder 4"/>
           <p:cNvSpPr>
             <a:spLocks noGrp="1"/>
           </p:cNvSpPr>
@@ -1136,7 +4678,7 @@
       </p:sp>
       <p:sp>
         <p:nvSpPr>
-          <p:cNvPr id="6" name="スライド番号プレースホルダー 5"/>
+          <p:cNvPr id="6" name="Slide Number Placeholder 5"/>
           <p:cNvSpPr>
             <a:spLocks noGrp="1"/>
           </p:cNvSpPr>
@@ -1160,7 +4702,7 @@
     </p:spTree>
     <p:extLst>
       <p:ext uri="{BB962C8B-B14F-4D97-AF65-F5344CB8AC3E}">
-        <p14:creationId xmlns:p14="http://schemas.microsoft.com/office/powerpoint/2010/main" val="3508132873"/>
+        <p14:creationId xmlns:p14="http://schemas.microsoft.com/office/powerpoint/2010/main" val="503137078"/>
       </p:ext>
     </p:extLst>
   </p:cSld>
@@ -1189,7 +4731,7 @@
       </p:grpSpPr>
       <p:sp>
         <p:nvSpPr>
-          <p:cNvPr id="2" name="タイトル 1"/>
+          <p:cNvPr id="2" name="Title 1"/>
           <p:cNvSpPr>
             <a:spLocks noGrp="1"/>
           </p:cNvSpPr>
@@ -1203,16 +4745,16 @@
           <a:lstStyle/>
           <a:p>
             <a:r>
-              <a:rPr kumimoji="1" lang="ja-JP" altLang="en-US" smtClean="0"/>
+              <a:rPr lang="ja-JP" altLang="en-US" smtClean="0"/>
               <a:t>マスター タイトルの書式設定</a:t>
             </a:r>
-            <a:endParaRPr kumimoji="1" lang="ja-JP" altLang="en-US"/>
-          </a:p>
-        </p:txBody>
-      </p:sp>
-      <p:sp>
-        <p:nvSpPr>
-          <p:cNvPr id="3" name="コンテンツ プレースホルダー 2"/>
+            <a:endParaRPr lang="en-US" dirty="0"/>
+          </a:p>
+        </p:txBody>
+      </p:sp>
+      <p:sp>
+        <p:nvSpPr>
+          <p:cNvPr id="3" name="Content Placeholder 2"/>
           <p:cNvSpPr>
             <a:spLocks noGrp="1"/>
           </p:cNvSpPr>
@@ -1222,8 +4764,8 @@
         </p:nvSpPr>
         <p:spPr>
           <a:xfrm>
-            <a:off x="838200" y="1825625"/>
-            <a:ext cx="5181600" cy="4351338"/>
+            <a:off x="845127" y="1828800"/>
+            <a:ext cx="5181600" cy="4351337"/>
           </a:xfrm>
         </p:spPr>
         <p:txBody>
@@ -1232,76 +4774,76 @@
           <a:p>
             <a:pPr lvl="0"/>
             <a:r>
-              <a:rPr kumimoji="1" lang="ja-JP" altLang="en-US" smtClean="0"/>
+              <a:rPr lang="ja-JP" altLang="en-US" smtClean="0"/>
               <a:t>マスター テキストの書式設定</a:t>
             </a:r>
           </a:p>
           <a:p>
             <a:pPr lvl="1"/>
             <a:r>
-              <a:rPr kumimoji="1" lang="ja-JP" altLang="en-US" smtClean="0"/>
+              <a:rPr lang="ja-JP" altLang="en-US" smtClean="0"/>
               <a:t>第 </a:t>
             </a:r>
             <a:r>
-              <a:rPr kumimoji="1" lang="en-US" altLang="ja-JP" smtClean="0"/>
+              <a:rPr lang="en-US" altLang="ja-JP" smtClean="0"/>
               <a:t>2 </a:t>
             </a:r>
             <a:r>
-              <a:rPr kumimoji="1" lang="ja-JP" altLang="en-US" smtClean="0"/>
+              <a:rPr lang="ja-JP" altLang="en-US" smtClean="0"/>
               <a:t>レベル</a:t>
             </a:r>
           </a:p>
           <a:p>
             <a:pPr lvl="2"/>
             <a:r>
-              <a:rPr kumimoji="1" lang="ja-JP" altLang="en-US" smtClean="0"/>
+              <a:rPr lang="ja-JP" altLang="en-US" smtClean="0"/>
               <a:t>第 </a:t>
             </a:r>
             <a:r>
-              <a:rPr kumimoji="1" lang="en-US" altLang="ja-JP" smtClean="0"/>
+              <a:rPr lang="en-US" altLang="ja-JP" smtClean="0"/>
               <a:t>3 </a:t>
             </a:r>
             <a:r>
-              <a:rPr kumimoji="1" lang="ja-JP" altLang="en-US" smtClean="0"/>
+              <a:rPr lang="ja-JP" altLang="en-US" smtClean="0"/>
               <a:t>レベル</a:t>
             </a:r>
           </a:p>
           <a:p>
             <a:pPr lvl="3"/>
             <a:r>
-              <a:rPr kumimoji="1" lang="ja-JP" altLang="en-US" smtClean="0"/>
+              <a:rPr lang="ja-JP" altLang="en-US" smtClean="0"/>
               <a:t>第 </a:t>
             </a:r>
             <a:r>
-              <a:rPr kumimoji="1" lang="en-US" altLang="ja-JP" smtClean="0"/>
+              <a:rPr lang="en-US" altLang="ja-JP" smtClean="0"/>
               <a:t>4 </a:t>
             </a:r>
             <a:r>
-              <a:rPr kumimoji="1" lang="ja-JP" altLang="en-US" smtClean="0"/>
+              <a:rPr lang="ja-JP" altLang="en-US" smtClean="0"/>
               <a:t>レベル</a:t>
             </a:r>
           </a:p>
           <a:p>
             <a:pPr lvl="4"/>
             <a:r>
-              <a:rPr kumimoji="1" lang="ja-JP" altLang="en-US" smtClean="0"/>
+              <a:rPr lang="ja-JP" altLang="en-US" smtClean="0"/>
               <a:t>第 </a:t>
             </a:r>
             <a:r>
-              <a:rPr kumimoji="1" lang="en-US" altLang="ja-JP" smtClean="0"/>
+              <a:rPr lang="en-US" altLang="ja-JP" smtClean="0"/>
               <a:t>5 </a:t>
             </a:r>
             <a:r>
-              <a:rPr kumimoji="1" lang="ja-JP" altLang="en-US" smtClean="0"/>
+              <a:rPr lang="ja-JP" altLang="en-US" smtClean="0"/>
               <a:t>レベル</a:t>
             </a:r>
-            <a:endParaRPr kumimoji="1" lang="ja-JP" altLang="en-US"/>
-          </a:p>
-        </p:txBody>
-      </p:sp>
-      <p:sp>
-        <p:nvSpPr>
-          <p:cNvPr id="4" name="コンテンツ プレースホルダー 3"/>
+            <a:endParaRPr lang="en-US" dirty="0"/>
+          </a:p>
+        </p:txBody>
+      </p:sp>
+      <p:sp>
+        <p:nvSpPr>
+          <p:cNvPr id="4" name="Content Placeholder 3"/>
           <p:cNvSpPr>
             <a:spLocks noGrp="1"/>
           </p:cNvSpPr>
@@ -1311,8 +4853,8 @@
         </p:nvSpPr>
         <p:spPr>
           <a:xfrm>
-            <a:off x="6172200" y="1825625"/>
-            <a:ext cx="5181600" cy="4351338"/>
+            <a:off x="6172200" y="1828800"/>
+            <a:ext cx="5181600" cy="4351337"/>
           </a:xfrm>
         </p:spPr>
         <p:txBody>
@@ -1321,76 +4863,76 @@
           <a:p>
             <a:pPr lvl="0"/>
             <a:r>
-              <a:rPr kumimoji="1" lang="ja-JP" altLang="en-US" smtClean="0"/>
+              <a:rPr lang="ja-JP" altLang="en-US" smtClean="0"/>
               <a:t>マスター テキストの書式設定</a:t>
             </a:r>
           </a:p>
           <a:p>
             <a:pPr lvl="1"/>
             <a:r>
-              <a:rPr kumimoji="1" lang="ja-JP" altLang="en-US" smtClean="0"/>
+              <a:rPr lang="ja-JP" altLang="en-US" smtClean="0"/>
               <a:t>第 </a:t>
             </a:r>
             <a:r>
-              <a:rPr kumimoji="1" lang="en-US" altLang="ja-JP" smtClean="0"/>
+              <a:rPr lang="en-US" altLang="ja-JP" smtClean="0"/>
               <a:t>2 </a:t>
             </a:r>
             <a:r>
-              <a:rPr kumimoji="1" lang="ja-JP" altLang="en-US" smtClean="0"/>
+              <a:rPr lang="ja-JP" altLang="en-US" smtClean="0"/>
               <a:t>レベル</a:t>
             </a:r>
           </a:p>
           <a:p>
             <a:pPr lvl="2"/>
             <a:r>
-              <a:rPr kumimoji="1" lang="ja-JP" altLang="en-US" smtClean="0"/>
+              <a:rPr lang="ja-JP" altLang="en-US" smtClean="0"/>
               <a:t>第 </a:t>
             </a:r>
             <a:r>
-              <a:rPr kumimoji="1" lang="en-US" altLang="ja-JP" smtClean="0"/>
+              <a:rPr lang="en-US" altLang="ja-JP" smtClean="0"/>
               <a:t>3 </a:t>
             </a:r>
             <a:r>
-              <a:rPr kumimoji="1" lang="ja-JP" altLang="en-US" smtClean="0"/>
+              <a:rPr lang="ja-JP" altLang="en-US" smtClean="0"/>
               <a:t>レベル</a:t>
             </a:r>
           </a:p>
           <a:p>
             <a:pPr lvl="3"/>
             <a:r>
-              <a:rPr kumimoji="1" lang="ja-JP" altLang="en-US" smtClean="0"/>
+              <a:rPr lang="ja-JP" altLang="en-US" smtClean="0"/>
               <a:t>第 </a:t>
             </a:r>
             <a:r>
-              <a:rPr kumimoji="1" lang="en-US" altLang="ja-JP" smtClean="0"/>
+              <a:rPr lang="en-US" altLang="ja-JP" smtClean="0"/>
               <a:t>4 </a:t>
             </a:r>
             <a:r>
-              <a:rPr kumimoji="1" lang="ja-JP" altLang="en-US" smtClean="0"/>
+              <a:rPr lang="ja-JP" altLang="en-US" smtClean="0"/>
               <a:t>レベル</a:t>
             </a:r>
           </a:p>
           <a:p>
             <a:pPr lvl="4"/>
             <a:r>
-              <a:rPr kumimoji="1" lang="ja-JP" altLang="en-US" smtClean="0"/>
+              <a:rPr lang="ja-JP" altLang="en-US" smtClean="0"/>
               <a:t>第 </a:t>
             </a:r>
             <a:r>
-              <a:rPr kumimoji="1" lang="en-US" altLang="ja-JP" smtClean="0"/>
+              <a:rPr lang="en-US" altLang="ja-JP" smtClean="0"/>
               <a:t>5 </a:t>
             </a:r>
             <a:r>
-              <a:rPr kumimoji="1" lang="ja-JP" altLang="en-US" smtClean="0"/>
+              <a:rPr lang="ja-JP" altLang="en-US" smtClean="0"/>
               <a:t>レベル</a:t>
             </a:r>
-            <a:endParaRPr kumimoji="1" lang="ja-JP" altLang="en-US"/>
-          </a:p>
-        </p:txBody>
-      </p:sp>
-      <p:sp>
-        <p:nvSpPr>
-          <p:cNvPr id="5" name="日付プレースホルダー 4"/>
+            <a:endParaRPr lang="en-US" dirty="0"/>
+          </a:p>
+        </p:txBody>
+      </p:sp>
+      <p:sp>
+        <p:nvSpPr>
+          <p:cNvPr id="5" name="Date Placeholder 4"/>
           <p:cNvSpPr>
             <a:spLocks noGrp="1"/>
           </p:cNvSpPr>
@@ -1405,7 +4947,7 @@
           <a:p>
             <a:fld id="{FA9DE7E7-D5D8-4B4A-B259-88D9E4E9B04F}" type="datetimeFigureOut">
               <a:rPr kumimoji="1" lang="ja-JP" altLang="en-US" smtClean="0"/>
-              <a:t>2018/10/2</a:t>
+              <a:t>2018/10/3</a:t>
             </a:fld>
             <a:endParaRPr kumimoji="1" lang="ja-JP" altLang="en-US"/>
           </a:p>
@@ -1413,7 +4955,7 @@
       </p:sp>
       <p:sp>
         <p:nvSpPr>
-          <p:cNvPr id="6" name="フッター プレースホルダー 5"/>
+          <p:cNvPr id="6" name="Footer Placeholder 5"/>
           <p:cNvSpPr>
             <a:spLocks noGrp="1"/>
           </p:cNvSpPr>
@@ -1432,7 +4974,7 @@
       </p:sp>
       <p:sp>
         <p:nvSpPr>
-          <p:cNvPr id="7" name="スライド番号プレースホルダー 6"/>
+          <p:cNvPr id="7" name="Slide Number Placeholder 6"/>
           <p:cNvSpPr>
             <a:spLocks noGrp="1"/>
           </p:cNvSpPr>
@@ -1456,7 +4998,7 @@
     </p:spTree>
     <p:extLst>
       <p:ext uri="{BB962C8B-B14F-4D97-AF65-F5344CB8AC3E}">
-        <p14:creationId xmlns:p14="http://schemas.microsoft.com/office/powerpoint/2010/main" val="2212736173"/>
+        <p14:creationId xmlns:p14="http://schemas.microsoft.com/office/powerpoint/2010/main" val="4099144409"/>
       </p:ext>
     </p:extLst>
   </p:cSld>
@@ -1467,7 +5009,7 @@
 </file>
 
 <file path=ppt/slideLayouts/slideLayout5.xml><?xml version="1.0" encoding="utf-8"?>
-<p:sldLayout xmlns:a="http://schemas.openxmlformats.org/drawingml/2006/main" xmlns:r="http://schemas.openxmlformats.org/officeDocument/2006/relationships" xmlns:p="http://schemas.openxmlformats.org/presentationml/2006/main" type="twoTxTwoObj" preserve="1">
+<p:sldLayout xmlns:a="http://schemas.openxmlformats.org/drawingml/2006/main" xmlns:r="http://schemas.openxmlformats.org/officeDocument/2006/relationships" xmlns:p="http://schemas.openxmlformats.org/presentationml/2006/main" preserve="1">
   <p:cSld name="比較">
     <p:spTree>
       <p:nvGrpSpPr>
@@ -1485,52 +5027,186 @@
       </p:grpSpPr>
       <p:sp>
         <p:nvSpPr>
-          <p:cNvPr id="2" name="タイトル 1"/>
-          <p:cNvSpPr>
-            <a:spLocks noGrp="1"/>
-          </p:cNvSpPr>
-          <p:nvPr>
-            <p:ph type="title"/>
+          <p:cNvPr id="3" name="Text Placeholder 2"/>
+          <p:cNvSpPr>
+            <a:spLocks noGrp="1"/>
+          </p:cNvSpPr>
+          <p:nvPr>
+            <p:ph type="body" idx="1"/>
           </p:nvPr>
         </p:nvSpPr>
         <p:spPr>
           <a:xfrm>
-            <a:off x="839788" y="365125"/>
-            <a:ext cx="10515600" cy="1325563"/>
+            <a:off x="845127" y="1681850"/>
+            <a:ext cx="5156200" cy="825699"/>
           </a:xfrm>
         </p:spPr>
         <p:txBody>
-          <a:bodyPr/>
-          <a:lstStyle/>
-          <a:p>
-            <a:r>
-              <a:rPr kumimoji="1" lang="ja-JP" altLang="en-US" smtClean="0"/>
-              <a:t>マスター タイトルの書式設定</a:t>
-            </a:r>
-            <a:endParaRPr kumimoji="1" lang="ja-JP" altLang="en-US"/>
-          </a:p>
-        </p:txBody>
-      </p:sp>
-      <p:sp>
-        <p:nvSpPr>
-          <p:cNvPr id="3" name="テキスト プレースホルダー 2"/>
-          <p:cNvSpPr>
-            <a:spLocks noGrp="1"/>
-          </p:cNvSpPr>
-          <p:nvPr>
-            <p:ph type="body" idx="1"/>
+          <a:bodyPr anchor="b">
+            <a:normAutofit/>
+          </a:bodyPr>
+          <a:lstStyle>
+            <a:lvl1pPr marL="0" indent="0">
+              <a:spcBef>
+                <a:spcPts val="0"/>
+              </a:spcBef>
+              <a:buNone/>
+              <a:defRPr sz="2400" b="1"/>
+            </a:lvl1pPr>
+            <a:lvl2pPr marL="457200" indent="0">
+              <a:buNone/>
+              <a:defRPr sz="2000" b="1"/>
+            </a:lvl2pPr>
+            <a:lvl3pPr marL="914400" indent="0">
+              <a:buNone/>
+              <a:defRPr sz="1800" b="1"/>
+            </a:lvl3pPr>
+            <a:lvl4pPr marL="1371600" indent="0">
+              <a:buNone/>
+              <a:defRPr sz="1600" b="1"/>
+            </a:lvl4pPr>
+            <a:lvl5pPr marL="1828800" indent="0">
+              <a:buNone/>
+              <a:defRPr sz="1600" b="1"/>
+            </a:lvl5pPr>
+            <a:lvl6pPr marL="2286000" indent="0">
+              <a:buNone/>
+              <a:defRPr sz="1600" b="1"/>
+            </a:lvl6pPr>
+            <a:lvl7pPr marL="2743200" indent="0">
+              <a:buNone/>
+              <a:defRPr sz="1600" b="1"/>
+            </a:lvl7pPr>
+            <a:lvl8pPr marL="3200400" indent="0">
+              <a:buNone/>
+              <a:defRPr sz="1600" b="1"/>
+            </a:lvl8pPr>
+            <a:lvl9pPr marL="3657600" indent="0">
+              <a:buNone/>
+              <a:defRPr sz="1600" b="1"/>
+            </a:lvl9pPr>
+          </a:lstStyle>
+          <a:p>
+            <a:pPr lvl="0"/>
+            <a:r>
+              <a:rPr lang="ja-JP" altLang="en-US" smtClean="0"/>
+              <a:t>マスター テキストの書式設定</a:t>
+            </a:r>
+          </a:p>
+        </p:txBody>
+      </p:sp>
+      <p:sp>
+        <p:nvSpPr>
+          <p:cNvPr id="4" name="Content Placeholder 3"/>
+          <p:cNvSpPr>
+            <a:spLocks noGrp="1"/>
+          </p:cNvSpPr>
+          <p:nvPr>
+            <p:ph sz="half" idx="2"/>
           </p:nvPr>
         </p:nvSpPr>
         <p:spPr>
           <a:xfrm>
-            <a:off x="839788" y="1681163"/>
-            <a:ext cx="5157787" cy="823912"/>
+            <a:off x="845127" y="2507550"/>
+            <a:ext cx="5156200" cy="3680525"/>
+          </a:xfrm>
+        </p:spPr>
+        <p:txBody>
+          <a:bodyPr/>
+          <a:lstStyle/>
+          <a:p>
+            <a:pPr lvl="0"/>
+            <a:r>
+              <a:rPr lang="ja-JP" altLang="en-US" smtClean="0"/>
+              <a:t>マスター テキストの書式設定</a:t>
+            </a:r>
+          </a:p>
+          <a:p>
+            <a:pPr lvl="1"/>
+            <a:r>
+              <a:rPr lang="ja-JP" altLang="en-US" smtClean="0"/>
+              <a:t>第 </a:t>
+            </a:r>
+            <a:r>
+              <a:rPr lang="en-US" altLang="ja-JP" smtClean="0"/>
+              <a:t>2 </a:t>
+            </a:r>
+            <a:r>
+              <a:rPr lang="ja-JP" altLang="en-US" smtClean="0"/>
+              <a:t>レベル</a:t>
+            </a:r>
+          </a:p>
+          <a:p>
+            <a:pPr lvl="2"/>
+            <a:r>
+              <a:rPr lang="ja-JP" altLang="en-US" smtClean="0"/>
+              <a:t>第 </a:t>
+            </a:r>
+            <a:r>
+              <a:rPr lang="en-US" altLang="ja-JP" smtClean="0"/>
+              <a:t>3 </a:t>
+            </a:r>
+            <a:r>
+              <a:rPr lang="ja-JP" altLang="en-US" smtClean="0"/>
+              <a:t>レベル</a:t>
+            </a:r>
+          </a:p>
+          <a:p>
+            <a:pPr lvl="3"/>
+            <a:r>
+              <a:rPr lang="ja-JP" altLang="en-US" smtClean="0"/>
+              <a:t>第 </a:t>
+            </a:r>
+            <a:r>
+              <a:rPr lang="en-US" altLang="ja-JP" smtClean="0"/>
+              <a:t>4 </a:t>
+            </a:r>
+            <a:r>
+              <a:rPr lang="ja-JP" altLang="en-US" smtClean="0"/>
+              <a:t>レベル</a:t>
+            </a:r>
+          </a:p>
+          <a:p>
+            <a:pPr lvl="4"/>
+            <a:r>
+              <a:rPr lang="ja-JP" altLang="en-US" smtClean="0"/>
+              <a:t>第 </a:t>
+            </a:r>
+            <a:r>
+              <a:rPr lang="en-US" altLang="ja-JP" smtClean="0"/>
+              <a:t>5 </a:t>
+            </a:r>
+            <a:r>
+              <a:rPr lang="ja-JP" altLang="en-US" smtClean="0"/>
+              <a:t>レベル</a:t>
+            </a:r>
+            <a:endParaRPr lang="en-US" dirty="0"/>
+          </a:p>
+        </p:txBody>
+      </p:sp>
+      <p:sp>
+        <p:nvSpPr>
+          <p:cNvPr id="5" name="Text Placeholder 4"/>
+          <p:cNvSpPr>
+            <a:spLocks noGrp="1"/>
+          </p:cNvSpPr>
+          <p:nvPr>
+            <p:ph type="body" sz="quarter" idx="3"/>
+          </p:nvPr>
+        </p:nvSpPr>
+        <p:spPr>
+          <a:xfrm>
+            <a:off x="6172200" y="1681851"/>
+            <a:ext cx="5181601" cy="825698"/>
           </a:xfrm>
         </p:spPr>
         <p:txBody>
           <a:bodyPr anchor="b"/>
           <a:lstStyle>
             <a:lvl1pPr marL="0" indent="0">
+              <a:spcBef>
+                <a:spcPts val="0"/>
+              </a:spcBef>
               <a:buNone/>
               <a:defRPr sz="2400" b="1"/>
             </a:lvl1pPr>
@@ -1570,7 +5246,7 @@
           <a:p>
             <a:pPr lvl="0"/>
             <a:r>
-              <a:rPr kumimoji="1" lang="ja-JP" altLang="en-US" smtClean="0"/>
+              <a:rPr lang="ja-JP" altLang="en-US" smtClean="0"/>
               <a:t>マスター テキストの書式設定</a:t>
             </a:r>
           </a:p>
@@ -1578,18 +5254,18 @@
       </p:sp>
       <p:sp>
         <p:nvSpPr>
-          <p:cNvPr id="4" name="コンテンツ プレースホルダー 3"/>
-          <p:cNvSpPr>
-            <a:spLocks noGrp="1"/>
-          </p:cNvSpPr>
-          <p:nvPr>
-            <p:ph sz="half" idx="2"/>
+          <p:cNvPr id="6" name="Content Placeholder 5"/>
+          <p:cNvSpPr>
+            <a:spLocks noGrp="1"/>
+          </p:cNvSpPr>
+          <p:nvPr>
+            <p:ph sz="quarter" idx="4"/>
           </p:nvPr>
         </p:nvSpPr>
         <p:spPr>
           <a:xfrm>
-            <a:off x="839788" y="2505075"/>
-            <a:ext cx="5157787" cy="3684588"/>
+            <a:off x="6172200" y="2507550"/>
+            <a:ext cx="5181601" cy="3680525"/>
           </a:xfrm>
         </p:spPr>
         <p:txBody>
@@ -1598,230 +5274,76 @@
           <a:p>
             <a:pPr lvl="0"/>
             <a:r>
-              <a:rPr kumimoji="1" lang="ja-JP" altLang="en-US" smtClean="0"/>
+              <a:rPr lang="ja-JP" altLang="en-US" smtClean="0"/>
               <a:t>マスター テキストの書式設定</a:t>
             </a:r>
           </a:p>
           <a:p>
             <a:pPr lvl="1"/>
             <a:r>
-              <a:rPr kumimoji="1" lang="ja-JP" altLang="en-US" smtClean="0"/>
+              <a:rPr lang="ja-JP" altLang="en-US" smtClean="0"/>
               <a:t>第 </a:t>
             </a:r>
             <a:r>
-              <a:rPr kumimoji="1" lang="en-US" altLang="ja-JP" smtClean="0"/>
+              <a:rPr lang="en-US" altLang="ja-JP" smtClean="0"/>
               <a:t>2 </a:t>
             </a:r>
             <a:r>
-              <a:rPr kumimoji="1" lang="ja-JP" altLang="en-US" smtClean="0"/>
+              <a:rPr lang="ja-JP" altLang="en-US" smtClean="0"/>
               <a:t>レベル</a:t>
             </a:r>
           </a:p>
           <a:p>
             <a:pPr lvl="2"/>
             <a:r>
-              <a:rPr kumimoji="1" lang="ja-JP" altLang="en-US" smtClean="0"/>
+              <a:rPr lang="ja-JP" altLang="en-US" smtClean="0"/>
               <a:t>第 </a:t>
             </a:r>
             <a:r>
-              <a:rPr kumimoji="1" lang="en-US" altLang="ja-JP" smtClean="0"/>
+              <a:rPr lang="en-US" altLang="ja-JP" smtClean="0"/>
               <a:t>3 </a:t>
             </a:r>
             <a:r>
-              <a:rPr kumimoji="1" lang="ja-JP" altLang="en-US" smtClean="0"/>
+              <a:rPr lang="ja-JP" altLang="en-US" smtClean="0"/>
               <a:t>レベル</a:t>
             </a:r>
           </a:p>
           <a:p>
             <a:pPr lvl="3"/>
             <a:r>
-              <a:rPr kumimoji="1" lang="ja-JP" altLang="en-US" smtClean="0"/>
+              <a:rPr lang="ja-JP" altLang="en-US" smtClean="0"/>
               <a:t>第 </a:t>
             </a:r>
             <a:r>
-              <a:rPr kumimoji="1" lang="en-US" altLang="ja-JP" smtClean="0"/>
+              <a:rPr lang="en-US" altLang="ja-JP" smtClean="0"/>
               <a:t>4 </a:t>
             </a:r>
             <a:r>
-              <a:rPr kumimoji="1" lang="ja-JP" altLang="en-US" smtClean="0"/>
+              <a:rPr lang="ja-JP" altLang="en-US" smtClean="0"/>
               <a:t>レベル</a:t>
             </a:r>
           </a:p>
           <a:p>
             <a:pPr lvl="4"/>
             <a:r>
-              <a:rPr kumimoji="1" lang="ja-JP" altLang="en-US" smtClean="0"/>
+              <a:rPr lang="ja-JP" altLang="en-US" smtClean="0"/>
               <a:t>第 </a:t>
             </a:r>
             <a:r>
-              <a:rPr kumimoji="1" lang="en-US" altLang="ja-JP" smtClean="0"/>
+              <a:rPr lang="en-US" altLang="ja-JP" smtClean="0"/>
               <a:t>5 </a:t>
             </a:r>
             <a:r>
-              <a:rPr kumimoji="1" lang="ja-JP" altLang="en-US" smtClean="0"/>
+              <a:rPr lang="ja-JP" altLang="en-US" smtClean="0"/>
               <a:t>レベル</a:t>
             </a:r>
-            <a:endParaRPr kumimoji="1" lang="ja-JP" altLang="en-US"/>
-          </a:p>
-        </p:txBody>
-      </p:sp>
-      <p:sp>
-        <p:nvSpPr>
-          <p:cNvPr id="5" name="テキスト プレースホルダー 4"/>
-          <p:cNvSpPr>
-            <a:spLocks noGrp="1"/>
-          </p:cNvSpPr>
-          <p:nvPr>
-            <p:ph type="body" sz="quarter" idx="3"/>
-          </p:nvPr>
-        </p:nvSpPr>
-        <p:spPr>
-          <a:xfrm>
-            <a:off x="6172200" y="1681163"/>
-            <a:ext cx="5183188" cy="823912"/>
-          </a:xfrm>
-        </p:spPr>
-        <p:txBody>
-          <a:bodyPr anchor="b"/>
-          <a:lstStyle>
-            <a:lvl1pPr marL="0" indent="0">
-              <a:buNone/>
-              <a:defRPr sz="2400" b="1"/>
-            </a:lvl1pPr>
-            <a:lvl2pPr marL="457200" indent="0">
-              <a:buNone/>
-              <a:defRPr sz="2000" b="1"/>
-            </a:lvl2pPr>
-            <a:lvl3pPr marL="914400" indent="0">
-              <a:buNone/>
-              <a:defRPr sz="1800" b="1"/>
-            </a:lvl3pPr>
-            <a:lvl4pPr marL="1371600" indent="0">
-              <a:buNone/>
-              <a:defRPr sz="1600" b="1"/>
-            </a:lvl4pPr>
-            <a:lvl5pPr marL="1828800" indent="0">
-              <a:buNone/>
-              <a:defRPr sz="1600" b="1"/>
-            </a:lvl5pPr>
-            <a:lvl6pPr marL="2286000" indent="0">
-              <a:buNone/>
-              <a:defRPr sz="1600" b="1"/>
-            </a:lvl6pPr>
-            <a:lvl7pPr marL="2743200" indent="0">
-              <a:buNone/>
-              <a:defRPr sz="1600" b="1"/>
-            </a:lvl7pPr>
-            <a:lvl8pPr marL="3200400" indent="0">
-              <a:buNone/>
-              <a:defRPr sz="1600" b="1"/>
-            </a:lvl8pPr>
-            <a:lvl9pPr marL="3657600" indent="0">
-              <a:buNone/>
-              <a:defRPr sz="1600" b="1"/>
-            </a:lvl9pPr>
-          </a:lstStyle>
-          <a:p>
-            <a:pPr lvl="0"/>
-            <a:r>
-              <a:rPr kumimoji="1" lang="ja-JP" altLang="en-US" smtClean="0"/>
-              <a:t>マスター テキストの書式設定</a:t>
-            </a:r>
-          </a:p>
-        </p:txBody>
-      </p:sp>
-      <p:sp>
-        <p:nvSpPr>
-          <p:cNvPr id="6" name="コンテンツ プレースホルダー 5"/>
-          <p:cNvSpPr>
-            <a:spLocks noGrp="1"/>
-          </p:cNvSpPr>
-          <p:nvPr>
-            <p:ph sz="quarter" idx="4"/>
-          </p:nvPr>
-        </p:nvSpPr>
-        <p:spPr>
-          <a:xfrm>
-            <a:off x="6172200" y="2505075"/>
-            <a:ext cx="5183188" cy="3684588"/>
-          </a:xfrm>
-        </p:spPr>
-        <p:txBody>
-          <a:bodyPr/>
-          <a:lstStyle/>
-          <a:p>
-            <a:pPr lvl="0"/>
-            <a:r>
-              <a:rPr kumimoji="1" lang="ja-JP" altLang="en-US" smtClean="0"/>
-              <a:t>マスター テキストの書式設定</a:t>
-            </a:r>
-          </a:p>
-          <a:p>
-            <a:pPr lvl="1"/>
-            <a:r>
-              <a:rPr kumimoji="1" lang="ja-JP" altLang="en-US" smtClean="0"/>
-              <a:t>第 </a:t>
-            </a:r>
-            <a:r>
-              <a:rPr kumimoji="1" lang="en-US" altLang="ja-JP" smtClean="0"/>
-              <a:t>2 </a:t>
-            </a:r>
-            <a:r>
-              <a:rPr kumimoji="1" lang="ja-JP" altLang="en-US" smtClean="0"/>
-              <a:t>レベル</a:t>
-            </a:r>
-          </a:p>
-          <a:p>
-            <a:pPr lvl="2"/>
-            <a:r>
-              <a:rPr kumimoji="1" lang="ja-JP" altLang="en-US" smtClean="0"/>
-              <a:t>第 </a:t>
-            </a:r>
-            <a:r>
-              <a:rPr kumimoji="1" lang="en-US" altLang="ja-JP" smtClean="0"/>
-              <a:t>3 </a:t>
-            </a:r>
-            <a:r>
-              <a:rPr kumimoji="1" lang="ja-JP" altLang="en-US" smtClean="0"/>
-              <a:t>レベル</a:t>
-            </a:r>
-          </a:p>
-          <a:p>
-            <a:pPr lvl="3"/>
-            <a:r>
-              <a:rPr kumimoji="1" lang="ja-JP" altLang="en-US" smtClean="0"/>
-              <a:t>第 </a:t>
-            </a:r>
-            <a:r>
-              <a:rPr kumimoji="1" lang="en-US" altLang="ja-JP" smtClean="0"/>
-              <a:t>4 </a:t>
-            </a:r>
-            <a:r>
-              <a:rPr kumimoji="1" lang="ja-JP" altLang="en-US" smtClean="0"/>
-              <a:t>レベル</a:t>
-            </a:r>
-          </a:p>
-          <a:p>
-            <a:pPr lvl="4"/>
-            <a:r>
-              <a:rPr kumimoji="1" lang="ja-JP" altLang="en-US" smtClean="0"/>
-              <a:t>第 </a:t>
-            </a:r>
-            <a:r>
-              <a:rPr kumimoji="1" lang="en-US" altLang="ja-JP" smtClean="0"/>
-              <a:t>5 </a:t>
-            </a:r>
-            <a:r>
-              <a:rPr kumimoji="1" lang="ja-JP" altLang="en-US" smtClean="0"/>
-              <a:t>レベル</a:t>
-            </a:r>
-            <a:endParaRPr kumimoji="1" lang="ja-JP" altLang="en-US"/>
-          </a:p>
-        </p:txBody>
-      </p:sp>
-      <p:sp>
-        <p:nvSpPr>
-          <p:cNvPr id="7" name="日付プレースホルダー 6"/>
+            <a:endParaRPr lang="en-US"/>
+          </a:p>
+        </p:txBody>
+      </p:sp>
+      <p:sp>
+        <p:nvSpPr>
+          <p:cNvPr id="7" name="Date Placeholder 6"/>
           <p:cNvSpPr>
             <a:spLocks noGrp="1"/>
           </p:cNvSpPr>
@@ -1836,7 +5358,7 @@
           <a:p>
             <a:fld id="{FA9DE7E7-D5D8-4B4A-B259-88D9E4E9B04F}" type="datetimeFigureOut">
               <a:rPr kumimoji="1" lang="ja-JP" altLang="en-US" smtClean="0"/>
-              <a:t>2018/10/2</a:t>
+              <a:t>2018/10/3</a:t>
             </a:fld>
             <a:endParaRPr kumimoji="1" lang="ja-JP" altLang="en-US"/>
           </a:p>
@@ -1844,7 +5366,7 @@
       </p:sp>
       <p:sp>
         <p:nvSpPr>
-          <p:cNvPr id="8" name="フッター プレースホルダー 7"/>
+          <p:cNvPr id="8" name="Footer Placeholder 7"/>
           <p:cNvSpPr>
             <a:spLocks noGrp="1"/>
           </p:cNvSpPr>
@@ -1863,7 +5385,7 @@
       </p:sp>
       <p:sp>
         <p:nvSpPr>
-          <p:cNvPr id="9" name="スライド番号プレースホルダー 8"/>
+          <p:cNvPr id="9" name="Slide Number Placeholder 8"/>
           <p:cNvSpPr>
             <a:spLocks noGrp="1"/>
           </p:cNvSpPr>
@@ -1884,10 +5406,33 @@
           </a:p>
         </p:txBody>
       </p:sp>
+      <p:sp>
+        <p:nvSpPr>
+          <p:cNvPr id="10" name="Title 9"/>
+          <p:cNvSpPr>
+            <a:spLocks noGrp="1"/>
+          </p:cNvSpPr>
+          <p:nvPr>
+            <p:ph type="title"/>
+          </p:nvPr>
+        </p:nvSpPr>
+        <p:spPr/>
+        <p:txBody>
+          <a:bodyPr/>
+          <a:lstStyle/>
+          <a:p>
+            <a:r>
+              <a:rPr lang="ja-JP" altLang="en-US" smtClean="0"/>
+              <a:t>マスター タイトルの書式設定</a:t>
+            </a:r>
+            <a:endParaRPr lang="en-US" dirty="0"/>
+          </a:p>
+        </p:txBody>
+      </p:sp>
     </p:spTree>
     <p:extLst>
       <p:ext uri="{BB962C8B-B14F-4D97-AF65-F5344CB8AC3E}">
-        <p14:creationId xmlns:p14="http://schemas.microsoft.com/office/powerpoint/2010/main" val="1281067600"/>
+        <p14:creationId xmlns:p14="http://schemas.microsoft.com/office/powerpoint/2010/main" val="3651075451"/>
       </p:ext>
     </p:extLst>
   </p:cSld>
@@ -1898,7 +5443,7 @@
 </file>
 
 <file path=ppt/slideLayouts/slideLayout6.xml><?xml version="1.0" encoding="utf-8"?>
-<p:sldLayout xmlns:a="http://schemas.openxmlformats.org/drawingml/2006/main" xmlns:r="http://schemas.openxmlformats.org/officeDocument/2006/relationships" xmlns:p="http://schemas.openxmlformats.org/presentationml/2006/main" type="titleOnly" preserve="1">
+<p:sldLayout xmlns:a="http://schemas.openxmlformats.org/drawingml/2006/main" xmlns:r="http://schemas.openxmlformats.org/officeDocument/2006/relationships" xmlns:p="http://schemas.openxmlformats.org/presentationml/2006/main" preserve="1">
   <p:cSld name="タイトルのみ">
     <p:spTree>
       <p:nvGrpSpPr>
@@ -1916,30 +5461,7 @@
       </p:grpSpPr>
       <p:sp>
         <p:nvSpPr>
-          <p:cNvPr id="2" name="タイトル 1"/>
-          <p:cNvSpPr>
-            <a:spLocks noGrp="1"/>
-          </p:cNvSpPr>
-          <p:nvPr>
-            <p:ph type="title"/>
-          </p:nvPr>
-        </p:nvSpPr>
-        <p:spPr/>
-        <p:txBody>
-          <a:bodyPr/>
-          <a:lstStyle/>
-          <a:p>
-            <a:r>
-              <a:rPr kumimoji="1" lang="ja-JP" altLang="en-US" smtClean="0"/>
-              <a:t>マスター タイトルの書式設定</a:t>
-            </a:r>
-            <a:endParaRPr kumimoji="1" lang="ja-JP" altLang="en-US"/>
-          </a:p>
-        </p:txBody>
-      </p:sp>
-      <p:sp>
-        <p:nvSpPr>
-          <p:cNvPr id="3" name="日付プレースホルダー 2"/>
+          <p:cNvPr id="3" name="Date Placeholder 2"/>
           <p:cNvSpPr>
             <a:spLocks noGrp="1"/>
           </p:cNvSpPr>
@@ -1954,7 +5476,7 @@
           <a:p>
             <a:fld id="{FA9DE7E7-D5D8-4B4A-B259-88D9E4E9B04F}" type="datetimeFigureOut">
               <a:rPr kumimoji="1" lang="ja-JP" altLang="en-US" smtClean="0"/>
-              <a:t>2018/10/2</a:t>
+              <a:t>2018/10/3</a:t>
             </a:fld>
             <a:endParaRPr kumimoji="1" lang="ja-JP" altLang="en-US"/>
           </a:p>
@@ -1962,7 +5484,7 @@
       </p:sp>
       <p:sp>
         <p:nvSpPr>
-          <p:cNvPr id="4" name="フッター プレースホルダー 3"/>
+          <p:cNvPr id="4" name="Footer Placeholder 3"/>
           <p:cNvSpPr>
             <a:spLocks noGrp="1"/>
           </p:cNvSpPr>
@@ -1981,7 +5503,7 @@
       </p:sp>
       <p:sp>
         <p:nvSpPr>
-          <p:cNvPr id="5" name="スライド番号プレースホルダー 4"/>
+          <p:cNvPr id="5" name="Slide Number Placeholder 4"/>
           <p:cNvSpPr>
             <a:spLocks noGrp="1"/>
           </p:cNvSpPr>
@@ -2002,10 +5524,33 @@
           </a:p>
         </p:txBody>
       </p:sp>
+      <p:sp>
+        <p:nvSpPr>
+          <p:cNvPr id="6" name="Title 5"/>
+          <p:cNvSpPr>
+            <a:spLocks noGrp="1"/>
+          </p:cNvSpPr>
+          <p:nvPr>
+            <p:ph type="title"/>
+          </p:nvPr>
+        </p:nvSpPr>
+        <p:spPr/>
+        <p:txBody>
+          <a:bodyPr/>
+          <a:lstStyle/>
+          <a:p>
+            <a:r>
+              <a:rPr lang="ja-JP" altLang="en-US" smtClean="0"/>
+              <a:t>マスター タイトルの書式設定</a:t>
+            </a:r>
+            <a:endParaRPr lang="en-US"/>
+          </a:p>
+        </p:txBody>
+      </p:sp>
     </p:spTree>
     <p:extLst>
       <p:ext uri="{BB962C8B-B14F-4D97-AF65-F5344CB8AC3E}">
-        <p14:creationId xmlns:p14="http://schemas.microsoft.com/office/powerpoint/2010/main" val="3304859866"/>
+        <p14:creationId xmlns:p14="http://schemas.microsoft.com/office/powerpoint/2010/main" val="1524207186"/>
       </p:ext>
     </p:extLst>
   </p:cSld>
@@ -2034,7 +5579,7 @@
       </p:grpSpPr>
       <p:sp>
         <p:nvSpPr>
-          <p:cNvPr id="2" name="日付プレースホルダー 1"/>
+          <p:cNvPr id="2" name="Date Placeholder 1"/>
           <p:cNvSpPr>
             <a:spLocks noGrp="1"/>
           </p:cNvSpPr>
@@ -2049,7 +5594,7 @@
           <a:p>
             <a:fld id="{FA9DE7E7-D5D8-4B4A-B259-88D9E4E9B04F}" type="datetimeFigureOut">
               <a:rPr kumimoji="1" lang="ja-JP" altLang="en-US" smtClean="0"/>
-              <a:t>2018/10/2</a:t>
+              <a:t>2018/10/3</a:t>
             </a:fld>
             <a:endParaRPr kumimoji="1" lang="ja-JP" altLang="en-US"/>
           </a:p>
@@ -2057,7 +5602,7 @@
       </p:sp>
       <p:sp>
         <p:nvSpPr>
-          <p:cNvPr id="3" name="フッター プレースホルダー 2"/>
+          <p:cNvPr id="3" name="Footer Placeholder 2"/>
           <p:cNvSpPr>
             <a:spLocks noGrp="1"/>
           </p:cNvSpPr>
@@ -2076,7 +5621,7 @@
       </p:sp>
       <p:sp>
         <p:nvSpPr>
-          <p:cNvPr id="4" name="スライド番号プレースホルダー 3"/>
+          <p:cNvPr id="4" name="Slide Number Placeholder 3"/>
           <p:cNvSpPr>
             <a:spLocks noGrp="1"/>
           </p:cNvSpPr>
@@ -2100,7 +5645,7 @@
     </p:spTree>
     <p:extLst>
       <p:ext uri="{BB962C8B-B14F-4D97-AF65-F5344CB8AC3E}">
-        <p14:creationId xmlns:p14="http://schemas.microsoft.com/office/powerpoint/2010/main" val="2857551698"/>
+        <p14:creationId xmlns:p14="http://schemas.microsoft.com/office/powerpoint/2010/main" val="3888200369"/>
       </p:ext>
     </p:extLst>
   </p:cSld>
@@ -2129,7 +5674,7 @@
       </p:grpSpPr>
       <p:sp>
         <p:nvSpPr>
-          <p:cNvPr id="2" name="タイトル 1"/>
+          <p:cNvPr id="2" name="Title 1"/>
           <p:cNvSpPr>
             <a:spLocks noGrp="1"/>
           </p:cNvSpPr>
@@ -2139,29 +5684,31 @@
         </p:nvSpPr>
         <p:spPr>
           <a:xfrm>
-            <a:off x="839788" y="457200"/>
-            <a:ext cx="3932237" cy="1600200"/>
+            <a:off x="841248" y="457200"/>
+            <a:ext cx="3931920" cy="1600197"/>
           </a:xfrm>
         </p:spPr>
         <p:txBody>
-          <a:bodyPr anchor="b"/>
+          <a:bodyPr anchor="b">
+            <a:normAutofit/>
+          </a:bodyPr>
           <a:lstStyle>
             <a:lvl1pPr>
-              <a:defRPr sz="3200"/>
+              <a:defRPr sz="3200" b="0"/>
             </a:lvl1pPr>
           </a:lstStyle>
           <a:p>
             <a:r>
-              <a:rPr kumimoji="1" lang="ja-JP" altLang="en-US" smtClean="0"/>
+              <a:rPr lang="ja-JP" altLang="en-US" smtClean="0"/>
               <a:t>マスター タイトルの書式設定</a:t>
             </a:r>
-            <a:endParaRPr kumimoji="1" lang="ja-JP" altLang="en-US"/>
-          </a:p>
-        </p:txBody>
-      </p:sp>
-      <p:sp>
-        <p:nvSpPr>
-          <p:cNvPr id="3" name="コンテンツ プレースホルダー 2"/>
+            <a:endParaRPr lang="en-US" dirty="0"/>
+          </a:p>
+        </p:txBody>
+      </p:sp>
+      <p:sp>
+        <p:nvSpPr>
+          <p:cNvPr id="3" name="Content Placeholder 2"/>
           <p:cNvSpPr>
             <a:spLocks noGrp="1"/>
           </p:cNvSpPr>
@@ -2171,8 +5718,8 @@
         </p:nvSpPr>
         <p:spPr>
           <a:xfrm>
-            <a:off x="5183188" y="987425"/>
-            <a:ext cx="6172200" cy="4873625"/>
+            <a:off x="5181600" y="990600"/>
+            <a:ext cx="6172200" cy="4876800"/>
           </a:xfrm>
         </p:spPr>
         <p:txBody>
@@ -2209,76 +5756,76 @@
           <a:p>
             <a:pPr lvl="0"/>
             <a:r>
-              <a:rPr kumimoji="1" lang="ja-JP" altLang="en-US" smtClean="0"/>
+              <a:rPr lang="ja-JP" altLang="en-US" smtClean="0"/>
               <a:t>マスター テキストの書式設定</a:t>
             </a:r>
           </a:p>
           <a:p>
             <a:pPr lvl="1"/>
             <a:r>
-              <a:rPr kumimoji="1" lang="ja-JP" altLang="en-US" smtClean="0"/>
+              <a:rPr lang="ja-JP" altLang="en-US" smtClean="0"/>
               <a:t>第 </a:t>
             </a:r>
             <a:r>
-              <a:rPr kumimoji="1" lang="en-US" altLang="ja-JP" smtClean="0"/>
+              <a:rPr lang="en-US" altLang="ja-JP" smtClean="0"/>
               <a:t>2 </a:t>
             </a:r>
             <a:r>
-              <a:rPr kumimoji="1" lang="ja-JP" altLang="en-US" smtClean="0"/>
+              <a:rPr lang="ja-JP" altLang="en-US" smtClean="0"/>
               <a:t>レベル</a:t>
             </a:r>
           </a:p>
           <a:p>
             <a:pPr lvl="2"/>
             <a:r>
-              <a:rPr kumimoji="1" lang="ja-JP" altLang="en-US" smtClean="0"/>
+              <a:rPr lang="ja-JP" altLang="en-US" smtClean="0"/>
               <a:t>第 </a:t>
             </a:r>
             <a:r>
-              <a:rPr kumimoji="1" lang="en-US" altLang="ja-JP" smtClean="0"/>
+              <a:rPr lang="en-US" altLang="ja-JP" smtClean="0"/>
               <a:t>3 </a:t>
             </a:r>
             <a:r>
-              <a:rPr kumimoji="1" lang="ja-JP" altLang="en-US" smtClean="0"/>
+              <a:rPr lang="ja-JP" altLang="en-US" smtClean="0"/>
               <a:t>レベル</a:t>
             </a:r>
           </a:p>
           <a:p>
             <a:pPr lvl="3"/>
             <a:r>
-              <a:rPr kumimoji="1" lang="ja-JP" altLang="en-US" smtClean="0"/>
+              <a:rPr lang="ja-JP" altLang="en-US" smtClean="0"/>
               <a:t>第 </a:t>
             </a:r>
             <a:r>
-              <a:rPr kumimoji="1" lang="en-US" altLang="ja-JP" smtClean="0"/>
+              <a:rPr lang="en-US" altLang="ja-JP" smtClean="0"/>
               <a:t>4 </a:t>
             </a:r>
             <a:r>
-              <a:rPr kumimoji="1" lang="ja-JP" altLang="en-US" smtClean="0"/>
+              <a:rPr lang="ja-JP" altLang="en-US" smtClean="0"/>
               <a:t>レベル</a:t>
             </a:r>
           </a:p>
           <a:p>
             <a:pPr lvl="4"/>
             <a:r>
-              <a:rPr kumimoji="1" lang="ja-JP" altLang="en-US" smtClean="0"/>
+              <a:rPr lang="ja-JP" altLang="en-US" smtClean="0"/>
               <a:t>第 </a:t>
             </a:r>
             <a:r>
-              <a:rPr kumimoji="1" lang="en-US" altLang="ja-JP" smtClean="0"/>
+              <a:rPr lang="en-US" altLang="ja-JP" smtClean="0"/>
               <a:t>5 </a:t>
             </a:r>
             <a:r>
-              <a:rPr kumimoji="1" lang="ja-JP" altLang="en-US" smtClean="0"/>
+              <a:rPr lang="ja-JP" altLang="en-US" smtClean="0"/>
               <a:t>レベル</a:t>
             </a:r>
-            <a:endParaRPr kumimoji="1" lang="ja-JP" altLang="en-US"/>
-          </a:p>
-        </p:txBody>
-      </p:sp>
-      <p:sp>
-        <p:nvSpPr>
-          <p:cNvPr id="4" name="テキスト プレースホルダー 3"/>
+            <a:endParaRPr lang="en-US" dirty="0"/>
+          </a:p>
+        </p:txBody>
+      </p:sp>
+      <p:sp>
+        <p:nvSpPr>
+          <p:cNvPr id="4" name="Text Placeholder 3"/>
           <p:cNvSpPr>
             <a:spLocks noGrp="1"/>
           </p:cNvSpPr>
@@ -2288,54 +5835,59 @@
         </p:nvSpPr>
         <p:spPr>
           <a:xfrm>
-            <a:off x="839788" y="2057400"/>
-            <a:ext cx="3932237" cy="3811588"/>
+            <a:off x="841248" y="2057399"/>
+            <a:ext cx="3931920" cy="3810001"/>
           </a:xfrm>
         </p:spPr>
         <p:txBody>
-          <a:bodyPr/>
+          <a:bodyPr>
+            <a:normAutofit/>
+          </a:bodyPr>
           <a:lstStyle>
             <a:lvl1pPr marL="0" indent="0">
+              <a:lnSpc>
+                <a:spcPct val="90000"/>
+              </a:lnSpc>
               <a:buNone/>
               <a:defRPr sz="1600"/>
             </a:lvl1pPr>
             <a:lvl2pPr marL="457200" indent="0">
               <a:buNone/>
-              <a:defRPr sz="1400"/>
+              <a:defRPr sz="1200"/>
             </a:lvl2pPr>
             <a:lvl3pPr marL="914400" indent="0">
               <a:buNone/>
-              <a:defRPr sz="1200"/>
+              <a:defRPr sz="1000"/>
             </a:lvl3pPr>
             <a:lvl4pPr marL="1371600" indent="0">
               <a:buNone/>
-              <a:defRPr sz="1000"/>
+              <a:defRPr sz="900"/>
             </a:lvl4pPr>
             <a:lvl5pPr marL="1828800" indent="0">
               <a:buNone/>
-              <a:defRPr sz="1000"/>
+              <a:defRPr sz="900"/>
             </a:lvl5pPr>
             <a:lvl6pPr marL="2286000" indent="0">
               <a:buNone/>
-              <a:defRPr sz="1000"/>
+              <a:defRPr sz="900"/>
             </a:lvl6pPr>
             <a:lvl7pPr marL="2743200" indent="0">
               <a:buNone/>
-              <a:defRPr sz="1000"/>
+              <a:defRPr sz="900"/>
             </a:lvl7pPr>
             <a:lvl8pPr marL="3200400" indent="0">
               <a:buNone/>
-              <a:defRPr sz="1000"/>
+              <a:defRPr sz="900"/>
             </a:lvl8pPr>
             <a:lvl9pPr marL="3657600" indent="0">
               <a:buNone/>
-              <a:defRPr sz="1000"/>
+              <a:defRPr sz="900"/>
             </a:lvl9pPr>
           </a:lstStyle>
           <a:p>
             <a:pPr lvl="0"/>
             <a:r>
-              <a:rPr kumimoji="1" lang="ja-JP" altLang="en-US" smtClean="0"/>
+              <a:rPr lang="ja-JP" altLang="en-US" smtClean="0"/>
               <a:t>マスター テキストの書式設定</a:t>
             </a:r>
           </a:p>
@@ -2343,7 +5895,7 @@
       </p:sp>
       <p:sp>
         <p:nvSpPr>
-          <p:cNvPr id="5" name="日付プレースホルダー 4"/>
+          <p:cNvPr id="5" name="Date Placeholder 4"/>
           <p:cNvSpPr>
             <a:spLocks noGrp="1"/>
           </p:cNvSpPr>
@@ -2358,7 +5910,7 @@
           <a:p>
             <a:fld id="{FA9DE7E7-D5D8-4B4A-B259-88D9E4E9B04F}" type="datetimeFigureOut">
               <a:rPr kumimoji="1" lang="ja-JP" altLang="en-US" smtClean="0"/>
-              <a:t>2018/10/2</a:t>
+              <a:t>2018/10/3</a:t>
             </a:fld>
             <a:endParaRPr kumimoji="1" lang="ja-JP" altLang="en-US"/>
           </a:p>
@@ -2366,7 +5918,7 @@
       </p:sp>
       <p:sp>
         <p:nvSpPr>
-          <p:cNvPr id="6" name="フッター プレースホルダー 5"/>
+          <p:cNvPr id="6" name="Footer Placeholder 5"/>
           <p:cNvSpPr>
             <a:spLocks noGrp="1"/>
           </p:cNvSpPr>
@@ -2385,7 +5937,7 @@
       </p:sp>
       <p:sp>
         <p:nvSpPr>
-          <p:cNvPr id="7" name="スライド番号プレースホルダー 6"/>
+          <p:cNvPr id="7" name="Slide Number Placeholder 6"/>
           <p:cNvSpPr>
             <a:spLocks noGrp="1"/>
           </p:cNvSpPr>
@@ -2409,7 +5961,7 @@
     </p:spTree>
     <p:extLst>
       <p:ext uri="{BB962C8B-B14F-4D97-AF65-F5344CB8AC3E}">
-        <p14:creationId xmlns:p14="http://schemas.microsoft.com/office/powerpoint/2010/main" val="269630444"/>
+        <p14:creationId xmlns:p14="http://schemas.microsoft.com/office/powerpoint/2010/main" val="2903082237"/>
       </p:ext>
     </p:extLst>
   </p:cSld>
@@ -2438,7 +5990,7 @@
       </p:grpSpPr>
       <p:sp>
         <p:nvSpPr>
-          <p:cNvPr id="2" name="タイトル 1"/>
+          <p:cNvPr id="2" name="Title 1"/>
           <p:cNvSpPr>
             <a:spLocks noGrp="1"/>
           </p:cNvSpPr>
@@ -2448,29 +6000,31 @@
         </p:nvSpPr>
         <p:spPr>
           <a:xfrm>
-            <a:off x="839788" y="457200"/>
-            <a:ext cx="3932237" cy="1600200"/>
+            <a:off x="841248" y="457200"/>
+            <a:ext cx="3931920" cy="1600200"/>
           </a:xfrm>
         </p:spPr>
         <p:txBody>
-          <a:bodyPr anchor="b"/>
+          <a:bodyPr anchor="b">
+            <a:normAutofit/>
+          </a:bodyPr>
           <a:lstStyle>
             <a:lvl1pPr>
-              <a:defRPr sz="3200"/>
+              <a:defRPr sz="3200" b="0"/>
             </a:lvl1pPr>
           </a:lstStyle>
           <a:p>
             <a:r>
-              <a:rPr kumimoji="1" lang="ja-JP" altLang="en-US" smtClean="0"/>
+              <a:rPr lang="ja-JP" altLang="en-US" smtClean="0"/>
               <a:t>マスター タイトルの書式設定</a:t>
             </a:r>
-            <a:endParaRPr kumimoji="1" lang="ja-JP" altLang="en-US"/>
-          </a:p>
-        </p:txBody>
-      </p:sp>
-      <p:sp>
-        <p:nvSpPr>
-          <p:cNvPr id="3" name="図プレースホルダー 2"/>
+            <a:endParaRPr lang="en-US" dirty="0"/>
+          </a:p>
+        </p:txBody>
+      </p:sp>
+      <p:sp>
+        <p:nvSpPr>
+          <p:cNvPr id="3" name="Picture Placeholder 2"/>
           <p:cNvSpPr>
             <a:spLocks noGrp="1"/>
           </p:cNvSpPr>
@@ -2480,8 +6034,8 @@
         </p:nvSpPr>
         <p:spPr>
           <a:xfrm>
-            <a:off x="5183188" y="987425"/>
-            <a:ext cx="6172200" cy="4873625"/>
+            <a:off x="5181600" y="990600"/>
+            <a:ext cx="6172200" cy="4876800"/>
           </a:xfrm>
         </p:spPr>
         <p:txBody>
@@ -2525,13 +6079,17 @@
             </a:lvl9pPr>
           </a:lstStyle>
           <a:p>
-            <a:endParaRPr kumimoji="1" lang="ja-JP" altLang="en-US"/>
-          </a:p>
-        </p:txBody>
-      </p:sp>
-      <p:sp>
-        <p:nvSpPr>
-          <p:cNvPr id="4" name="テキスト プレースホルダー 3"/>
+            <a:r>
+              <a:rPr lang="ja-JP" altLang="en-US" smtClean="0"/>
+              <a:t>図を追加</a:t>
+            </a:r>
+            <a:endParaRPr lang="en-US" dirty="0"/>
+          </a:p>
+        </p:txBody>
+      </p:sp>
+      <p:sp>
+        <p:nvSpPr>
+          <p:cNvPr id="4" name="Text Placeholder 3"/>
           <p:cNvSpPr>
             <a:spLocks noGrp="1"/>
           </p:cNvSpPr>
@@ -2541,54 +6099,59 @@
         </p:nvSpPr>
         <p:spPr>
           <a:xfrm>
-            <a:off x="839788" y="2057400"/>
-            <a:ext cx="3932237" cy="3811588"/>
+            <a:off x="841248" y="2057400"/>
+            <a:ext cx="3931920" cy="3810000"/>
           </a:xfrm>
         </p:spPr>
         <p:txBody>
-          <a:bodyPr/>
+          <a:bodyPr>
+            <a:normAutofit/>
+          </a:bodyPr>
           <a:lstStyle>
             <a:lvl1pPr marL="0" indent="0">
+              <a:lnSpc>
+                <a:spcPct val="90000"/>
+              </a:lnSpc>
               <a:buNone/>
               <a:defRPr sz="1600"/>
             </a:lvl1pPr>
             <a:lvl2pPr marL="457200" indent="0">
               <a:buNone/>
-              <a:defRPr sz="1400"/>
+              <a:defRPr sz="1200"/>
             </a:lvl2pPr>
             <a:lvl3pPr marL="914400" indent="0">
               <a:buNone/>
-              <a:defRPr sz="1200"/>
+              <a:defRPr sz="1000"/>
             </a:lvl3pPr>
             <a:lvl4pPr marL="1371600" indent="0">
               <a:buNone/>
-              <a:defRPr sz="1000"/>
+              <a:defRPr sz="900"/>
             </a:lvl4pPr>
             <a:lvl5pPr marL="1828800" indent="0">
               <a:buNone/>
-              <a:defRPr sz="1000"/>
+              <a:defRPr sz="900"/>
             </a:lvl5pPr>
             <a:lvl6pPr marL="2286000" indent="0">
               <a:buNone/>
-              <a:defRPr sz="1000"/>
+              <a:defRPr sz="900"/>
             </a:lvl6pPr>
             <a:lvl7pPr marL="2743200" indent="0">
               <a:buNone/>
-              <a:defRPr sz="1000"/>
+              <a:defRPr sz="900"/>
             </a:lvl7pPr>
             <a:lvl8pPr marL="3200400" indent="0">
               <a:buNone/>
-              <a:defRPr sz="1000"/>
+              <a:defRPr sz="900"/>
             </a:lvl8pPr>
             <a:lvl9pPr marL="3657600" indent="0">
               <a:buNone/>
-              <a:defRPr sz="1000"/>
+              <a:defRPr sz="900"/>
             </a:lvl9pPr>
           </a:lstStyle>
           <a:p>
             <a:pPr lvl="0"/>
             <a:r>
-              <a:rPr kumimoji="1" lang="ja-JP" altLang="en-US" smtClean="0"/>
+              <a:rPr lang="ja-JP" altLang="en-US" smtClean="0"/>
               <a:t>マスター テキストの書式設定</a:t>
             </a:r>
           </a:p>
@@ -2596,7 +6159,7 @@
       </p:sp>
       <p:sp>
         <p:nvSpPr>
-          <p:cNvPr id="5" name="日付プレースホルダー 4"/>
+          <p:cNvPr id="5" name="Date Placeholder 4"/>
           <p:cNvSpPr>
             <a:spLocks noGrp="1"/>
           </p:cNvSpPr>
@@ -2611,7 +6174,7 @@
           <a:p>
             <a:fld id="{FA9DE7E7-D5D8-4B4A-B259-88D9E4E9B04F}" type="datetimeFigureOut">
               <a:rPr kumimoji="1" lang="ja-JP" altLang="en-US" smtClean="0"/>
-              <a:t>2018/10/2</a:t>
+              <a:t>2018/10/3</a:t>
             </a:fld>
             <a:endParaRPr kumimoji="1" lang="ja-JP" altLang="en-US"/>
           </a:p>
@@ -2619,7 +6182,7 @@
       </p:sp>
       <p:sp>
         <p:nvSpPr>
-          <p:cNvPr id="6" name="フッター プレースホルダー 5"/>
+          <p:cNvPr id="6" name="Footer Placeholder 5"/>
           <p:cNvSpPr>
             <a:spLocks noGrp="1"/>
           </p:cNvSpPr>
@@ -2638,7 +6201,7 @@
       </p:sp>
       <p:sp>
         <p:nvSpPr>
-          <p:cNvPr id="7" name="スライド番号プレースホルダー 6"/>
+          <p:cNvPr id="7" name="Slide Number Placeholder 6"/>
           <p:cNvSpPr>
             <a:spLocks noGrp="1"/>
           </p:cNvSpPr>
@@ -2662,7 +6225,7 @@
     </p:spTree>
     <p:extLst>
       <p:ext uri="{BB962C8B-B14F-4D97-AF65-F5344CB8AC3E}">
-        <p14:creationId xmlns:p14="http://schemas.microsoft.com/office/powerpoint/2010/main" val="611368246"/>
+        <p14:creationId xmlns:p14="http://schemas.microsoft.com/office/powerpoint/2010/main" val="468486330"/>
       </p:ext>
     </p:extLst>
   </p:cSld>
@@ -2673,7 +6236,7 @@
 </file>
 
 <file path=ppt/slideMasters/slideMaster1.xml><?xml version="1.0" encoding="utf-8"?>
-<p:sldMaster xmlns:a="http://schemas.openxmlformats.org/drawingml/2006/main" xmlns:r="http://schemas.openxmlformats.org/officeDocument/2006/relationships" xmlns:p="http://schemas.openxmlformats.org/presentationml/2006/main">
+<p:sldMaster xmlns:a="http://schemas.openxmlformats.org/drawingml/2006/main" xmlns:r="http://schemas.openxmlformats.org/officeDocument/2006/relationships" xmlns:p="http://schemas.openxmlformats.org/presentationml/2006/main" preserve="1">
   <p:cSld>
     <p:bg>
       <p:bgRef idx="1001">
@@ -2696,7 +6259,7 @@
       </p:grpSpPr>
       <p:sp>
         <p:nvSpPr>
-          <p:cNvPr id="2" name="タイトル プレースホルダー 1"/>
+          <p:cNvPr id="2" name="Title Placeholder 1"/>
           <p:cNvSpPr>
             <a:spLocks noGrp="1"/>
           </p:cNvSpPr>
@@ -2706,8 +6269,8 @@
         </p:nvSpPr>
         <p:spPr>
           <a:xfrm>
-            <a:off x="838200" y="365125"/>
-            <a:ext cx="10515600" cy="1325563"/>
+            <a:off x="845127" y="365760"/>
+            <a:ext cx="10515600" cy="1325562"/>
           </a:xfrm>
           <a:prstGeom prst="rect">
             <a:avLst/>
@@ -2720,16 +6283,16 @@
           <a:lstStyle/>
           <a:p>
             <a:r>
-              <a:rPr kumimoji="1" lang="ja-JP" altLang="en-US" smtClean="0"/>
+              <a:rPr lang="ja-JP" altLang="en-US" smtClean="0"/>
               <a:t>マスター タイトルの書式設定</a:t>
             </a:r>
-            <a:endParaRPr kumimoji="1" lang="ja-JP" altLang="en-US"/>
-          </a:p>
-        </p:txBody>
-      </p:sp>
-      <p:sp>
-        <p:nvSpPr>
-          <p:cNvPr id="3" name="テキスト プレースホルダー 2"/>
+            <a:endParaRPr lang="en-US" dirty="0"/>
+          </a:p>
+        </p:txBody>
+      </p:sp>
+      <p:sp>
+        <p:nvSpPr>
+          <p:cNvPr id="3" name="Text Placeholder 2"/>
           <p:cNvSpPr>
             <a:spLocks noGrp="1"/>
           </p:cNvSpPr>
@@ -2739,8 +6302,8 @@
         </p:nvSpPr>
         <p:spPr>
           <a:xfrm>
-            <a:off x="838200" y="1825625"/>
-            <a:ext cx="10515600" cy="4351338"/>
+            <a:off x="845127" y="1828800"/>
+            <a:ext cx="10515600" cy="4351337"/>
           </a:xfrm>
           <a:prstGeom prst="rect">
             <a:avLst/>
@@ -2754,76 +6317,76 @@
           <a:p>
             <a:pPr lvl="0"/>
             <a:r>
-              <a:rPr kumimoji="1" lang="ja-JP" altLang="en-US" smtClean="0"/>
+              <a:rPr lang="ja-JP" altLang="en-US" smtClean="0"/>
               <a:t>マスター テキストの書式設定</a:t>
             </a:r>
           </a:p>
           <a:p>
             <a:pPr lvl="1"/>
             <a:r>
-              <a:rPr kumimoji="1" lang="ja-JP" altLang="en-US" smtClean="0"/>
+              <a:rPr lang="ja-JP" altLang="en-US" smtClean="0"/>
               <a:t>第 </a:t>
             </a:r>
             <a:r>
-              <a:rPr kumimoji="1" lang="en-US" altLang="ja-JP" smtClean="0"/>
+              <a:rPr lang="en-US" altLang="ja-JP" smtClean="0"/>
               <a:t>2 </a:t>
             </a:r>
             <a:r>
-              <a:rPr kumimoji="1" lang="ja-JP" altLang="en-US" smtClean="0"/>
+              <a:rPr lang="ja-JP" altLang="en-US" smtClean="0"/>
               <a:t>レベル</a:t>
             </a:r>
           </a:p>
           <a:p>
             <a:pPr lvl="2"/>
             <a:r>
-              <a:rPr kumimoji="1" lang="ja-JP" altLang="en-US" smtClean="0"/>
+              <a:rPr lang="ja-JP" altLang="en-US" smtClean="0"/>
               <a:t>第 </a:t>
             </a:r>
             <a:r>
-              <a:rPr kumimoji="1" lang="en-US" altLang="ja-JP" smtClean="0"/>
+              <a:rPr lang="en-US" altLang="ja-JP" smtClean="0"/>
               <a:t>3 </a:t>
             </a:r>
             <a:r>
-              <a:rPr kumimoji="1" lang="ja-JP" altLang="en-US" smtClean="0"/>
+              <a:rPr lang="ja-JP" altLang="en-US" smtClean="0"/>
               <a:t>レベル</a:t>
             </a:r>
           </a:p>
           <a:p>
             <a:pPr lvl="3"/>
             <a:r>
-              <a:rPr kumimoji="1" lang="ja-JP" altLang="en-US" smtClean="0"/>
+              <a:rPr lang="ja-JP" altLang="en-US" smtClean="0"/>
               <a:t>第 </a:t>
             </a:r>
             <a:r>
-              <a:rPr kumimoji="1" lang="en-US" altLang="ja-JP" smtClean="0"/>
+              <a:rPr lang="en-US" altLang="ja-JP" smtClean="0"/>
               <a:t>4 </a:t>
             </a:r>
             <a:r>
-              <a:rPr kumimoji="1" lang="ja-JP" altLang="en-US" smtClean="0"/>
+              <a:rPr lang="ja-JP" altLang="en-US" smtClean="0"/>
               <a:t>レベル</a:t>
             </a:r>
           </a:p>
           <a:p>
             <a:pPr lvl="4"/>
             <a:r>
-              <a:rPr kumimoji="1" lang="ja-JP" altLang="en-US" smtClean="0"/>
+              <a:rPr lang="ja-JP" altLang="en-US" smtClean="0"/>
               <a:t>第 </a:t>
             </a:r>
             <a:r>
-              <a:rPr kumimoji="1" lang="en-US" altLang="ja-JP" smtClean="0"/>
+              <a:rPr lang="en-US" altLang="ja-JP" smtClean="0"/>
               <a:t>5 </a:t>
             </a:r>
             <a:r>
-              <a:rPr kumimoji="1" lang="ja-JP" altLang="en-US" smtClean="0"/>
+              <a:rPr lang="ja-JP" altLang="en-US" smtClean="0"/>
               <a:t>レベル</a:t>
             </a:r>
-            <a:endParaRPr kumimoji="1" lang="ja-JP" altLang="en-US"/>
-          </a:p>
-        </p:txBody>
-      </p:sp>
-      <p:sp>
-        <p:nvSpPr>
-          <p:cNvPr id="4" name="日付プレースホルダー 3"/>
+            <a:endParaRPr lang="en-US" dirty="0"/>
+          </a:p>
+        </p:txBody>
+      </p:sp>
+      <p:sp>
+        <p:nvSpPr>
+          <p:cNvPr id="4" name="Date Placeholder 3"/>
           <p:cNvSpPr>
             <a:spLocks noGrp="1"/>
           </p:cNvSpPr>
@@ -2844,10 +6407,11 @@
           <a:bodyPr vert="horz" lIns="91440" tIns="45720" rIns="91440" bIns="45720" rtlCol="0" anchor="ctr"/>
           <a:lstStyle>
             <a:lvl1pPr algn="l">
-              <a:defRPr sz="1200">
+              <a:defRPr sz="1100">
                 <a:solidFill>
                   <a:schemeClr val="tx1">
-                    <a:tint val="75000"/>
+                    <a:lumMod val="65000"/>
+                    <a:lumOff val="35000"/>
                   </a:schemeClr>
                 </a:solidFill>
               </a:defRPr>
@@ -2856,7 +6420,7 @@
           <a:p>
             <a:fld id="{FA9DE7E7-D5D8-4B4A-B259-88D9E4E9B04F}" type="datetimeFigureOut">
               <a:rPr kumimoji="1" lang="ja-JP" altLang="en-US" smtClean="0"/>
-              <a:t>2018/10/2</a:t>
+              <a:t>2018/10/3</a:t>
             </a:fld>
             <a:endParaRPr kumimoji="1" lang="ja-JP" altLang="en-US"/>
           </a:p>
@@ -2864,7 +6428,7 @@
       </p:sp>
       <p:sp>
         <p:nvSpPr>
-          <p:cNvPr id="5" name="フッター プレースホルダー 4"/>
+          <p:cNvPr id="5" name="Footer Placeholder 4"/>
           <p:cNvSpPr>
             <a:spLocks noGrp="1"/>
           </p:cNvSpPr>
@@ -2885,7 +6449,45 @@
           <a:bodyPr vert="horz" lIns="91440" tIns="45720" rIns="91440" bIns="45720" rtlCol="0" anchor="ctr"/>
           <a:lstStyle>
             <a:lvl1pPr algn="ctr">
-              <a:defRPr sz="1200">
+              <a:defRPr sz="1100">
+                <a:solidFill>
+                  <a:schemeClr val="tx1">
+                    <a:lumMod val="65000"/>
+                    <a:lumOff val="35000"/>
+                  </a:schemeClr>
+                </a:solidFill>
+              </a:defRPr>
+            </a:lvl1pPr>
+          </a:lstStyle>
+          <a:p>
+            <a:endParaRPr kumimoji="1" lang="ja-JP" altLang="en-US"/>
+          </a:p>
+        </p:txBody>
+      </p:sp>
+      <p:sp>
+        <p:nvSpPr>
+          <p:cNvPr id="6" name="Slide Number Placeholder 5"/>
+          <p:cNvSpPr>
+            <a:spLocks noGrp="1"/>
+          </p:cNvSpPr>
+          <p:nvPr>
+            <p:ph type="sldNum" sz="quarter" idx="4"/>
+          </p:nvPr>
+        </p:nvSpPr>
+        <p:spPr>
+          <a:xfrm>
+            <a:off x="8617527" y="6356350"/>
+            <a:ext cx="2743200" cy="365125"/>
+          </a:xfrm>
+          <a:prstGeom prst="rect">
+            <a:avLst/>
+          </a:prstGeom>
+        </p:spPr>
+        <p:txBody>
+          <a:bodyPr vert="horz" lIns="91440" tIns="45720" rIns="91440" bIns="45720" rtlCol="0" anchor="ctr"/>
+          <a:lstStyle>
+            <a:lvl1pPr algn="r">
+              <a:defRPr sz="1100">
                 <a:solidFill>
                   <a:schemeClr val="tx1">
                     <a:tint val="75000"/>
@@ -2895,43 +6497,6 @@
             </a:lvl1pPr>
           </a:lstStyle>
           <a:p>
-            <a:endParaRPr kumimoji="1" lang="ja-JP" altLang="en-US"/>
-          </a:p>
-        </p:txBody>
-      </p:sp>
-      <p:sp>
-        <p:nvSpPr>
-          <p:cNvPr id="6" name="スライド番号プレースホルダー 5"/>
-          <p:cNvSpPr>
-            <a:spLocks noGrp="1"/>
-          </p:cNvSpPr>
-          <p:nvPr>
-            <p:ph type="sldNum" sz="quarter" idx="4"/>
-          </p:nvPr>
-        </p:nvSpPr>
-        <p:spPr>
-          <a:xfrm>
-            <a:off x="8610600" y="6356350"/>
-            <a:ext cx="2743200" cy="365125"/>
-          </a:xfrm>
-          <a:prstGeom prst="rect">
-            <a:avLst/>
-          </a:prstGeom>
-        </p:spPr>
-        <p:txBody>
-          <a:bodyPr vert="horz" lIns="91440" tIns="45720" rIns="91440" bIns="45720" rtlCol="0" anchor="ctr"/>
-          <a:lstStyle>
-            <a:lvl1pPr algn="r">
-              <a:defRPr sz="1200">
-                <a:solidFill>
-                  <a:schemeClr val="tx1">
-                    <a:tint val="75000"/>
-                  </a:schemeClr>
-                </a:solidFill>
-              </a:defRPr>
-            </a:lvl1pPr>
-          </a:lstStyle>
-          <a:p>
             <a:fld id="{C2A3745A-748D-49D6-B029-236E098C59CC}" type="slidenum">
               <a:rPr kumimoji="1" lang="ja-JP" altLang="en-US" smtClean="0"/>
               <a:t>‹#›</a:t>
@@ -2943,23 +6508,23 @@
     </p:spTree>
     <p:extLst>
       <p:ext uri="{BB962C8B-B14F-4D97-AF65-F5344CB8AC3E}">
-        <p14:creationId xmlns:p14="http://schemas.microsoft.com/office/powerpoint/2010/main" val="277608597"/>
+        <p14:creationId xmlns:p14="http://schemas.microsoft.com/office/powerpoint/2010/main" val="1111902523"/>
       </p:ext>
     </p:extLst>
   </p:cSld>
   <p:clrMap bg1="lt1" tx1="dk1" bg2="lt2" tx2="dk2" accent1="accent1" accent2="accent2" accent3="accent3" accent4="accent4" accent5="accent5" accent6="accent6" hlink="hlink" folHlink="folHlink"/>
   <p:sldLayoutIdLst>
-    <p:sldLayoutId id="2147483649" r:id="rId1"/>
-    <p:sldLayoutId id="2147483650" r:id="rId2"/>
-    <p:sldLayoutId id="2147483651" r:id="rId3"/>
-    <p:sldLayoutId id="2147483652" r:id="rId4"/>
-    <p:sldLayoutId id="2147483653" r:id="rId5"/>
-    <p:sldLayoutId id="2147483654" r:id="rId6"/>
-    <p:sldLayoutId id="2147483655" r:id="rId7"/>
-    <p:sldLayoutId id="2147483656" r:id="rId8"/>
-    <p:sldLayoutId id="2147483657" r:id="rId9"/>
-    <p:sldLayoutId id="2147483658" r:id="rId10"/>
-    <p:sldLayoutId id="2147483659" r:id="rId11"/>
+    <p:sldLayoutId id="2147483661" r:id="rId1"/>
+    <p:sldLayoutId id="2147483662" r:id="rId2"/>
+    <p:sldLayoutId id="2147483663" r:id="rId3"/>
+    <p:sldLayoutId id="2147483664" r:id="rId4"/>
+    <p:sldLayoutId id="2147483665" r:id="rId5"/>
+    <p:sldLayoutId id="2147483666" r:id="rId6"/>
+    <p:sldLayoutId id="2147483667" r:id="rId7"/>
+    <p:sldLayoutId id="2147483668" r:id="rId8"/>
+    <p:sldLayoutId id="2147483669" r:id="rId9"/>
+    <p:sldLayoutId id="2147483670" r:id="rId10"/>
+    <p:sldLayoutId id="2147483671" r:id="rId11"/>
   </p:sldLayoutIdLst>
   <p:txStyles>
     <p:titleStyle>
@@ -2989,8 +6554,8 @@
         <a:spcBef>
           <a:spcPts val="1000"/>
         </a:spcBef>
-        <a:buFont typeface="Arial" panose="020B0604020202020204" pitchFamily="34" charset="0"/>
-        <a:buChar char="•"/>
+        <a:buFont typeface="Wingdings 2" pitchFamily="18" charset="2"/>
+        <a:buChar char=""/>
         <a:defRPr kumimoji="1" sz="2800" kern="1200">
           <a:solidFill>
             <a:schemeClr val="tx1"/>
@@ -3007,8 +6572,8 @@
         <a:spcBef>
           <a:spcPts val="500"/>
         </a:spcBef>
-        <a:buFont typeface="Arial" panose="020B0604020202020204" pitchFamily="34" charset="0"/>
-        <a:buChar char="•"/>
+        <a:buFont typeface="Wingdings 2" pitchFamily="18" charset="2"/>
+        <a:buChar char=""/>
         <a:defRPr kumimoji="1" sz="2400" kern="1200">
           <a:solidFill>
             <a:schemeClr val="tx1"/>
@@ -3025,8 +6590,8 @@
         <a:spcBef>
           <a:spcPts val="500"/>
         </a:spcBef>
-        <a:buFont typeface="Arial" panose="020B0604020202020204" pitchFamily="34" charset="0"/>
-        <a:buChar char="•"/>
+        <a:buFont typeface="Wingdings 2" pitchFamily="18" charset="2"/>
+        <a:buChar char=""/>
         <a:defRPr kumimoji="1" sz="2000" kern="1200">
           <a:solidFill>
             <a:schemeClr val="tx1"/>
@@ -3043,8 +6608,8 @@
         <a:spcBef>
           <a:spcPts val="500"/>
         </a:spcBef>
-        <a:buFont typeface="Arial" panose="020B0604020202020204" pitchFamily="34" charset="0"/>
-        <a:buChar char="•"/>
+        <a:buFont typeface="Wingdings 2" pitchFamily="18" charset="2"/>
+        <a:buChar char=""/>
         <a:defRPr kumimoji="1" sz="1800" kern="1200">
           <a:solidFill>
             <a:schemeClr val="tx1"/>
@@ -3061,8 +6626,8 @@
         <a:spcBef>
           <a:spcPts val="500"/>
         </a:spcBef>
-        <a:buFont typeface="Arial" panose="020B0604020202020204" pitchFamily="34" charset="0"/>
-        <a:buChar char="•"/>
+        <a:buFont typeface="Wingdings 2" pitchFamily="18" charset="2"/>
+        <a:buChar char=""/>
         <a:defRPr kumimoji="1" sz="1800" kern="1200">
           <a:solidFill>
             <a:schemeClr val="tx1"/>
@@ -3073,14 +6638,11 @@
         </a:defRPr>
       </a:lvl5pPr>
       <a:lvl6pPr marL="2514600" indent="-228600" algn="l" defTabSz="914400" rtl="0" eaLnBrk="1" latinLnBrk="0" hangingPunct="1">
-        <a:lnSpc>
-          <a:spcPct val="90000"/>
-        </a:lnSpc>
         <a:spcBef>
-          <a:spcPts val="500"/>
+          <a:spcPct val="20000"/>
         </a:spcBef>
-        <a:buFont typeface="Arial" panose="020B0604020202020204" pitchFamily="34" charset="0"/>
-        <a:buChar char="•"/>
+        <a:buFont typeface="Wingdings 2" pitchFamily="18" charset="2"/>
+        <a:buChar char=""/>
         <a:defRPr kumimoji="1" sz="1800" kern="1200">
           <a:solidFill>
             <a:schemeClr val="tx1"/>
@@ -3091,14 +6653,11 @@
         </a:defRPr>
       </a:lvl6pPr>
       <a:lvl7pPr marL="2971800" indent="-228600" algn="l" defTabSz="914400" rtl="0" eaLnBrk="1" latinLnBrk="0" hangingPunct="1">
-        <a:lnSpc>
-          <a:spcPct val="90000"/>
-        </a:lnSpc>
         <a:spcBef>
-          <a:spcPts val="500"/>
+          <a:spcPct val="20000"/>
         </a:spcBef>
-        <a:buFont typeface="Arial" panose="020B0604020202020204" pitchFamily="34" charset="0"/>
-        <a:buChar char="•"/>
+        <a:buFont typeface="Wingdings 2" pitchFamily="18" charset="2"/>
+        <a:buChar char=""/>
         <a:defRPr kumimoji="1" sz="1800" kern="1200">
           <a:solidFill>
             <a:schemeClr val="tx1"/>
@@ -3109,14 +6668,11 @@
         </a:defRPr>
       </a:lvl7pPr>
       <a:lvl8pPr marL="3429000" indent="-228600" algn="l" defTabSz="914400" rtl="0" eaLnBrk="1" latinLnBrk="0" hangingPunct="1">
-        <a:lnSpc>
-          <a:spcPct val="90000"/>
-        </a:lnSpc>
         <a:spcBef>
-          <a:spcPts val="500"/>
+          <a:spcPct val="20000"/>
         </a:spcBef>
-        <a:buFont typeface="Arial" panose="020B0604020202020204" pitchFamily="34" charset="0"/>
-        <a:buChar char="•"/>
+        <a:buFont typeface="Wingdings 2" pitchFamily="18" charset="2"/>
+        <a:buChar char=""/>
         <a:defRPr kumimoji="1" sz="1800" kern="1200">
           <a:solidFill>
             <a:schemeClr val="tx1"/>
@@ -3127,14 +6683,11 @@
         </a:defRPr>
       </a:lvl8pPr>
       <a:lvl9pPr marL="3886200" indent="-228600" algn="l" defTabSz="914400" rtl="0" eaLnBrk="1" latinLnBrk="0" hangingPunct="1">
-        <a:lnSpc>
-          <a:spcPct val="90000"/>
-        </a:lnSpc>
         <a:spcBef>
-          <a:spcPts val="500"/>
+          <a:spcPct val="20000"/>
         </a:spcBef>
-        <a:buFont typeface="Arial" panose="020B0604020202020204" pitchFamily="34" charset="0"/>
-        <a:buChar char="•"/>
+        <a:buFont typeface="Wingdings 2" pitchFamily="18" charset="2"/>
+        <a:buChar char=""/>
         <a:defRPr kumimoji="1" sz="1800" kern="1200">
           <a:solidFill>
             <a:schemeClr val="tx1"/>
@@ -3147,7 +6700,773 @@
     </p:bodyStyle>
     <p:otherStyle>
       <a:defPPr>
-        <a:defRPr lang="ja-JP"/>
+        <a:defRPr lang="en-US"/>
+      </a:defPPr>
+      <a:lvl1pPr marL="0" algn="l" defTabSz="914400" rtl="0" eaLnBrk="1" latinLnBrk="0" hangingPunct="1">
+        <a:defRPr kumimoji="1" sz="1800" kern="1200">
+          <a:solidFill>
+            <a:schemeClr val="tx1"/>
+          </a:solidFill>
+          <a:latin typeface="+mn-lt"/>
+          <a:ea typeface="+mn-ea"/>
+          <a:cs typeface="+mn-cs"/>
+        </a:defRPr>
+      </a:lvl1pPr>
+      <a:lvl2pPr marL="457200" algn="l" defTabSz="914400" rtl="0" eaLnBrk="1" latinLnBrk="0" hangingPunct="1">
+        <a:defRPr kumimoji="1" sz="1800" kern="1200">
+          <a:solidFill>
+            <a:schemeClr val="tx1"/>
+          </a:solidFill>
+          <a:latin typeface="+mn-lt"/>
+          <a:ea typeface="+mn-ea"/>
+          <a:cs typeface="+mn-cs"/>
+        </a:defRPr>
+      </a:lvl2pPr>
+      <a:lvl3pPr marL="914400" algn="l" defTabSz="914400" rtl="0" eaLnBrk="1" latinLnBrk="0" hangingPunct="1">
+        <a:defRPr kumimoji="1" sz="1800" kern="1200">
+          <a:solidFill>
+            <a:schemeClr val="tx1"/>
+          </a:solidFill>
+          <a:latin typeface="+mn-lt"/>
+          <a:ea typeface="+mn-ea"/>
+          <a:cs typeface="+mn-cs"/>
+        </a:defRPr>
+      </a:lvl3pPr>
+      <a:lvl4pPr marL="1371600" algn="l" defTabSz="914400" rtl="0" eaLnBrk="1" latinLnBrk="0" hangingPunct="1">
+        <a:defRPr kumimoji="1" sz="1800" kern="1200">
+          <a:solidFill>
+            <a:schemeClr val="tx1"/>
+          </a:solidFill>
+          <a:latin typeface="+mn-lt"/>
+          <a:ea typeface="+mn-ea"/>
+          <a:cs typeface="+mn-cs"/>
+        </a:defRPr>
+      </a:lvl4pPr>
+      <a:lvl5pPr marL="1828800" algn="l" defTabSz="914400" rtl="0" eaLnBrk="1" latinLnBrk="0" hangingPunct="1">
+        <a:defRPr kumimoji="1" sz="1800" kern="1200">
+          <a:solidFill>
+            <a:schemeClr val="tx1"/>
+          </a:solidFill>
+          <a:latin typeface="+mn-lt"/>
+          <a:ea typeface="+mn-ea"/>
+          <a:cs typeface="+mn-cs"/>
+        </a:defRPr>
+      </a:lvl5pPr>
+      <a:lvl6pPr marL="2286000" algn="l" defTabSz="914400" rtl="0" eaLnBrk="1" latinLnBrk="0" hangingPunct="1">
+        <a:defRPr kumimoji="1" sz="1800" kern="1200">
+          <a:solidFill>
+            <a:schemeClr val="tx1"/>
+          </a:solidFill>
+          <a:latin typeface="+mn-lt"/>
+          <a:ea typeface="+mn-ea"/>
+          <a:cs typeface="+mn-cs"/>
+        </a:defRPr>
+      </a:lvl6pPr>
+      <a:lvl7pPr marL="2743200" algn="l" defTabSz="914400" rtl="0" eaLnBrk="1" latinLnBrk="0" hangingPunct="1">
+        <a:defRPr kumimoji="1" sz="1800" kern="1200">
+          <a:solidFill>
+            <a:schemeClr val="tx1"/>
+          </a:solidFill>
+          <a:latin typeface="+mn-lt"/>
+          <a:ea typeface="+mn-ea"/>
+          <a:cs typeface="+mn-cs"/>
+        </a:defRPr>
+      </a:lvl7pPr>
+      <a:lvl8pPr marL="3200400" algn="l" defTabSz="914400" rtl="0" eaLnBrk="1" latinLnBrk="0" hangingPunct="1">
+        <a:defRPr kumimoji="1" sz="1800" kern="1200">
+          <a:solidFill>
+            <a:schemeClr val="tx1"/>
+          </a:solidFill>
+          <a:latin typeface="+mn-lt"/>
+          <a:ea typeface="+mn-ea"/>
+          <a:cs typeface="+mn-cs"/>
+        </a:defRPr>
+      </a:lvl8pPr>
+      <a:lvl9pPr marL="3657600" algn="l" defTabSz="914400" rtl="0" eaLnBrk="1" latinLnBrk="0" hangingPunct="1">
+        <a:defRPr kumimoji="1" sz="1800" kern="1200">
+          <a:solidFill>
+            <a:schemeClr val="tx1"/>
+          </a:solidFill>
+          <a:latin typeface="+mn-lt"/>
+          <a:ea typeface="+mn-ea"/>
+          <a:cs typeface="+mn-cs"/>
+        </a:defRPr>
+      </a:lvl9pPr>
+    </p:otherStyle>
+  </p:txStyles>
+</p:sldMaster>
+</file>
+
+<file path=ppt/slideMasters/slideMaster2.xml><?xml version="1.0" encoding="utf-8"?>
+<p:sldMaster xmlns:a="http://schemas.openxmlformats.org/drawingml/2006/main" xmlns:r="http://schemas.openxmlformats.org/officeDocument/2006/relationships" xmlns:p="http://schemas.openxmlformats.org/presentationml/2006/main">
+  <p:cSld>
+    <p:bg>
+      <p:bgRef idx="1001">
+        <a:schemeClr val="bg1"/>
+      </p:bgRef>
+    </p:bg>
+    <p:spTree>
+      <p:nvGrpSpPr>
+        <p:cNvPr id="1" name=""/>
+        <p:cNvGrpSpPr/>
+        <p:nvPr/>
+      </p:nvGrpSpPr>
+      <p:grpSpPr>
+        <a:xfrm>
+          <a:off x="0" y="0"/>
+          <a:ext cx="0" cy="0"/>
+          <a:chOff x="0" y="0"/>
+          <a:chExt cx="0" cy="0"/>
+        </a:xfrm>
+      </p:grpSpPr>
+      <p:sp>
+        <p:nvSpPr>
+          <p:cNvPr id="7" name="Rectangle 6"/>
+          <p:cNvSpPr/>
+          <p:nvPr/>
+        </p:nvSpPr>
+        <p:spPr>
+          <a:xfrm>
+            <a:off x="1" y="6400800"/>
+            <a:ext cx="12192000" cy="457200"/>
+          </a:xfrm>
+          <a:prstGeom prst="rect">
+            <a:avLst/>
+          </a:prstGeom>
+          <a:solidFill>
+            <a:schemeClr val="accent2"/>
+          </a:solidFill>
+          <a:ln>
+            <a:noFill/>
+          </a:ln>
+        </p:spPr>
+        <p:style>
+          <a:lnRef idx="2">
+            <a:schemeClr val="accent1">
+              <a:shade val="50000"/>
+            </a:schemeClr>
+          </a:lnRef>
+          <a:fillRef idx="1">
+            <a:schemeClr val="accent1"/>
+          </a:fillRef>
+          <a:effectRef idx="0">
+            <a:schemeClr val="accent1"/>
+          </a:effectRef>
+          <a:fontRef idx="minor">
+            <a:schemeClr val="lt1"/>
+          </a:fontRef>
+        </p:style>
+      </p:sp>
+      <p:sp>
+        <p:nvSpPr>
+          <p:cNvPr id="9" name="Rectangle 8"/>
+          <p:cNvSpPr/>
+          <p:nvPr/>
+        </p:nvSpPr>
+        <p:spPr>
+          <a:xfrm>
+            <a:off x="15" y="6334316"/>
+            <a:ext cx="12191985" cy="66484"/>
+          </a:xfrm>
+          <a:prstGeom prst="rect">
+            <a:avLst/>
+          </a:prstGeom>
+          <a:solidFill>
+            <a:schemeClr val="accent1"/>
+          </a:solidFill>
+          <a:ln>
+            <a:noFill/>
+          </a:ln>
+        </p:spPr>
+        <p:style>
+          <a:lnRef idx="2">
+            <a:schemeClr val="accent1">
+              <a:shade val="50000"/>
+            </a:schemeClr>
+          </a:lnRef>
+          <a:fillRef idx="1">
+            <a:schemeClr val="accent1"/>
+          </a:fillRef>
+          <a:effectRef idx="0">
+            <a:schemeClr val="accent1"/>
+          </a:effectRef>
+          <a:fontRef idx="minor">
+            <a:schemeClr val="lt1"/>
+          </a:fontRef>
+        </p:style>
+      </p:sp>
+      <p:sp>
+        <p:nvSpPr>
+          <p:cNvPr id="2" name="Title Placeholder 1"/>
+          <p:cNvSpPr>
+            <a:spLocks noGrp="1"/>
+          </p:cNvSpPr>
+          <p:nvPr>
+            <p:ph type="title"/>
+          </p:nvPr>
+        </p:nvSpPr>
+        <p:spPr>
+          <a:xfrm>
+            <a:off x="1097280" y="286603"/>
+            <a:ext cx="10058400" cy="1450757"/>
+          </a:xfrm>
+          <a:prstGeom prst="rect">
+            <a:avLst/>
+          </a:prstGeom>
+        </p:spPr>
+        <p:txBody>
+          <a:bodyPr vert="horz" lIns="91440" tIns="45720" rIns="91440" bIns="45720" rtlCol="0" anchor="b">
+            <a:normAutofit/>
+          </a:bodyPr>
+          <a:lstStyle/>
+          <a:p>
+            <a:r>
+              <a:rPr lang="ja-JP" altLang="en-US" smtClean="0"/>
+              <a:t>マスター タイトルの書式設定</a:t>
+            </a:r>
+            <a:endParaRPr lang="en-US" dirty="0"/>
+          </a:p>
+        </p:txBody>
+      </p:sp>
+      <p:sp>
+        <p:nvSpPr>
+          <p:cNvPr id="3" name="Text Placeholder 2"/>
+          <p:cNvSpPr>
+            <a:spLocks noGrp="1"/>
+          </p:cNvSpPr>
+          <p:nvPr>
+            <p:ph type="body" idx="1"/>
+          </p:nvPr>
+        </p:nvSpPr>
+        <p:spPr>
+          <a:xfrm>
+            <a:off x="1097280" y="1845734"/>
+            <a:ext cx="10058400" cy="4023360"/>
+          </a:xfrm>
+          <a:prstGeom prst="rect">
+            <a:avLst/>
+          </a:prstGeom>
+        </p:spPr>
+        <p:txBody>
+          <a:bodyPr vert="horz" lIns="0" tIns="45720" rIns="0" bIns="45720" rtlCol="0">
+            <a:normAutofit/>
+          </a:bodyPr>
+          <a:lstStyle/>
+          <a:p>
+            <a:pPr lvl="0"/>
+            <a:r>
+              <a:rPr lang="ja-JP" altLang="en-US" smtClean="0"/>
+              <a:t>マスター テキストの書式設定</a:t>
+            </a:r>
+          </a:p>
+          <a:p>
+            <a:pPr lvl="1"/>
+            <a:r>
+              <a:rPr lang="ja-JP" altLang="en-US" smtClean="0"/>
+              <a:t>第 </a:t>
+            </a:r>
+            <a:r>
+              <a:rPr lang="en-US" altLang="ja-JP" smtClean="0"/>
+              <a:t>2 </a:t>
+            </a:r>
+            <a:r>
+              <a:rPr lang="ja-JP" altLang="en-US" smtClean="0"/>
+              <a:t>レベル</a:t>
+            </a:r>
+          </a:p>
+          <a:p>
+            <a:pPr lvl="2"/>
+            <a:r>
+              <a:rPr lang="ja-JP" altLang="en-US" smtClean="0"/>
+              <a:t>第 </a:t>
+            </a:r>
+            <a:r>
+              <a:rPr lang="en-US" altLang="ja-JP" smtClean="0"/>
+              <a:t>3 </a:t>
+            </a:r>
+            <a:r>
+              <a:rPr lang="ja-JP" altLang="en-US" smtClean="0"/>
+              <a:t>レベル</a:t>
+            </a:r>
+          </a:p>
+          <a:p>
+            <a:pPr lvl="3"/>
+            <a:r>
+              <a:rPr lang="ja-JP" altLang="en-US" smtClean="0"/>
+              <a:t>第 </a:t>
+            </a:r>
+            <a:r>
+              <a:rPr lang="en-US" altLang="ja-JP" smtClean="0"/>
+              <a:t>4 </a:t>
+            </a:r>
+            <a:r>
+              <a:rPr lang="ja-JP" altLang="en-US" smtClean="0"/>
+              <a:t>レベル</a:t>
+            </a:r>
+          </a:p>
+          <a:p>
+            <a:pPr lvl="4"/>
+            <a:r>
+              <a:rPr lang="ja-JP" altLang="en-US" smtClean="0"/>
+              <a:t>第 </a:t>
+            </a:r>
+            <a:r>
+              <a:rPr lang="en-US" altLang="ja-JP" smtClean="0"/>
+              <a:t>5 </a:t>
+            </a:r>
+            <a:r>
+              <a:rPr lang="ja-JP" altLang="en-US" smtClean="0"/>
+              <a:t>レベル</a:t>
+            </a:r>
+            <a:endParaRPr lang="en-US" dirty="0"/>
+          </a:p>
+        </p:txBody>
+      </p:sp>
+      <p:sp>
+        <p:nvSpPr>
+          <p:cNvPr id="4" name="Date Placeholder 3"/>
+          <p:cNvSpPr>
+            <a:spLocks noGrp="1"/>
+          </p:cNvSpPr>
+          <p:nvPr>
+            <p:ph type="dt" sz="half" idx="2"/>
+          </p:nvPr>
+        </p:nvSpPr>
+        <p:spPr>
+          <a:xfrm>
+            <a:off x="1097280" y="6459785"/>
+            <a:ext cx="2472271" cy="365125"/>
+          </a:xfrm>
+          <a:prstGeom prst="rect">
+            <a:avLst/>
+          </a:prstGeom>
+        </p:spPr>
+        <p:txBody>
+          <a:bodyPr vert="horz" lIns="91440" tIns="45720" rIns="91440" bIns="45720" rtlCol="0" anchor="ctr"/>
+          <a:lstStyle>
+            <a:lvl1pPr algn="l">
+              <a:defRPr sz="900">
+                <a:solidFill>
+                  <a:srgbClr val="FFFFFF"/>
+                </a:solidFill>
+              </a:defRPr>
+            </a:lvl1pPr>
+          </a:lstStyle>
+          <a:p>
+            <a:fld id="{FA9DE7E7-D5D8-4B4A-B259-88D9E4E9B04F}" type="datetimeFigureOut">
+              <a:rPr kumimoji="1" lang="ja-JP" altLang="en-US" smtClean="0"/>
+              <a:t>2018/10/3</a:t>
+            </a:fld>
+            <a:endParaRPr kumimoji="1" lang="ja-JP" altLang="en-US"/>
+          </a:p>
+        </p:txBody>
+      </p:sp>
+      <p:sp>
+        <p:nvSpPr>
+          <p:cNvPr id="5" name="Footer Placeholder 4"/>
+          <p:cNvSpPr>
+            <a:spLocks noGrp="1"/>
+          </p:cNvSpPr>
+          <p:nvPr>
+            <p:ph type="ftr" sz="quarter" idx="3"/>
+          </p:nvPr>
+        </p:nvSpPr>
+        <p:spPr>
+          <a:xfrm>
+            <a:off x="3686185" y="6459785"/>
+            <a:ext cx="4822804" cy="365125"/>
+          </a:xfrm>
+          <a:prstGeom prst="rect">
+            <a:avLst/>
+          </a:prstGeom>
+        </p:spPr>
+        <p:txBody>
+          <a:bodyPr vert="horz" lIns="91440" tIns="45720" rIns="91440" bIns="45720" rtlCol="0" anchor="ctr"/>
+          <a:lstStyle>
+            <a:lvl1pPr algn="ctr">
+              <a:defRPr sz="900" cap="all" baseline="0">
+                <a:solidFill>
+                  <a:srgbClr val="FFFFFF"/>
+                </a:solidFill>
+              </a:defRPr>
+            </a:lvl1pPr>
+          </a:lstStyle>
+          <a:p>
+            <a:endParaRPr kumimoji="1" lang="ja-JP" altLang="en-US"/>
+          </a:p>
+        </p:txBody>
+      </p:sp>
+      <p:sp>
+        <p:nvSpPr>
+          <p:cNvPr id="6" name="Slide Number Placeholder 5"/>
+          <p:cNvSpPr>
+            <a:spLocks noGrp="1"/>
+          </p:cNvSpPr>
+          <p:nvPr>
+            <p:ph type="sldNum" sz="quarter" idx="4"/>
+          </p:nvPr>
+        </p:nvSpPr>
+        <p:spPr>
+          <a:xfrm>
+            <a:off x="9900458" y="6459785"/>
+            <a:ext cx="1312025" cy="365125"/>
+          </a:xfrm>
+          <a:prstGeom prst="rect">
+            <a:avLst/>
+          </a:prstGeom>
+        </p:spPr>
+        <p:txBody>
+          <a:bodyPr vert="horz" lIns="91440" tIns="45720" rIns="91440" bIns="45720" rtlCol="0" anchor="ctr"/>
+          <a:lstStyle>
+            <a:lvl1pPr algn="r">
+              <a:defRPr sz="1050">
+                <a:solidFill>
+                  <a:srgbClr val="FFFFFF"/>
+                </a:solidFill>
+              </a:defRPr>
+            </a:lvl1pPr>
+          </a:lstStyle>
+          <a:p>
+            <a:fld id="{C2A3745A-748D-49D6-B029-236E098C59CC}" type="slidenum">
+              <a:rPr kumimoji="1" lang="ja-JP" altLang="en-US" smtClean="0"/>
+              <a:t>‹#›</a:t>
+            </a:fld>
+            <a:endParaRPr kumimoji="1" lang="ja-JP" altLang="en-US"/>
+          </a:p>
+        </p:txBody>
+      </p:sp>
+      <p:cxnSp>
+        <p:nvCxnSpPr>
+          <p:cNvPr id="10" name="Straight Connector 9"/>
+          <p:cNvCxnSpPr/>
+          <p:nvPr/>
+        </p:nvCxnSpPr>
+        <p:spPr>
+          <a:xfrm>
+            <a:off x="1193532" y="1737845"/>
+            <a:ext cx="9966960" cy="0"/>
+          </a:xfrm>
+          <a:prstGeom prst="line">
+            <a:avLst/>
+          </a:prstGeom>
+          <a:ln w="6350">
+            <a:solidFill>
+              <a:schemeClr val="tx1">
+                <a:lumMod val="50000"/>
+                <a:lumOff val="50000"/>
+              </a:schemeClr>
+            </a:solidFill>
+          </a:ln>
+        </p:spPr>
+        <p:style>
+          <a:lnRef idx="1">
+            <a:schemeClr val="accent1"/>
+          </a:lnRef>
+          <a:fillRef idx="0">
+            <a:schemeClr val="accent1"/>
+          </a:fillRef>
+          <a:effectRef idx="0">
+            <a:schemeClr val="accent1"/>
+          </a:effectRef>
+          <a:fontRef idx="minor">
+            <a:schemeClr val="tx1"/>
+          </a:fontRef>
+        </p:style>
+      </p:cxnSp>
+    </p:spTree>
+    <p:extLst>
+      <p:ext uri="{BB962C8B-B14F-4D97-AF65-F5344CB8AC3E}">
+        <p14:creationId xmlns:p14="http://schemas.microsoft.com/office/powerpoint/2010/main" val="667556429"/>
+      </p:ext>
+    </p:extLst>
+  </p:cSld>
+  <p:clrMap bg1="lt1" tx1="dk1" bg2="lt2" tx2="dk2" accent1="accent1" accent2="accent2" accent3="accent3" accent4="accent4" accent5="accent5" accent6="accent6" hlink="hlink" folHlink="folHlink"/>
+  <p:sldLayoutIdLst>
+    <p:sldLayoutId id="2147483715" r:id="rId1"/>
+    <p:sldLayoutId id="2147483716" r:id="rId2"/>
+    <p:sldLayoutId id="2147483726" r:id="rId3"/>
+    <p:sldLayoutId id="2147483717" r:id="rId4"/>
+    <p:sldLayoutId id="2147483718" r:id="rId5"/>
+    <p:sldLayoutId id="2147483719" r:id="rId6"/>
+    <p:sldLayoutId id="2147483720" r:id="rId7"/>
+    <p:sldLayoutId id="2147483721" r:id="rId8"/>
+    <p:sldLayoutId id="2147483722" r:id="rId9"/>
+    <p:sldLayoutId id="2147483723" r:id="rId10"/>
+    <p:sldLayoutId id="2147483724" r:id="rId11"/>
+    <p:sldLayoutId id="2147483725" r:id="rId12"/>
+  </p:sldLayoutIdLst>
+  <p:txStyles>
+    <p:titleStyle>
+      <a:lvl1pPr algn="l" defTabSz="914400" rtl="0" eaLnBrk="1" latinLnBrk="0" hangingPunct="1">
+        <a:lnSpc>
+          <a:spcPct val="85000"/>
+        </a:lnSpc>
+        <a:spcBef>
+          <a:spcPct val="0"/>
+        </a:spcBef>
+        <a:buNone/>
+        <a:defRPr kumimoji="1" sz="4800" kern="1200" spc="-50" baseline="0">
+          <a:solidFill>
+            <a:schemeClr val="tx1">
+              <a:lumMod val="75000"/>
+              <a:lumOff val="25000"/>
+            </a:schemeClr>
+          </a:solidFill>
+          <a:latin typeface="+mj-lt"/>
+          <a:ea typeface="+mj-ea"/>
+          <a:cs typeface="+mj-cs"/>
+        </a:defRPr>
+      </a:lvl1pPr>
+    </p:titleStyle>
+    <p:bodyStyle>
+      <a:lvl1pPr marL="91440" indent="-91440" algn="l" defTabSz="914400" rtl="0" eaLnBrk="1" latinLnBrk="0" hangingPunct="1">
+        <a:lnSpc>
+          <a:spcPct val="90000"/>
+        </a:lnSpc>
+        <a:spcBef>
+          <a:spcPts val="1200"/>
+        </a:spcBef>
+        <a:spcAft>
+          <a:spcPts val="200"/>
+        </a:spcAft>
+        <a:buClr>
+          <a:schemeClr val="accent1"/>
+        </a:buClr>
+        <a:buSzPct val="100000"/>
+        <a:buFont typeface="Calibri" panose="020F0502020204030204" pitchFamily="34" charset="0"/>
+        <a:buChar char=" "/>
+        <a:defRPr kumimoji="1" sz="2000" kern="1200">
+          <a:solidFill>
+            <a:schemeClr val="tx1">
+              <a:lumMod val="75000"/>
+              <a:lumOff val="25000"/>
+            </a:schemeClr>
+          </a:solidFill>
+          <a:latin typeface="+mn-lt"/>
+          <a:ea typeface="+mn-ea"/>
+          <a:cs typeface="+mn-cs"/>
+        </a:defRPr>
+      </a:lvl1pPr>
+      <a:lvl2pPr marL="384048" indent="-182880" algn="l" defTabSz="914400" rtl="0" eaLnBrk="1" latinLnBrk="0" hangingPunct="1">
+        <a:lnSpc>
+          <a:spcPct val="90000"/>
+        </a:lnSpc>
+        <a:spcBef>
+          <a:spcPts val="200"/>
+        </a:spcBef>
+        <a:spcAft>
+          <a:spcPts val="400"/>
+        </a:spcAft>
+        <a:buClr>
+          <a:schemeClr val="accent1"/>
+        </a:buClr>
+        <a:buFont typeface="Calibri" pitchFamily="34" charset="0"/>
+        <a:buChar char="◦"/>
+        <a:defRPr kumimoji="1" sz="1800" kern="1200">
+          <a:solidFill>
+            <a:schemeClr val="tx1">
+              <a:lumMod val="75000"/>
+              <a:lumOff val="25000"/>
+            </a:schemeClr>
+          </a:solidFill>
+          <a:latin typeface="+mn-lt"/>
+          <a:ea typeface="+mn-ea"/>
+          <a:cs typeface="+mn-cs"/>
+        </a:defRPr>
+      </a:lvl2pPr>
+      <a:lvl3pPr marL="566928" indent="-182880" algn="l" defTabSz="914400" rtl="0" eaLnBrk="1" latinLnBrk="0" hangingPunct="1">
+        <a:lnSpc>
+          <a:spcPct val="90000"/>
+        </a:lnSpc>
+        <a:spcBef>
+          <a:spcPts val="200"/>
+        </a:spcBef>
+        <a:spcAft>
+          <a:spcPts val="400"/>
+        </a:spcAft>
+        <a:buClr>
+          <a:schemeClr val="accent1"/>
+        </a:buClr>
+        <a:buFont typeface="Calibri" pitchFamily="34" charset="0"/>
+        <a:buChar char="◦"/>
+        <a:defRPr kumimoji="1" sz="1400" kern="1200">
+          <a:solidFill>
+            <a:schemeClr val="tx1">
+              <a:lumMod val="75000"/>
+              <a:lumOff val="25000"/>
+            </a:schemeClr>
+          </a:solidFill>
+          <a:latin typeface="+mn-lt"/>
+          <a:ea typeface="+mn-ea"/>
+          <a:cs typeface="+mn-cs"/>
+        </a:defRPr>
+      </a:lvl3pPr>
+      <a:lvl4pPr marL="749808" indent="-182880" algn="l" defTabSz="914400" rtl="0" eaLnBrk="1" latinLnBrk="0" hangingPunct="1">
+        <a:lnSpc>
+          <a:spcPct val="90000"/>
+        </a:lnSpc>
+        <a:spcBef>
+          <a:spcPts val="200"/>
+        </a:spcBef>
+        <a:spcAft>
+          <a:spcPts val="400"/>
+        </a:spcAft>
+        <a:buClr>
+          <a:schemeClr val="accent1"/>
+        </a:buClr>
+        <a:buFont typeface="Calibri" pitchFamily="34" charset="0"/>
+        <a:buChar char="◦"/>
+        <a:defRPr kumimoji="1" sz="1400" kern="1200">
+          <a:solidFill>
+            <a:schemeClr val="tx1">
+              <a:lumMod val="75000"/>
+              <a:lumOff val="25000"/>
+            </a:schemeClr>
+          </a:solidFill>
+          <a:latin typeface="+mn-lt"/>
+          <a:ea typeface="+mn-ea"/>
+          <a:cs typeface="+mn-cs"/>
+        </a:defRPr>
+      </a:lvl4pPr>
+      <a:lvl5pPr marL="932688" indent="-182880" algn="l" defTabSz="914400" rtl="0" eaLnBrk="1" latinLnBrk="0" hangingPunct="1">
+        <a:lnSpc>
+          <a:spcPct val="90000"/>
+        </a:lnSpc>
+        <a:spcBef>
+          <a:spcPts val="200"/>
+        </a:spcBef>
+        <a:spcAft>
+          <a:spcPts val="400"/>
+        </a:spcAft>
+        <a:buClr>
+          <a:schemeClr val="accent1"/>
+        </a:buClr>
+        <a:buFont typeface="Calibri" pitchFamily="34" charset="0"/>
+        <a:buChar char="◦"/>
+        <a:defRPr kumimoji="1" sz="1400" kern="1200">
+          <a:solidFill>
+            <a:schemeClr val="tx1">
+              <a:lumMod val="75000"/>
+              <a:lumOff val="25000"/>
+            </a:schemeClr>
+          </a:solidFill>
+          <a:latin typeface="+mn-lt"/>
+          <a:ea typeface="+mn-ea"/>
+          <a:cs typeface="+mn-cs"/>
+        </a:defRPr>
+      </a:lvl5pPr>
+      <a:lvl6pPr marL="1100000" indent="-228600" algn="l" defTabSz="914400" rtl="0" eaLnBrk="1" latinLnBrk="0" hangingPunct="1">
+        <a:lnSpc>
+          <a:spcPct val="90000"/>
+        </a:lnSpc>
+        <a:spcBef>
+          <a:spcPts val="200"/>
+        </a:spcBef>
+        <a:spcAft>
+          <a:spcPts val="400"/>
+        </a:spcAft>
+        <a:buClr>
+          <a:schemeClr val="accent1"/>
+        </a:buClr>
+        <a:buFont typeface="Calibri" pitchFamily="34" charset="0"/>
+        <a:buChar char="◦"/>
+        <a:defRPr kumimoji="1" sz="1400" kern="1200">
+          <a:solidFill>
+            <a:schemeClr val="tx1">
+              <a:lumMod val="75000"/>
+              <a:lumOff val="25000"/>
+            </a:schemeClr>
+          </a:solidFill>
+          <a:latin typeface="+mn-lt"/>
+          <a:ea typeface="+mn-ea"/>
+          <a:cs typeface="+mn-cs"/>
+        </a:defRPr>
+      </a:lvl6pPr>
+      <a:lvl7pPr marL="1300000" indent="-228600" algn="l" defTabSz="914400" rtl="0" eaLnBrk="1" latinLnBrk="0" hangingPunct="1">
+        <a:lnSpc>
+          <a:spcPct val="90000"/>
+        </a:lnSpc>
+        <a:spcBef>
+          <a:spcPts val="200"/>
+        </a:spcBef>
+        <a:spcAft>
+          <a:spcPts val="400"/>
+        </a:spcAft>
+        <a:buClr>
+          <a:schemeClr val="accent1"/>
+        </a:buClr>
+        <a:buFont typeface="Calibri" pitchFamily="34" charset="0"/>
+        <a:buChar char="◦"/>
+        <a:defRPr kumimoji="1" sz="1400" kern="1200">
+          <a:solidFill>
+            <a:schemeClr val="tx1">
+              <a:lumMod val="75000"/>
+              <a:lumOff val="25000"/>
+            </a:schemeClr>
+          </a:solidFill>
+          <a:latin typeface="+mn-lt"/>
+          <a:ea typeface="+mn-ea"/>
+          <a:cs typeface="+mn-cs"/>
+        </a:defRPr>
+      </a:lvl7pPr>
+      <a:lvl8pPr marL="1500000" indent="-228600" algn="l" defTabSz="914400" rtl="0" eaLnBrk="1" latinLnBrk="0" hangingPunct="1">
+        <a:lnSpc>
+          <a:spcPct val="90000"/>
+        </a:lnSpc>
+        <a:spcBef>
+          <a:spcPts val="200"/>
+        </a:spcBef>
+        <a:spcAft>
+          <a:spcPts val="400"/>
+        </a:spcAft>
+        <a:buClr>
+          <a:schemeClr val="accent1"/>
+        </a:buClr>
+        <a:buFont typeface="Calibri" pitchFamily="34" charset="0"/>
+        <a:buChar char="◦"/>
+        <a:defRPr kumimoji="1" sz="1400" kern="1200">
+          <a:solidFill>
+            <a:schemeClr val="tx1">
+              <a:lumMod val="75000"/>
+              <a:lumOff val="25000"/>
+            </a:schemeClr>
+          </a:solidFill>
+          <a:latin typeface="+mn-lt"/>
+          <a:ea typeface="+mn-ea"/>
+          <a:cs typeface="+mn-cs"/>
+        </a:defRPr>
+      </a:lvl8pPr>
+      <a:lvl9pPr marL="1700000" indent="-228600" algn="l" defTabSz="914400" rtl="0" eaLnBrk="1" latinLnBrk="0" hangingPunct="1">
+        <a:lnSpc>
+          <a:spcPct val="90000"/>
+        </a:lnSpc>
+        <a:spcBef>
+          <a:spcPts val="200"/>
+        </a:spcBef>
+        <a:spcAft>
+          <a:spcPts val="400"/>
+        </a:spcAft>
+        <a:buClr>
+          <a:schemeClr val="accent1"/>
+        </a:buClr>
+        <a:buFont typeface="Calibri" pitchFamily="34" charset="0"/>
+        <a:buChar char="◦"/>
+        <a:defRPr kumimoji="1" sz="1400" kern="1200">
+          <a:solidFill>
+            <a:schemeClr val="tx1">
+              <a:lumMod val="75000"/>
+              <a:lumOff val="25000"/>
+            </a:schemeClr>
+          </a:solidFill>
+          <a:latin typeface="+mn-lt"/>
+          <a:ea typeface="+mn-ea"/>
+          <a:cs typeface="+mn-cs"/>
+        </a:defRPr>
+      </a:lvl9pPr>
+    </p:bodyStyle>
+    <p:otherStyle>
+      <a:defPPr>
+        <a:defRPr lang="en-US"/>
       </a:defPPr>
       <a:lvl1pPr marL="0" algn="l" defTabSz="914400" rtl="0" eaLnBrk="1" latinLnBrk="0" hangingPunct="1">
         <a:defRPr kumimoji="1" sz="1800" kern="1200">
@@ -3328,6 +7647,13 @@
   <p:clrMapOvr>
     <a:masterClrMapping/>
   </p:clrMapOvr>
+  <p:timing>
+    <p:tnLst>
+      <p:par>
+        <p:cTn id="1" dur="indefinite" restart="never" nodeType="tmRoot"/>
+      </p:par>
+    </p:tnLst>
+  </p:timing>
 </p:sld>
 </file>
 
@@ -3387,8 +7713,27 @@
           <a:lstStyle/>
           <a:p>
             <a:r>
+              <a:rPr lang="ja-JP" altLang="en-US"/>
+              <a:t>キャチコピー：限られてる場所</a:t>
+            </a:r>
+            <a:r>
+              <a:rPr lang="ja-JP" altLang="en-US" smtClean="0"/>
+              <a:t>を奪い合い、生き残る</a:t>
+            </a:r>
+            <a:r>
+              <a:rPr lang="ja-JP" altLang="en-US"/>
+              <a:t>。</a:t>
+            </a:r>
+            <a:endParaRPr lang="en-US" altLang="ja-JP" smtClean="0"/>
+          </a:p>
+          <a:p>
+            <a:r>
+              <a:rPr lang="ja-JP" altLang="en-US" smtClean="0"/>
+              <a:t>ゲームジャンル</a:t>
+            </a:r>
+            <a:r>
               <a:rPr lang="ja-JP" altLang="en-US" dirty="0" smtClean="0"/>
-              <a:t>ゲームジャンル：ボードゲーム</a:t>
+              <a:t>：ボードゲーム</a:t>
             </a:r>
             <a:endParaRPr lang="en-US" altLang="ja-JP" dirty="0" smtClean="0"/>
           </a:p>
@@ -3438,6 +7783,13 @@
   <p:clrMapOvr>
     <a:masterClrMapping/>
   </p:clrMapOvr>
+  <p:timing>
+    <p:tnLst>
+      <p:par>
+        <p:cTn id="1" dur="indefinite" restart="never" nodeType="tmRoot"/>
+      </p:par>
+    </p:tnLst>
+  </p:timing>
 </p:sld>
 </file>
 
@@ -3460,6 +7812,77 @@
       </p:grpSpPr>
       <p:sp>
         <p:nvSpPr>
+          <p:cNvPr id="6" name="コンテンツ プレースホルダー 5"/>
+          <p:cNvSpPr>
+            <a:spLocks noGrp="1"/>
+          </p:cNvSpPr>
+          <p:nvPr>
+            <p:ph idx="13"/>
+          </p:nvPr>
+        </p:nvSpPr>
+        <p:spPr>
+          <a:xfrm>
+            <a:off x="1096963" y="1845943"/>
+            <a:ext cx="10058400" cy="4023360"/>
+          </a:xfrm>
+        </p:spPr>
+        <p:txBody>
+          <a:bodyPr>
+            <a:normAutofit/>
+          </a:bodyPr>
+          <a:lstStyle/>
+          <a:p>
+            <a:r>
+              <a:rPr lang="ja-JP" altLang="en-US" sz="2400" smtClean="0"/>
+              <a:t>右</a:t>
+            </a:r>
+            <a:r>
+              <a:rPr lang="ja-JP" altLang="en-US" sz="2400"/>
+              <a:t>の</a:t>
+            </a:r>
+            <a:r>
+              <a:rPr lang="ja-JP" altLang="en-US" sz="2400" smtClean="0"/>
+              <a:t>ようなマップ</a:t>
+            </a:r>
+            <a:r>
+              <a:rPr lang="ja-JP" altLang="en-US" sz="2400"/>
+              <a:t>を</a:t>
+            </a:r>
+            <a:r>
+              <a:rPr lang="ja-JP" altLang="en-US" sz="2400" smtClean="0"/>
+              <a:t>作る</a:t>
+            </a:r>
+            <a:endParaRPr lang="en-US" altLang="ja-JP" sz="2400"/>
+          </a:p>
+          <a:p>
+            <a:r>
+              <a:rPr lang="ja-JP" altLang="en-US" sz="2400" smtClean="0"/>
+              <a:t>各頂点に</a:t>
+            </a:r>
+            <a:r>
+              <a:rPr lang="ja-JP" altLang="en-US" sz="2400"/>
+              <a:t>プレイヤーの駒を</a:t>
+            </a:r>
+            <a:r>
+              <a:rPr lang="ja-JP" altLang="en-US" sz="2400" smtClean="0"/>
+              <a:t>置く</a:t>
+            </a:r>
+            <a:endParaRPr lang="en-US" altLang="ja-JP" sz="2400"/>
+          </a:p>
+          <a:p>
+            <a:r>
+              <a:rPr lang="ja-JP" altLang="en-US" sz="2400"/>
+              <a:t>順番に行動する</a:t>
+            </a:r>
+            <a:endParaRPr lang="en-US" altLang="ja-JP" sz="2400"/>
+          </a:p>
+          <a:p>
+            <a:endParaRPr kumimoji="1" lang="ja-JP" altLang="en-US" sz="2400"/>
+          </a:p>
+        </p:txBody>
+      </p:sp>
+      <p:sp>
+        <p:nvSpPr>
           <p:cNvPr id="2" name="タイトル 1"/>
           <p:cNvSpPr>
             <a:spLocks noGrp="1"/>
@@ -3481,25 +7904,35 @@
           </a:p>
         </p:txBody>
       </p:sp>
-      <p:sp>
-        <p:nvSpPr>
-          <p:cNvPr id="3" name="コンテンツ プレースホルダー 2"/>
-          <p:cNvSpPr>
-            <a:spLocks noGrp="1"/>
-          </p:cNvSpPr>
+      <p:pic>
+        <p:nvPicPr>
+          <p:cNvPr id="4" name="コンテンツ プレースホルダー 3"/>
+          <p:cNvPicPr>
+            <a:picLocks noGrp="1" noChangeAspect="1"/>
+          </p:cNvPicPr>
           <p:nvPr>
             <p:ph idx="1"/>
           </p:nvPr>
-        </p:nvSpPr>
-        <p:spPr/>
-        <p:txBody>
-          <a:bodyPr/>
-          <a:lstStyle/>
-          <a:p>
-            <a:endParaRPr kumimoji="1" lang="ja-JP" altLang="en-US"/>
-          </a:p>
-        </p:txBody>
-      </p:sp>
+        </p:nvPicPr>
+        <p:blipFill>
+          <a:blip r:embed="rId2" cstate="print">
+            <a:extLst>
+              <a:ext uri="{28A0092B-C50C-407E-A947-70E740481C1C}">
+                <a14:useLocalDpi xmlns:a14="http://schemas.microsoft.com/office/drawing/2010/main" val="0"/>
+              </a:ext>
+            </a:extLst>
+          </a:blip>
+          <a:stretch>
+            <a:fillRect/>
+          </a:stretch>
+        </p:blipFill>
+        <p:spPr>
+          <a:xfrm>
+            <a:off x="7547956" y="1862274"/>
+            <a:ext cx="3607407" cy="4007031"/>
+          </a:xfrm>
+        </p:spPr>
+      </p:pic>
     </p:spTree>
     <p:extLst>
       <p:ext uri="{BB962C8B-B14F-4D97-AF65-F5344CB8AC3E}">
@@ -3510,6 +7943,13 @@
   <p:clrMapOvr>
     <a:masterClrMapping/>
   </p:clrMapOvr>
+  <p:timing>
+    <p:tnLst>
+      <p:par>
+        <p:cTn id="1" dur="indefinite" restart="never" nodeType="tmRoot"/>
+      </p:par>
+    </p:tnLst>
+  </p:timing>
 </p:sld>
 </file>
 
@@ -3563,16 +8003,23 @@
             <p:ph type="body" idx="1"/>
           </p:nvPr>
         </p:nvSpPr>
-        <p:spPr/>
-        <p:txBody>
-          <a:bodyPr/>
-          <a:lstStyle/>
-          <a:p>
-            <a:r>
-              <a:rPr kumimoji="1" lang="ja-JP" altLang="en-US" dirty="0" smtClean="0"/>
+        <p:spPr>
+          <a:xfrm>
+            <a:off x="1097280" y="2396645"/>
+            <a:ext cx="4937760" cy="736282"/>
+          </a:xfrm>
+        </p:spPr>
+        <p:txBody>
+          <a:bodyPr>
+            <a:noAutofit/>
+          </a:bodyPr>
+          <a:lstStyle/>
+          <a:p>
+            <a:r>
+              <a:rPr kumimoji="1" lang="ja-JP" altLang="en-US" sz="2800" dirty="0" smtClean="0"/>
               <a:t>周りに空いているマスへ移動</a:t>
             </a:r>
-            <a:endParaRPr kumimoji="1" lang="ja-JP" altLang="en-US" dirty="0"/>
+            <a:endParaRPr kumimoji="1" lang="ja-JP" altLang="en-US" sz="2800" dirty="0"/>
           </a:p>
         </p:txBody>
       </p:sp>
@@ -3600,8 +8047,8 @@
         </p:blipFill>
         <p:spPr>
           <a:xfrm>
-            <a:off x="2257390" y="3821113"/>
-            <a:ext cx="2322581" cy="1027178"/>
+            <a:off x="1097280" y="3359953"/>
+            <a:ext cx="4397230" cy="1944707"/>
           </a:xfrm>
         </p:spPr>
       </p:pic>
@@ -3615,16 +8062,21 @@
             <p:ph type="body" sz="quarter" idx="3"/>
           </p:nvPr>
         </p:nvSpPr>
-        <p:spPr/>
-        <p:txBody>
-          <a:bodyPr/>
-          <a:lstStyle/>
-          <a:p>
-            <a:r>
-              <a:rPr kumimoji="1" lang="ja-JP" altLang="en-US" dirty="0" smtClean="0"/>
+        <p:spPr>
+          <a:xfrm>
+            <a:off x="6217920" y="2396645"/>
+            <a:ext cx="4937760" cy="736282"/>
+          </a:xfrm>
+        </p:spPr>
+        <p:txBody>
+          <a:bodyPr/>
+          <a:lstStyle/>
+          <a:p>
+            <a:r>
+              <a:rPr kumimoji="1" lang="ja-JP" altLang="en-US" sz="2800" dirty="0" smtClean="0"/>
               <a:t>周りのマスを選択して破壊</a:t>
             </a:r>
-            <a:endParaRPr kumimoji="1" lang="ja-JP" altLang="en-US" dirty="0"/>
+            <a:endParaRPr kumimoji="1" lang="ja-JP" altLang="en-US" sz="2800" dirty="0"/>
           </a:p>
         </p:txBody>
       </p:sp>
@@ -3652,8 +8104,8 @@
         </p:blipFill>
         <p:spPr>
           <a:xfrm>
-            <a:off x="7602503" y="3833780"/>
-            <a:ext cx="2322581" cy="1027178"/>
+            <a:off x="6217920" y="3359953"/>
+            <a:ext cx="4397231" cy="1944707"/>
           </a:xfrm>
         </p:spPr>
       </p:pic>
@@ -3667,6 +8119,13 @@
   <p:clrMapOvr>
     <a:masterClrMapping/>
   </p:clrMapOvr>
+  <p:timing>
+    <p:tnLst>
+      <p:par>
+        <p:cTn id="1" dur="indefinite" restart="never" nodeType="tmRoot"/>
+      </p:par>
+    </p:tnLst>
+  </p:timing>
 </p:sld>
 </file>
 
@@ -3720,16 +8179,21 @@
             <p:ph type="body" idx="1"/>
           </p:nvPr>
         </p:nvSpPr>
-        <p:spPr/>
-        <p:txBody>
-          <a:bodyPr/>
-          <a:lstStyle/>
-          <a:p>
-            <a:r>
-              <a:rPr kumimoji="1" lang="ja-JP" altLang="en-US" dirty="0" smtClean="0"/>
+        <p:spPr>
+          <a:xfrm>
+            <a:off x="1097280" y="2452882"/>
+            <a:ext cx="4937760" cy="736282"/>
+          </a:xfrm>
+        </p:spPr>
+        <p:txBody>
+          <a:bodyPr/>
+          <a:lstStyle/>
+          <a:p>
+            <a:r>
+              <a:rPr kumimoji="1" lang="ja-JP" altLang="en-US" sz="2800" dirty="0" smtClean="0"/>
               <a:t>動けなくなったら負け</a:t>
             </a:r>
-            <a:endParaRPr kumimoji="1" lang="ja-JP" altLang="en-US" dirty="0"/>
+            <a:endParaRPr kumimoji="1" lang="ja-JP" altLang="en-US" sz="2800" dirty="0"/>
           </a:p>
         </p:txBody>
       </p:sp>
@@ -3757,8 +8221,8 @@
         </p:blipFill>
         <p:spPr>
           <a:xfrm>
-            <a:off x="2257391" y="3833780"/>
-            <a:ext cx="2322581" cy="1027178"/>
+            <a:off x="1097280" y="3488603"/>
+            <a:ext cx="3906779" cy="1727801"/>
           </a:xfrm>
         </p:spPr>
       </p:pic>
@@ -3772,18 +8236,29 @@
             <p:ph type="body" sz="quarter" idx="3"/>
           </p:nvPr>
         </p:nvSpPr>
-        <p:spPr/>
-        <p:txBody>
-          <a:bodyPr/>
-          <a:lstStyle/>
-          <a:p>
-            <a:endParaRPr kumimoji="1" lang="ja-JP" altLang="en-US" dirty="0"/>
+        <p:spPr>
+          <a:xfrm>
+            <a:off x="5689445" y="2452882"/>
+            <a:ext cx="4937760" cy="736282"/>
+          </a:xfrm>
+        </p:spPr>
+        <p:txBody>
+          <a:bodyPr>
+            <a:normAutofit/>
+          </a:bodyPr>
+          <a:lstStyle/>
+          <a:p>
+            <a:r>
+              <a:rPr kumimoji="1" lang="ja-JP" altLang="en-US" sz="2800" smtClean="0"/>
+              <a:t>マップを切断して、相手を落とす</a:t>
+            </a:r>
+            <a:endParaRPr kumimoji="1" lang="ja-JP" altLang="en-US" sz="2800" dirty="0"/>
           </a:p>
         </p:txBody>
       </p:sp>
       <p:pic>
         <p:nvPicPr>
-          <p:cNvPr id="8" name="コンテンツ プレースホルダー 7"/>
+          <p:cNvPr id="6" name="コンテンツ プレースホルダー 5"/>
           <p:cNvPicPr>
             <a:picLocks noGrp="1" noChangeAspect="1"/>
           </p:cNvPicPr>
@@ -3805,8 +8280,8 @@
         </p:blipFill>
         <p:spPr>
           <a:xfrm>
-            <a:off x="7602503" y="3835304"/>
-            <a:ext cx="2322581" cy="1024130"/>
+            <a:off x="5689445" y="3488603"/>
+            <a:ext cx="5665943" cy="1727801"/>
           </a:xfrm>
         </p:spPr>
       </p:pic>
@@ -3820,11 +8295,78 @@
   <p:clrMapOvr>
     <a:masterClrMapping/>
   </p:clrMapOvr>
+  <p:timing>
+    <p:tnLst>
+      <p:par>
+        <p:cTn id="1" dur="indefinite" restart="never" nodeType="tmRoot"/>
+      </p:par>
+    </p:tnLst>
+  </p:timing>
+</p:sld>
+</file>
+
+<file path=ppt/slides/slide6.xml><?xml version="1.0" encoding="utf-8"?>
+<p:sld xmlns:a="http://schemas.openxmlformats.org/drawingml/2006/main" xmlns:r="http://schemas.openxmlformats.org/officeDocument/2006/relationships" xmlns:p="http://schemas.openxmlformats.org/presentationml/2006/main">
+  <p:cSld>
+    <p:spTree>
+      <p:nvGrpSpPr>
+        <p:cNvPr id="1" name=""/>
+        <p:cNvGrpSpPr/>
+        <p:nvPr/>
+      </p:nvGrpSpPr>
+      <p:grpSpPr>
+        <a:xfrm>
+          <a:off x="0" y="0"/>
+          <a:ext cx="0" cy="0"/>
+          <a:chOff x="0" y="0"/>
+          <a:chExt cx="0" cy="0"/>
+        </a:xfrm>
+      </p:grpSpPr>
+      <p:sp>
+        <p:nvSpPr>
+          <p:cNvPr id="2" name="タイトル 1"/>
+          <p:cNvSpPr>
+            <a:spLocks noGrp="1"/>
+          </p:cNvSpPr>
+          <p:nvPr>
+            <p:ph type="title"/>
+          </p:nvPr>
+        </p:nvSpPr>
+        <p:spPr/>
+        <p:txBody>
+          <a:bodyPr/>
+          <a:lstStyle/>
+          <a:p>
+            <a:r>
+              <a:rPr kumimoji="1" lang="ja-JP" altLang="en-US" smtClean="0"/>
+              <a:t>ご清聴ありがとうございました</a:t>
+            </a:r>
+            <a:endParaRPr kumimoji="1" lang="ja-JP" altLang="en-US"/>
+          </a:p>
+        </p:txBody>
+      </p:sp>
+    </p:spTree>
+    <p:extLst>
+      <p:ext uri="{BB962C8B-B14F-4D97-AF65-F5344CB8AC3E}">
+        <p14:creationId xmlns:p14="http://schemas.microsoft.com/office/powerpoint/2010/main" val="2547294330"/>
+      </p:ext>
+    </p:extLst>
+  </p:cSld>
+  <p:clrMapOvr>
+    <a:masterClrMapping/>
+  </p:clrMapOvr>
+  <p:timing>
+    <p:tnLst>
+      <p:par>
+        <p:cTn id="1" dur="indefinite" restart="never" nodeType="tmRoot"/>
+      </p:par>
+    </p:tnLst>
+  </p:timing>
 </p:sld>
 </file>
 
 <file path=ppt/theme/theme1.xml><?xml version="1.0" encoding="utf-8"?>
-<a:theme xmlns:a="http://schemas.openxmlformats.org/drawingml/2006/main" name="Office テーマ">
+<a:theme xmlns:a="http://schemas.openxmlformats.org/drawingml/2006/main" name="HDOfficeLightV0">
   <a:themeElements>
     <a:clrScheme name="Office">
       <a:dk1>
@@ -3866,12 +8408,12 @@
     </a:clrScheme>
     <a:fontScheme name="Office">
       <a:majorFont>
-        <a:latin typeface="游ゴシック Light" panose="020F0302020204030204"/>
+        <a:latin typeface="Calibri Light"/>
         <a:ea typeface=""/>
         <a:cs typeface=""/>
-        <a:font script="Jpan" typeface="游ゴシック Light"/>
+        <a:font script="Jpan" typeface="ＭＳ Ｐゴシック"/>
         <a:font script="Hang" typeface="맑은 고딕"/>
-        <a:font script="Hans" typeface="等线 Light"/>
+        <a:font script="Hans" typeface="宋体"/>
         <a:font script="Hant" typeface="新細明體"/>
         <a:font script="Arab" typeface="Times New Roman"/>
         <a:font script="Hebr" typeface="Times New Roman"/>
@@ -3901,12 +8443,12 @@
         <a:font script="Geor" typeface="Sylfaen"/>
       </a:majorFont>
       <a:minorFont>
-        <a:latin typeface="游ゴシック" panose="020F0502020204030204"/>
+        <a:latin typeface="Calibri"/>
         <a:ea typeface=""/>
         <a:cs typeface=""/>
-        <a:font script="Jpan" typeface="游ゴシック"/>
+        <a:font script="Jpan" typeface="ＭＳ Ｐゴシック"/>
         <a:font script="Hang" typeface="맑은 고딕"/>
-        <a:font script="Hans" typeface="等线"/>
+        <a:font script="Hans" typeface="宋体"/>
         <a:font script="Hant" typeface="新細明體"/>
         <a:font script="Arab" typeface="Arial"/>
         <a:font script="Hebr" typeface="Arial"/>
@@ -3945,23 +8487,23 @@
           <a:gsLst>
             <a:gs pos="0">
               <a:schemeClr val="phClr">
+                <a:tint val="67000"/>
+                <a:satMod val="105000"/>
                 <a:lumMod val="110000"/>
-                <a:satMod val="105000"/>
-                <a:tint val="67000"/>
               </a:schemeClr>
             </a:gs>
             <a:gs pos="50000">
               <a:schemeClr val="phClr">
+                <a:tint val="73000"/>
+                <a:satMod val="103000"/>
                 <a:lumMod val="105000"/>
-                <a:satMod val="103000"/>
-                <a:tint val="73000"/>
               </a:schemeClr>
             </a:gs>
             <a:gs pos="100000">
               <a:schemeClr val="phClr">
+                <a:tint val="81000"/>
+                <a:satMod val="109000"/>
                 <a:lumMod val="105000"/>
-                <a:satMod val="109000"/>
-                <a:tint val="81000"/>
               </a:schemeClr>
             </a:gs>
           </a:gsLst>
@@ -3971,23 +8513,23 @@
           <a:gsLst>
             <a:gs pos="0">
               <a:schemeClr val="phClr">
+                <a:tint val="94000"/>
                 <a:satMod val="103000"/>
                 <a:lumMod val="102000"/>
-                <a:tint val="94000"/>
               </a:schemeClr>
             </a:gs>
             <a:gs pos="50000">
               <a:schemeClr val="phClr">
+                <a:shade val="100000"/>
                 <a:satMod val="110000"/>
                 <a:lumMod val="100000"/>
-                <a:shade val="100000"/>
               </a:schemeClr>
             </a:gs>
             <a:gs pos="100000">
               <a:schemeClr val="phClr">
+                <a:shade val="78000"/>
+                <a:satMod val="120000"/>
                 <a:lumMod val="99000"/>
-                <a:satMod val="120000"/>
-                <a:shade val="78000"/>
               </a:schemeClr>
             </a:gs>
           </a:gsLst>
@@ -4000,21 +8542,18 @@
             <a:schemeClr val="phClr"/>
           </a:solidFill>
           <a:prstDash val="solid"/>
-          <a:miter lim="800000"/>
         </a:ln>
         <a:ln w="12700" cap="flat" cmpd="sng" algn="ctr">
           <a:solidFill>
             <a:schemeClr val="phClr"/>
           </a:solidFill>
           <a:prstDash val="solid"/>
-          <a:miter lim="800000"/>
         </a:ln>
         <a:ln w="19050" cap="flat" cmpd="sng" algn="ctr">
           <a:solidFill>
             <a:schemeClr val="phClr"/>
           </a:solidFill>
           <a:prstDash val="solid"/>
-          <a:miter lim="800000"/>
         </a:ln>
       </a:lnStyleLst>
       <a:effectStyleLst>
@@ -4049,16 +8588,16 @@
             <a:gs pos="0">
               <a:schemeClr val="phClr">
                 <a:tint val="93000"/>
+                <a:shade val="98000"/>
                 <a:satMod val="150000"/>
-                <a:shade val="98000"/>
                 <a:lumMod val="102000"/>
               </a:schemeClr>
             </a:gs>
             <a:gs pos="50000">
               <a:schemeClr val="phClr">
                 <a:tint val="98000"/>
+                <a:shade val="90000"/>
                 <a:satMod val="130000"/>
-                <a:shade val="90000"/>
                 <a:lumMod val="103000"/>
               </a:schemeClr>
             </a:gs>
@@ -4076,9 +8615,287 @@
   </a:themeElements>
   <a:objectDefaults/>
   <a:extraClrSchemeLst/>
+</a:theme>
+</file>
+
+<file path=ppt/theme/theme2.xml><?xml version="1.0" encoding="utf-8"?>
+<a:theme xmlns:a="http://schemas.openxmlformats.org/drawingml/2006/main" name="レトロスペクト">
+  <a:themeElements>
+    <a:clrScheme name="レトロスペクト">
+      <a:dk1>
+        <a:sysClr val="windowText" lastClr="000000"/>
+      </a:dk1>
+      <a:lt1>
+        <a:sysClr val="window" lastClr="FFFFFF"/>
+      </a:lt1>
+      <a:dk2>
+        <a:srgbClr val="455F51"/>
+      </a:dk2>
+      <a:lt2>
+        <a:srgbClr val="E2DFCC"/>
+      </a:lt2>
+      <a:accent1>
+        <a:srgbClr val="99CB38"/>
+      </a:accent1>
+      <a:accent2>
+        <a:srgbClr val="63A537"/>
+      </a:accent2>
+      <a:accent3>
+        <a:srgbClr val="37A76F"/>
+      </a:accent3>
+      <a:accent4>
+        <a:srgbClr val="44C1A3"/>
+      </a:accent4>
+      <a:accent5>
+        <a:srgbClr val="4EB3CF"/>
+      </a:accent5>
+      <a:accent6>
+        <a:srgbClr val="51C3F9"/>
+      </a:accent6>
+      <a:hlink>
+        <a:srgbClr val="6B9F25"/>
+      </a:hlink>
+      <a:folHlink>
+        <a:srgbClr val="B26B02"/>
+      </a:folHlink>
+    </a:clrScheme>
+    <a:fontScheme name="レトロスペクト">
+      <a:majorFont>
+        <a:latin typeface="Calibri Light" panose="020F0302020204030204"/>
+        <a:ea typeface=""/>
+        <a:cs typeface=""/>
+        <a:font script="Jpan" typeface="ＭＳ Ｐゴシック"/>
+        <a:font script="Hang" typeface="맑은 고딕"/>
+        <a:font script="Hans" typeface="宋体"/>
+        <a:font script="Hant" typeface="新細明體"/>
+        <a:font script="Arab" typeface="Times New Roman"/>
+        <a:font script="Hebr" typeface="Times New Roman"/>
+        <a:font script="Thai" typeface="Angsana New"/>
+        <a:font script="Ethi" typeface="Nyala"/>
+        <a:font script="Beng" typeface="Vrinda"/>
+        <a:font script="Gujr" typeface="Shruti"/>
+        <a:font script="Khmr" typeface="MoolBoran"/>
+        <a:font script="Knda" typeface="Tunga"/>
+        <a:font script="Guru" typeface="Raavi"/>
+        <a:font script="Cans" typeface="Euphemia"/>
+        <a:font script="Cher" typeface="Plantagenet Cherokee"/>
+        <a:font script="Yiii" typeface="Microsoft Yi Baiti"/>
+        <a:font script="Tibt" typeface="Microsoft Himalaya"/>
+        <a:font script="Thaa" typeface="MV Boli"/>
+        <a:font script="Deva" typeface="Mangal"/>
+        <a:font script="Telu" typeface="Gautami"/>
+        <a:font script="Taml" typeface="Latha"/>
+        <a:font script="Syrc" typeface="Estrangelo Edessa"/>
+        <a:font script="Orya" typeface="Kalinga"/>
+        <a:font script="Mlym" typeface="Kartika"/>
+        <a:font script="Laoo" typeface="DokChampa"/>
+        <a:font script="Sinh" typeface="Iskoola Pota"/>
+        <a:font script="Mong" typeface="Mongolian Baiti"/>
+        <a:font script="Viet" typeface="Times New Roman"/>
+        <a:font script="Uigh" typeface="Microsoft Uighur"/>
+        <a:font script="Geor" typeface="Sylfaen"/>
+      </a:majorFont>
+      <a:minorFont>
+        <a:latin typeface="Calibri" panose="020F0502020204030204"/>
+        <a:ea typeface=""/>
+        <a:cs typeface=""/>
+        <a:font script="Jpan" typeface="ＭＳ Ｐゴシック"/>
+        <a:font script="Hang" typeface="맑은 고딕"/>
+        <a:font script="Hans" typeface="宋体"/>
+        <a:font script="Hant" typeface="新細明體"/>
+        <a:font script="Arab" typeface="Arial"/>
+        <a:font script="Hebr" typeface="Arial"/>
+        <a:font script="Thai" typeface="Cordia New"/>
+        <a:font script="Ethi" typeface="Nyala"/>
+        <a:font script="Beng" typeface="Vrinda"/>
+        <a:font script="Gujr" typeface="Shruti"/>
+        <a:font script="Khmr" typeface="DaunPenh"/>
+        <a:font script="Knda" typeface="Tunga"/>
+        <a:font script="Guru" typeface="Raavi"/>
+        <a:font script="Cans" typeface="Euphemia"/>
+        <a:font script="Cher" typeface="Plantagenet Cherokee"/>
+        <a:font script="Yiii" typeface="Microsoft Yi Baiti"/>
+        <a:font script="Tibt" typeface="Microsoft Himalaya"/>
+        <a:font script="Thaa" typeface="MV Boli"/>
+        <a:font script="Deva" typeface="Mangal"/>
+        <a:font script="Telu" typeface="Gautami"/>
+        <a:font script="Taml" typeface="Latha"/>
+        <a:font script="Syrc" typeface="Estrangelo Edessa"/>
+        <a:font script="Orya" typeface="Kalinga"/>
+        <a:font script="Mlym" typeface="Kartika"/>
+        <a:font script="Laoo" typeface="DokChampa"/>
+        <a:font script="Sinh" typeface="Iskoola Pota"/>
+        <a:font script="Mong" typeface="Mongolian Baiti"/>
+        <a:font script="Viet" typeface="Arial"/>
+        <a:font script="Uigh" typeface="Microsoft Uighur"/>
+        <a:font script="Geor" typeface="Sylfaen"/>
+      </a:minorFont>
+    </a:fontScheme>
+    <a:fmtScheme name="レトロスペクト">
+      <a:fillStyleLst>
+        <a:solidFill>
+          <a:schemeClr val="phClr"/>
+        </a:solidFill>
+        <a:gradFill rotWithShape="1">
+          <a:gsLst>
+            <a:gs pos="0">
+              <a:schemeClr val="phClr">
+                <a:tint val="65000"/>
+                <a:shade val="92000"/>
+                <a:satMod val="130000"/>
+              </a:schemeClr>
+            </a:gs>
+            <a:gs pos="45000">
+              <a:schemeClr val="phClr">
+                <a:tint val="60000"/>
+                <a:shade val="99000"/>
+                <a:satMod val="120000"/>
+              </a:schemeClr>
+            </a:gs>
+            <a:gs pos="100000">
+              <a:schemeClr val="phClr">
+                <a:tint val="55000"/>
+                <a:satMod val="140000"/>
+              </a:schemeClr>
+            </a:gs>
+          </a:gsLst>
+          <a:path path="circle">
+            <a:fillToRect l="100000" t="100000" r="100000" b="100000"/>
+          </a:path>
+        </a:gradFill>
+        <a:gradFill rotWithShape="1">
+          <a:gsLst>
+            <a:gs pos="0">
+              <a:schemeClr val="phClr">
+                <a:shade val="85000"/>
+                <a:satMod val="130000"/>
+              </a:schemeClr>
+            </a:gs>
+            <a:gs pos="34000">
+              <a:schemeClr val="phClr">
+                <a:shade val="87000"/>
+                <a:satMod val="125000"/>
+              </a:schemeClr>
+            </a:gs>
+            <a:gs pos="70000">
+              <a:schemeClr val="phClr">
+                <a:tint val="100000"/>
+                <a:shade val="90000"/>
+                <a:satMod val="130000"/>
+              </a:schemeClr>
+            </a:gs>
+            <a:gs pos="100000">
+              <a:schemeClr val="phClr">
+                <a:tint val="100000"/>
+                <a:shade val="100000"/>
+                <a:satMod val="110000"/>
+              </a:schemeClr>
+            </a:gs>
+          </a:gsLst>
+          <a:path path="circle">
+            <a:fillToRect l="100000" t="100000" r="100000" b="100000"/>
+          </a:path>
+        </a:gradFill>
+      </a:fillStyleLst>
+      <a:lnStyleLst>
+        <a:ln w="12700" cap="flat" cmpd="sng" algn="ctr">
+          <a:solidFill>
+            <a:schemeClr val="phClr"/>
+          </a:solidFill>
+          <a:prstDash val="solid"/>
+        </a:ln>
+        <a:ln w="15875" cap="flat" cmpd="sng" algn="ctr">
+          <a:solidFill>
+            <a:schemeClr val="phClr"/>
+          </a:solidFill>
+          <a:prstDash val="solid"/>
+        </a:ln>
+        <a:ln w="25400" cap="flat" cmpd="sng" algn="ctr">
+          <a:solidFill>
+            <a:schemeClr val="phClr"/>
+          </a:solidFill>
+          <a:prstDash val="solid"/>
+        </a:ln>
+      </a:lnStyleLst>
+      <a:effectStyleLst>
+        <a:effectStyle>
+          <a:effectLst/>
+        </a:effectStyle>
+        <a:effectStyle>
+          <a:effectLst>
+            <a:outerShdw blurRad="38100" dist="25400" dir="2700000" algn="br" rotWithShape="0">
+              <a:srgbClr val="000000">
+                <a:alpha val="60000"/>
+              </a:srgbClr>
+            </a:outerShdw>
+          </a:effectLst>
+        </a:effectStyle>
+        <a:effectStyle>
+          <a:effectLst>
+            <a:outerShdw blurRad="44450" dist="25400" dir="2700000" algn="br" rotWithShape="0">
+              <a:srgbClr val="000000">
+                <a:alpha val="60000"/>
+              </a:srgbClr>
+            </a:outerShdw>
+          </a:effectLst>
+          <a:scene3d>
+            <a:camera prst="orthographicFront">
+              <a:rot lat="0" lon="0" rev="0"/>
+            </a:camera>
+            <a:lightRig rig="threePt" dir="t">
+              <a:rot lat="0" lon="0" rev="19800000"/>
+            </a:lightRig>
+          </a:scene3d>
+          <a:sp3d prstMaterial="flat">
+            <a:bevelT w="25400" h="31750"/>
+          </a:sp3d>
+        </a:effectStyle>
+      </a:effectStyleLst>
+      <a:bgFillStyleLst>
+        <a:solidFill>
+          <a:schemeClr val="phClr"/>
+        </a:solidFill>
+        <a:solidFill>
+          <a:schemeClr val="phClr">
+            <a:tint val="90000"/>
+            <a:shade val="97000"/>
+            <a:satMod val="130000"/>
+          </a:schemeClr>
+        </a:solidFill>
+        <a:gradFill rotWithShape="1">
+          <a:gsLst>
+            <a:gs pos="0">
+              <a:schemeClr val="phClr">
+                <a:tint val="96000"/>
+                <a:shade val="99000"/>
+                <a:satMod val="140000"/>
+              </a:schemeClr>
+            </a:gs>
+            <a:gs pos="65000">
+              <a:schemeClr val="phClr">
+                <a:tint val="100000"/>
+                <a:shade val="80000"/>
+                <a:satMod val="130000"/>
+              </a:schemeClr>
+            </a:gs>
+            <a:gs pos="100000">
+              <a:schemeClr val="phClr">
+                <a:tint val="100000"/>
+                <a:shade val="48000"/>
+                <a:satMod val="120000"/>
+              </a:schemeClr>
+            </a:gs>
+          </a:gsLst>
+          <a:lin ang="16200000" scaled="0"/>
+        </a:gradFill>
+      </a:bgFillStyleLst>
+    </a:fmtScheme>
+  </a:themeElements>
+  <a:objectDefaults/>
+  <a:extraClrSchemeLst/>
   <a:extLst>
     <a:ext uri="{05A4C25C-085E-4340-85A3-A5531E510DB2}">
-      <thm15:themeFamily xmlns:thm15="http://schemas.microsoft.com/office/thememl/2012/main" name="Office Theme" id="{62F939B6-93AF-4DB8-9C6B-D6C7DFDC589F}" vid="{4A3C46E8-61CC-4603-A589-7422A47A8E4A}"/>
+      <thm15:themeFamily xmlns:thm15="http://schemas.microsoft.com/office/thememl/2012/main" name="Retrospect" id="{5F128B03-DCCA-4EEB-AB3B-CF2899314A46}" vid="{D26EA377-59BD-4C9C-9D94-EE8416EE4C79}"/>
     </a:ext>
   </a:extLst>
 </a:theme>
